--- a/分布式计算/课件/06. 基本图算法（III）.pptx
+++ b/分布式计算/课件/06. 基本图算法（III）.pptx
@@ -1,25 +1,25 @@
 
 <file path=ppt/presentation.xml><?xml version="1.0" encoding="utf-8"?>
-<p:presentation xmlns:a="http://schemas.openxmlformats.org/drawingml/2006/main" xmlns:r="http://schemas.openxmlformats.org/officeDocument/2006/relationships" xmlns:p="http://schemas.openxmlformats.org/presentationml/2006/main" saveSubsetFonts="1">
+<p:presentation xmlns:a="http://schemas.openxmlformats.org/drawingml/2006/main" xmlns:r="http://schemas.openxmlformats.org/officeDocument/2006/relationships" xmlns:p="http://schemas.openxmlformats.org/presentationml/2006/main">
   <p:sldMasterIdLst>
-    <p:sldMasterId id="2147483684" r:id="rId1"/>
+    <p:sldMasterId id="2147483648" r:id="rId1"/>
   </p:sldMasterIdLst>
   <p:notesMasterIdLst>
-    <p:notesMasterId r:id="rId11"/>
+    <p:notesMasterId r:id="rId5"/>
   </p:notesMasterIdLst>
   <p:handoutMasterIdLst>
-    <p:handoutMasterId r:id="rId12"/>
+    <p:handoutMasterId r:id="rId13"/>
   </p:handoutMasterIdLst>
   <p:sldIdLst>
-    <p:sldId id="256" r:id="rId2"/>
-    <p:sldId id="420" r:id="rId3"/>
-    <p:sldId id="551" r:id="rId4"/>
-    <p:sldId id="552" r:id="rId5"/>
-    <p:sldId id="553" r:id="rId6"/>
-    <p:sldId id="555" r:id="rId7"/>
-    <p:sldId id="532" r:id="rId8"/>
-    <p:sldId id="556" r:id="rId9"/>
-    <p:sldId id="557" r:id="rId10"/>
+    <p:sldId id="256" r:id="rId3"/>
+    <p:sldId id="420" r:id="rId4"/>
+    <p:sldId id="551" r:id="rId6"/>
+    <p:sldId id="552" r:id="rId7"/>
+    <p:sldId id="553" r:id="rId8"/>
+    <p:sldId id="555" r:id="rId9"/>
+    <p:sldId id="532" r:id="rId10"/>
+    <p:sldId id="556" r:id="rId11"/>
+    <p:sldId id="557" r:id="rId12"/>
   </p:sldIdLst>
   <p:sldSz cx="9144000" cy="6858000" type="screen4x3"/>
   <p:notesSz cx="6858000" cy="9144000"/>
@@ -43,7 +43,7 @@
         <a:cs typeface="+mn-cs"/>
       </a:defRPr>
     </a:lvl1pPr>
-    <a:lvl2pPr marL="457182" algn="l" rtl="0" eaLnBrk="0" fontAlgn="base" hangingPunct="0">
+    <a:lvl2pPr marL="457200" algn="l" rtl="0" eaLnBrk="0" fontAlgn="base" hangingPunct="0">
       <a:spcBef>
         <a:spcPct val="0"/>
       </a:spcBef>
@@ -59,7 +59,7 @@
         <a:cs typeface="+mn-cs"/>
       </a:defRPr>
     </a:lvl2pPr>
-    <a:lvl3pPr marL="914362" algn="l" rtl="0" eaLnBrk="0" fontAlgn="base" hangingPunct="0">
+    <a:lvl3pPr marL="914400" algn="l" rtl="0" eaLnBrk="0" fontAlgn="base" hangingPunct="0">
       <a:spcBef>
         <a:spcPct val="0"/>
       </a:spcBef>
@@ -75,7 +75,7 @@
         <a:cs typeface="+mn-cs"/>
       </a:defRPr>
     </a:lvl3pPr>
-    <a:lvl4pPr marL="1371544" algn="l" rtl="0" eaLnBrk="0" fontAlgn="base" hangingPunct="0">
+    <a:lvl4pPr marL="1371600" algn="l" rtl="0" eaLnBrk="0" fontAlgn="base" hangingPunct="0">
       <a:spcBef>
         <a:spcPct val="0"/>
       </a:spcBef>
@@ -91,7 +91,7 @@
         <a:cs typeface="+mn-cs"/>
       </a:defRPr>
     </a:lvl4pPr>
-    <a:lvl5pPr marL="1828725" algn="l" rtl="0" eaLnBrk="0" fontAlgn="base" hangingPunct="0">
+    <a:lvl5pPr marL="1828800" algn="l" rtl="0" eaLnBrk="0" fontAlgn="base" hangingPunct="0">
       <a:spcBef>
         <a:spcPct val="0"/>
       </a:spcBef>
@@ -107,7 +107,7 @@
         <a:cs typeface="+mn-cs"/>
       </a:defRPr>
     </a:lvl5pPr>
-    <a:lvl6pPr marL="2285906" algn="l" defTabSz="914362" rtl="0" eaLnBrk="1" latinLnBrk="0" hangingPunct="1">
+    <a:lvl6pPr marL="2286000" algn="l" defTabSz="914400" rtl="0" eaLnBrk="1" latinLnBrk="0" hangingPunct="1">
       <a:defRPr kern="1200">
         <a:solidFill>
           <a:schemeClr val="tx1"/>
@@ -117,7 +117,7 @@
         <a:cs typeface="+mn-cs"/>
       </a:defRPr>
     </a:lvl6pPr>
-    <a:lvl7pPr marL="2743088" algn="l" defTabSz="914362" rtl="0" eaLnBrk="1" latinLnBrk="0" hangingPunct="1">
+    <a:lvl7pPr marL="2743200" algn="l" defTabSz="914400" rtl="0" eaLnBrk="1" latinLnBrk="0" hangingPunct="1">
       <a:defRPr kern="1200">
         <a:solidFill>
           <a:schemeClr val="tx1"/>
@@ -127,7 +127,7 @@
         <a:cs typeface="+mn-cs"/>
       </a:defRPr>
     </a:lvl7pPr>
-    <a:lvl8pPr marL="3200268" algn="l" defTabSz="914362" rtl="0" eaLnBrk="1" latinLnBrk="0" hangingPunct="1">
+    <a:lvl8pPr marL="3200400" algn="l" defTabSz="914400" rtl="0" eaLnBrk="1" latinLnBrk="0" hangingPunct="1">
       <a:defRPr kern="1200">
         <a:solidFill>
           <a:schemeClr val="tx1"/>
@@ -137,7 +137,7 @@
         <a:cs typeface="+mn-cs"/>
       </a:defRPr>
     </a:lvl8pPr>
-    <a:lvl9pPr marL="3657450" algn="l" defTabSz="914362" rtl="0" eaLnBrk="1" latinLnBrk="0" hangingPunct="1">
+    <a:lvl9pPr marL="3657600" algn="l" defTabSz="914400" rtl="0" eaLnBrk="1" latinLnBrk="0" hangingPunct="1">
       <a:defRPr kern="1200">
         <a:solidFill>
           <a:schemeClr val="tx1"/>
@@ -148,22 +148,6 @@
       </a:defRPr>
     </a:lvl9pPr>
   </p:defaultTextStyle>
-  <p:extLst>
-    <p:ext uri="{EFAFB233-063F-42B5-8137-9DF3F51BA10A}">
-      <p15:sldGuideLst xmlns:p15="http://schemas.microsoft.com/office/powerpoint/2012/main">
-        <p15:guide id="1" orient="horz" pos="2160">
-          <p15:clr>
-            <a:srgbClr val="A4A3A4"/>
-          </p15:clr>
-        </p15:guide>
-        <p15:guide id="2" pos="2880">
-          <p15:clr>
-            <a:srgbClr val="A4A3A4"/>
-          </p15:clr>
-        </p15:guide>
-      </p15:sldGuideLst>
-    </p:ext>
-  </p:extLst>
 </p:presentation>
 </file>
 
@@ -276,10 +260,6 @@
             </a:pPr>
             <a:fld id="{A7A476E1-26A7-4374-8E85-622F51A3D903}" type="datetimeFigureOut">
               <a:rPr lang="zh-CN" altLang="en-US"/>
-              <a:pPr>
-                <a:defRPr/>
-              </a:pPr>
-              <a:t>2019/4/9</a:t>
             </a:fld>
             <a:endParaRPr lang="zh-CN" altLang="en-US"/>
           </a:p>
@@ -348,11 +328,7 @@
           </a:prstGeom>
         </p:spPr>
         <p:txBody>
-          <a:bodyPr vert="horz" wrap="square" lIns="91440" tIns="45720" rIns="91440" bIns="45720" numCol="1" anchor="b" anchorCtr="0" compatLnSpc="1">
-            <a:prstTxWarp prst="textNoShape">
-              <a:avLst/>
-            </a:prstTxWarp>
-          </a:bodyPr>
+          <a:bodyPr vert="horz" wrap="square" lIns="91440" tIns="45720" rIns="91440" bIns="45720" numCol="1" anchor="b" anchorCtr="0" compatLnSpc="1"/>
           <a:lstStyle>
             <a:lvl1pPr algn="r" eaLnBrk="1" hangingPunct="1">
               <a:defRPr sz="1200"/>
@@ -364,21 +340,12 @@
             </a:pPr>
             <a:fld id="{19F41E9D-3057-429F-A72C-46641107623D}" type="slidenum">
               <a:rPr lang="zh-CN" altLang="en-US"/>
-              <a:pPr>
-                <a:defRPr/>
-              </a:pPr>
-              <a:t>‹#›</a:t>
             </a:fld>
             <a:endParaRPr lang="zh-CN" altLang="en-US"/>
           </a:p>
         </p:txBody>
       </p:sp>
     </p:spTree>
-    <p:extLst>
-      <p:ext uri="{BB962C8B-B14F-4D97-AF65-F5344CB8AC3E}">
-        <p14:creationId xmlns:p14="http://schemas.microsoft.com/office/powerpoint/2010/main" val="484506826"/>
-      </p:ext>
-    </p:extLst>
   </p:cSld>
   <p:clrMap bg1="lt1" tx1="dk1" bg2="lt2" tx2="dk2" accent1="accent1" accent2="accent2" accent3="accent3" accent4="accent4" accent5="accent5" accent6="accent6" hlink="hlink" folHlink="folHlink"/>
   <p:hf sldNum="0" hdr="0" ftr="0" dt="0"/>
@@ -494,10 +461,6 @@
             </a:pPr>
             <a:fld id="{335B7077-FE34-415F-9DF0-C8A90D96A5FC}" type="datetimeFigureOut">
               <a:rPr lang="zh-CN" altLang="en-US"/>
-              <a:pPr>
-                <a:defRPr/>
-              </a:pPr>
-              <a:t>2019/4/9</a:t>
             </a:fld>
             <a:endParaRPr lang="zh-CN" altLang="en-US"/>
           </a:p>
@@ -565,6 +528,7 @@
               <a:rPr lang="zh-CN" altLang="en-US" noProof="0"/>
               <a:t>单击此处编辑母版文本样式</a:t>
             </a:r>
+            <a:endParaRPr lang="zh-CN" altLang="en-US" noProof="0"/>
           </a:p>
           <a:p>
             <a:pPr lvl="1"/>
@@ -572,6 +536,7 @@
               <a:rPr lang="zh-CN" altLang="en-US" noProof="0"/>
               <a:t>第二级</a:t>
             </a:r>
+            <a:endParaRPr lang="zh-CN" altLang="en-US" noProof="0"/>
           </a:p>
           <a:p>
             <a:pPr lvl="2"/>
@@ -579,6 +544,7 @@
               <a:rPr lang="zh-CN" altLang="en-US" noProof="0"/>
               <a:t>第三级</a:t>
             </a:r>
+            <a:endParaRPr lang="zh-CN" altLang="en-US" noProof="0"/>
           </a:p>
           <a:p>
             <a:pPr lvl="3"/>
@@ -586,6 +552,7 @@
               <a:rPr lang="zh-CN" altLang="en-US" noProof="0"/>
               <a:t>第四级</a:t>
             </a:r>
+            <a:endParaRPr lang="zh-CN" altLang="en-US" noProof="0"/>
           </a:p>
           <a:p>
             <a:pPr lvl="4"/>
@@ -593,6 +560,7 @@
               <a:rPr lang="zh-CN" altLang="en-US" noProof="0"/>
               <a:t>第五级</a:t>
             </a:r>
+            <a:endParaRPr lang="zh-CN" altLang="en-US" noProof="0"/>
           </a:p>
         </p:txBody>
       </p:sp>
@@ -659,11 +627,7 @@
           </a:prstGeom>
         </p:spPr>
         <p:txBody>
-          <a:bodyPr vert="horz" wrap="square" lIns="91440" tIns="45720" rIns="91440" bIns="45720" numCol="1" anchor="b" anchorCtr="0" compatLnSpc="1">
-            <a:prstTxWarp prst="textNoShape">
-              <a:avLst/>
-            </a:prstTxWarp>
-          </a:bodyPr>
+          <a:bodyPr vert="horz" wrap="square" lIns="91440" tIns="45720" rIns="91440" bIns="45720" numCol="1" anchor="b" anchorCtr="0" compatLnSpc="1"/>
           <a:lstStyle>
             <a:lvl1pPr algn="r" eaLnBrk="1" hangingPunct="1">
               <a:defRPr sz="1200"/>
@@ -675,21 +639,12 @@
             </a:pPr>
             <a:fld id="{D3078E79-19C6-4191-81AE-0E25ABA7708C}" type="slidenum">
               <a:rPr lang="zh-CN" altLang="en-US"/>
-              <a:pPr>
-                <a:defRPr/>
-              </a:pPr>
-              <a:t>‹#›</a:t>
             </a:fld>
             <a:endParaRPr lang="zh-CN" altLang="en-US"/>
           </a:p>
         </p:txBody>
       </p:sp>
     </p:spTree>
-    <p:extLst>
-      <p:ext uri="{BB962C8B-B14F-4D97-AF65-F5344CB8AC3E}">
-        <p14:creationId xmlns:p14="http://schemas.microsoft.com/office/powerpoint/2010/main" val="292454729"/>
-      </p:ext>
-    </p:extLst>
   </p:cSld>
   <p:clrMap bg1="lt1" tx1="dk1" bg2="lt2" tx2="dk2" accent1="accent1" accent2="accent2" accent3="accent3" accent4="accent4" accent5="accent5" accent6="accent6" hlink="hlink" folHlink="folHlink"/>
   <p:hf sldNum="0" hdr="0" ftr="0" dt="0"/>
@@ -710,7 +665,7 @@
         <a:cs typeface="+mn-cs"/>
       </a:defRPr>
     </a:lvl1pPr>
-    <a:lvl2pPr marL="457182" algn="l" rtl="0" eaLnBrk="0" fontAlgn="base" hangingPunct="0">
+    <a:lvl2pPr marL="457200" algn="l" rtl="0" eaLnBrk="0" fontAlgn="base" hangingPunct="0">
       <a:spcBef>
         <a:spcPct val="30000"/>
       </a:spcBef>
@@ -726,7 +681,7 @@
         <a:cs typeface="+mn-cs"/>
       </a:defRPr>
     </a:lvl2pPr>
-    <a:lvl3pPr marL="914362" algn="l" rtl="0" eaLnBrk="0" fontAlgn="base" hangingPunct="0">
+    <a:lvl3pPr marL="914400" algn="l" rtl="0" eaLnBrk="0" fontAlgn="base" hangingPunct="0">
       <a:spcBef>
         <a:spcPct val="30000"/>
       </a:spcBef>
@@ -742,7 +697,7 @@
         <a:cs typeface="+mn-cs"/>
       </a:defRPr>
     </a:lvl3pPr>
-    <a:lvl4pPr marL="1371544" algn="l" rtl="0" eaLnBrk="0" fontAlgn="base" hangingPunct="0">
+    <a:lvl4pPr marL="1371600" algn="l" rtl="0" eaLnBrk="0" fontAlgn="base" hangingPunct="0">
       <a:spcBef>
         <a:spcPct val="30000"/>
       </a:spcBef>
@@ -758,7 +713,7 @@
         <a:cs typeface="+mn-cs"/>
       </a:defRPr>
     </a:lvl4pPr>
-    <a:lvl5pPr marL="1828725" algn="l" rtl="0" eaLnBrk="0" fontAlgn="base" hangingPunct="0">
+    <a:lvl5pPr marL="1828800" algn="l" rtl="0" eaLnBrk="0" fontAlgn="base" hangingPunct="0">
       <a:spcBef>
         <a:spcPct val="30000"/>
       </a:spcBef>
@@ -774,7 +729,7 @@
         <a:cs typeface="+mn-cs"/>
       </a:defRPr>
     </a:lvl5pPr>
-    <a:lvl6pPr marL="2285906" algn="l" defTabSz="914362" rtl="0" eaLnBrk="1" latinLnBrk="0" hangingPunct="1">
+    <a:lvl6pPr marL="2286000" algn="l" defTabSz="914400" rtl="0" eaLnBrk="1" latinLnBrk="0" hangingPunct="1">
       <a:defRPr sz="1200" kern="1200">
         <a:solidFill>
           <a:schemeClr val="tx1"/>
@@ -784,7 +739,7 @@
         <a:cs typeface="+mn-cs"/>
       </a:defRPr>
     </a:lvl6pPr>
-    <a:lvl7pPr marL="2743088" algn="l" defTabSz="914362" rtl="0" eaLnBrk="1" latinLnBrk="0" hangingPunct="1">
+    <a:lvl7pPr marL="2743200" algn="l" defTabSz="914400" rtl="0" eaLnBrk="1" latinLnBrk="0" hangingPunct="1">
       <a:defRPr sz="1200" kern="1200">
         <a:solidFill>
           <a:schemeClr val="tx1"/>
@@ -794,7 +749,7 @@
         <a:cs typeface="+mn-cs"/>
       </a:defRPr>
     </a:lvl7pPr>
-    <a:lvl8pPr marL="3200268" algn="l" defTabSz="914362" rtl="0" eaLnBrk="1" latinLnBrk="0" hangingPunct="1">
+    <a:lvl8pPr marL="3200400" algn="l" defTabSz="914400" rtl="0" eaLnBrk="1" latinLnBrk="0" hangingPunct="1">
       <a:defRPr sz="1200" kern="1200">
         <a:solidFill>
           <a:schemeClr val="tx1"/>
@@ -804,7 +759,7 @@
         <a:cs typeface="+mn-cs"/>
       </a:defRPr>
     </a:lvl8pPr>
-    <a:lvl9pPr marL="3657450" algn="l" defTabSz="914362" rtl="0" eaLnBrk="1" latinLnBrk="0" hangingPunct="1">
+    <a:lvl9pPr marL="3657600" algn="l" defTabSz="914400" rtl="0" eaLnBrk="1" latinLnBrk="0" hangingPunct="1">
       <a:defRPr sz="1200" kern="1200">
         <a:solidFill>
           <a:schemeClr val="tx1"/>
@@ -852,18 +807,7 @@
               <a:srgbClr val="000000"/>
             </a:solidFill>
             <a:miter lim="800000"/>
-            <a:headEnd/>
-            <a:tailEnd/>
           </a:ln>
-          <a:extLst>
-            <a:ext uri="{909E8E84-426E-40dd-AFC4-6F175D3DCCD1}">
-              <a14:hiddenFill xmlns="" xmlns:a14="http://schemas.microsoft.com/office/drawing/2010/main">
-                <a:solidFill>
-                  <a:srgbClr val="FFFFFF"/>
-                </a:solidFill>
-              </a14:hiddenFill>
-            </a:ext>
-          </a:extLst>
         </p:spPr>
       </p:sp>
       <p:sp>
@@ -878,32 +822,9 @@
         </p:nvSpPr>
         <p:spPr bwMode="auto">
           <a:noFill/>
-          <a:extLst>
-            <a:ext uri="{909E8E84-426E-40dd-AFC4-6F175D3DCCD1}">
-              <a14:hiddenFill xmlns="" xmlns:a14="http://schemas.microsoft.com/office/drawing/2010/main">
-                <a:solidFill>
-                  <a:srgbClr val="FFFFFF"/>
-                </a:solidFill>
-              </a14:hiddenFill>
-            </a:ext>
-            <a:ext uri="{91240B29-F687-4f45-9708-019B960494DF}">
-              <a14:hiddenLine xmlns="" xmlns:a14="http://schemas.microsoft.com/office/drawing/2010/main" w="9525">
-                <a:solidFill>
-                  <a:srgbClr val="000000"/>
-                </a:solidFill>
-                <a:miter lim="800000"/>
-                <a:headEnd/>
-                <a:tailEnd/>
-              </a14:hiddenLine>
-            </a:ext>
-          </a:extLst>
         </p:spPr>
         <p:txBody>
-          <a:bodyPr wrap="square" numCol="1" anchor="t" anchorCtr="0" compatLnSpc="1">
-            <a:prstTxWarp prst="textNoShape">
-              <a:avLst/>
-            </a:prstTxWarp>
-          </a:bodyPr>
+          <a:bodyPr wrap="square" numCol="1" anchor="t" anchorCtr="0" compatLnSpc="1"/>
           <a:lstStyle/>
           <a:p>
             <a:endParaRPr lang="zh-CN" altLang="en-US" dirty="0"/>
@@ -923,8 +844,6 @@
         <p:spPr bwMode="auto">
           <a:ln>
             <a:miter lim="800000"/>
-            <a:headEnd/>
-            <a:tailEnd/>
           </a:ln>
         </p:spPr>
         <p:txBody>
@@ -1042,8 +961,6 @@
               <a:rPr lang="zh-CN" altLang="en-US">
                 <a:latin typeface="Calibri" panose="020F0502020204030204" pitchFamily="34" charset="0"/>
               </a:rPr>
-              <a:pPr eaLnBrk="1" hangingPunct="1"/>
-              <a:t>2</a:t>
             </a:fld>
             <a:endParaRPr lang="en-US" altLang="zh-CN">
               <a:latin typeface="Calibri" panose="020F0502020204030204" pitchFamily="34" charset="0"/>
@@ -1052,11 +969,6 @@
         </p:txBody>
       </p:sp>
     </p:spTree>
-    <p:extLst>
-      <p:ext uri="{BB962C8B-B14F-4D97-AF65-F5344CB8AC3E}">
-        <p14:creationId xmlns:p14="http://schemas.microsoft.com/office/powerpoint/2010/main" val="1067518200"/>
-      </p:ext>
-    </p:extLst>
   </p:cSld>
   <p:clrMapOvr>
     <a:masterClrMapping/>
@@ -1098,18 +1010,7 @@
               <a:srgbClr val="000000"/>
             </a:solidFill>
             <a:miter lim="800000"/>
-            <a:headEnd/>
-            <a:tailEnd/>
           </a:ln>
-          <a:extLst>
-            <a:ext uri="{909E8E84-426E-40dd-AFC4-6F175D3DCCD1}">
-              <a14:hiddenFill xmlns:a14="http://schemas.microsoft.com/office/drawing/2010/main" xmlns="">
-                <a:solidFill>
-                  <a:srgbClr val="FFFFFF"/>
-                </a:solidFill>
-              </a14:hiddenFill>
-            </a:ext>
-          </a:extLst>
         </p:spPr>
       </p:sp>
       <p:sp>
@@ -1124,32 +1025,9 @@
         </p:nvSpPr>
         <p:spPr bwMode="auto">
           <a:noFill/>
-          <a:extLst>
-            <a:ext uri="{909E8E84-426E-40dd-AFC4-6F175D3DCCD1}">
-              <a14:hiddenFill xmlns:a14="http://schemas.microsoft.com/office/drawing/2010/main" xmlns="">
-                <a:solidFill>
-                  <a:srgbClr val="FFFFFF"/>
-                </a:solidFill>
-              </a14:hiddenFill>
-            </a:ext>
-            <a:ext uri="{91240B29-F687-4f45-9708-019B960494DF}">
-              <a14:hiddenLine xmlns:a14="http://schemas.microsoft.com/office/drawing/2010/main" xmlns="" w="9525">
-                <a:solidFill>
-                  <a:srgbClr val="000000"/>
-                </a:solidFill>
-                <a:miter lim="800000"/>
-                <a:headEnd/>
-                <a:tailEnd/>
-              </a14:hiddenLine>
-            </a:ext>
-          </a:extLst>
         </p:spPr>
         <p:txBody>
-          <a:bodyPr wrap="square" numCol="1" anchor="t" anchorCtr="0" compatLnSpc="1">
-            <a:prstTxWarp prst="textNoShape">
-              <a:avLst/>
-            </a:prstTxWarp>
-          </a:bodyPr>
+          <a:bodyPr wrap="square" numCol="1" anchor="t" anchorCtr="0" compatLnSpc="1"/>
           <a:lstStyle/>
           <a:p>
             <a:pPr marL="0" marR="0" lvl="0" indent="0" algn="l" defTabSz="914400" rtl="0" eaLnBrk="0" fontAlgn="base" latinLnBrk="0" hangingPunct="0">
@@ -1166,13 +1044,13 @@
               <a:buSzTx/>
               <a:buFontTx/>
               <a:buNone/>
-              <a:tabLst/>
               <a:defRPr/>
             </a:pPr>
             <a:r>
               <a:rPr lang="zh-CN" altLang="en-US" dirty="0"/>
               <a:t>考试内容：简述算法流程</a:t>
             </a:r>
+            <a:endParaRPr lang="zh-CN" altLang="en-US" dirty="0"/>
           </a:p>
           <a:p>
             <a:endParaRPr lang="zh-CN" altLang="en-US" dirty="0"/>
@@ -1192,8 +1070,6 @@
         <p:spPr bwMode="auto">
           <a:ln>
             <a:miter lim="800000"/>
-            <a:headEnd/>
-            <a:tailEnd/>
           </a:ln>
         </p:spPr>
         <p:txBody>
@@ -1311,8 +1187,6 @@
               <a:rPr lang="zh-CN" altLang="en-US">
                 <a:latin typeface="Calibri" panose="020F0502020204030204" pitchFamily="34" charset="0"/>
               </a:rPr>
-              <a:pPr eaLnBrk="1" hangingPunct="1"/>
-              <a:t>3</a:t>
             </a:fld>
             <a:endParaRPr lang="en-US" altLang="zh-CN">
               <a:latin typeface="Calibri" panose="020F0502020204030204" pitchFamily="34" charset="0"/>
@@ -1321,11 +1195,6 @@
         </p:txBody>
       </p:sp>
     </p:spTree>
-    <p:extLst>
-      <p:ext uri="{BB962C8B-B14F-4D97-AF65-F5344CB8AC3E}">
-        <p14:creationId xmlns:p14="http://schemas.microsoft.com/office/powerpoint/2010/main" val="3509634071"/>
-      </p:ext>
-    </p:extLst>
   </p:cSld>
   <p:clrMapOvr>
     <a:masterClrMapping/>
@@ -1367,18 +1236,7 @@
               <a:srgbClr val="000000"/>
             </a:solidFill>
             <a:miter lim="800000"/>
-            <a:headEnd/>
-            <a:tailEnd/>
           </a:ln>
-          <a:extLst>
-            <a:ext uri="{909E8E84-426E-40dd-AFC4-6F175D3DCCD1}">
-              <a14:hiddenFill xmlns:a14="http://schemas.microsoft.com/office/drawing/2010/main" xmlns="">
-                <a:solidFill>
-                  <a:srgbClr val="FFFFFF"/>
-                </a:solidFill>
-              </a14:hiddenFill>
-            </a:ext>
-          </a:extLst>
         </p:spPr>
       </p:sp>
       <p:sp>
@@ -1393,32 +1251,9 @@
         </p:nvSpPr>
         <p:spPr bwMode="auto">
           <a:noFill/>
-          <a:extLst>
-            <a:ext uri="{909E8E84-426E-40dd-AFC4-6F175D3DCCD1}">
-              <a14:hiddenFill xmlns:a14="http://schemas.microsoft.com/office/drawing/2010/main" xmlns="">
-                <a:solidFill>
-                  <a:srgbClr val="FFFFFF"/>
-                </a:solidFill>
-              </a14:hiddenFill>
-            </a:ext>
-            <a:ext uri="{91240B29-F687-4f45-9708-019B960494DF}">
-              <a14:hiddenLine xmlns:a14="http://schemas.microsoft.com/office/drawing/2010/main" xmlns="" w="9525">
-                <a:solidFill>
-                  <a:srgbClr val="000000"/>
-                </a:solidFill>
-                <a:miter lim="800000"/>
-                <a:headEnd/>
-                <a:tailEnd/>
-              </a14:hiddenLine>
-            </a:ext>
-          </a:extLst>
         </p:spPr>
         <p:txBody>
-          <a:bodyPr wrap="square" numCol="1" anchor="t" anchorCtr="0" compatLnSpc="1">
-            <a:prstTxWarp prst="textNoShape">
-              <a:avLst/>
-            </a:prstTxWarp>
-          </a:bodyPr>
+          <a:bodyPr wrap="square" numCol="1" anchor="t" anchorCtr="0" compatLnSpc="1"/>
           <a:lstStyle/>
           <a:p>
             <a:pPr marL="0" marR="0" lvl="0" indent="0" algn="l" defTabSz="914400" rtl="0" eaLnBrk="0" fontAlgn="base" latinLnBrk="0" hangingPunct="0">
@@ -1435,13 +1270,13 @@
               <a:buSzTx/>
               <a:buFontTx/>
               <a:buNone/>
-              <a:tabLst/>
               <a:defRPr/>
             </a:pPr>
             <a:r>
               <a:rPr lang="zh-CN" altLang="en-US" dirty="0"/>
               <a:t>考试内容：简述算法流程</a:t>
             </a:r>
+            <a:endParaRPr lang="zh-CN" altLang="en-US" dirty="0"/>
           </a:p>
           <a:p>
             <a:endParaRPr lang="zh-CN" altLang="en-US" dirty="0"/>
@@ -1461,8 +1296,6 @@
         <p:spPr bwMode="auto">
           <a:ln>
             <a:miter lim="800000"/>
-            <a:headEnd/>
-            <a:tailEnd/>
           </a:ln>
         </p:spPr>
         <p:txBody>
@@ -1580,8 +1413,6 @@
               <a:rPr lang="zh-CN" altLang="en-US">
                 <a:latin typeface="Calibri" panose="020F0502020204030204" pitchFamily="34" charset="0"/>
               </a:rPr>
-              <a:pPr eaLnBrk="1" hangingPunct="1"/>
-              <a:t>4</a:t>
             </a:fld>
             <a:endParaRPr lang="en-US" altLang="zh-CN">
               <a:latin typeface="Calibri" panose="020F0502020204030204" pitchFamily="34" charset="0"/>
@@ -1590,11 +1421,6 @@
         </p:txBody>
       </p:sp>
     </p:spTree>
-    <p:extLst>
-      <p:ext uri="{BB962C8B-B14F-4D97-AF65-F5344CB8AC3E}">
-        <p14:creationId xmlns:p14="http://schemas.microsoft.com/office/powerpoint/2010/main" val="556149693"/>
-      </p:ext>
-    </p:extLst>
   </p:cSld>
   <p:clrMapOvr>
     <a:masterClrMapping/>
@@ -1636,18 +1462,7 @@
               <a:srgbClr val="000000"/>
             </a:solidFill>
             <a:miter lim="800000"/>
-            <a:headEnd/>
-            <a:tailEnd/>
           </a:ln>
-          <a:extLst>
-            <a:ext uri="{909E8E84-426E-40dd-AFC4-6F175D3DCCD1}">
-              <a14:hiddenFill xmlns:a14="http://schemas.microsoft.com/office/drawing/2010/main" xmlns="">
-                <a:solidFill>
-                  <a:srgbClr val="FFFFFF"/>
-                </a:solidFill>
-              </a14:hiddenFill>
-            </a:ext>
-          </a:extLst>
         </p:spPr>
       </p:sp>
       <p:sp>
@@ -1662,32 +1477,9 @@
         </p:nvSpPr>
         <p:spPr bwMode="auto">
           <a:noFill/>
-          <a:extLst>
-            <a:ext uri="{909E8E84-426E-40dd-AFC4-6F175D3DCCD1}">
-              <a14:hiddenFill xmlns:a14="http://schemas.microsoft.com/office/drawing/2010/main" xmlns="">
-                <a:solidFill>
-                  <a:srgbClr val="FFFFFF"/>
-                </a:solidFill>
-              </a14:hiddenFill>
-            </a:ext>
-            <a:ext uri="{91240B29-F687-4f45-9708-019B960494DF}">
-              <a14:hiddenLine xmlns:a14="http://schemas.microsoft.com/office/drawing/2010/main" xmlns="" w="9525">
-                <a:solidFill>
-                  <a:srgbClr val="000000"/>
-                </a:solidFill>
-                <a:miter lim="800000"/>
-                <a:headEnd/>
-                <a:tailEnd/>
-              </a14:hiddenLine>
-            </a:ext>
-          </a:extLst>
         </p:spPr>
         <p:txBody>
-          <a:bodyPr wrap="square" numCol="1" anchor="t" anchorCtr="0" compatLnSpc="1">
-            <a:prstTxWarp prst="textNoShape">
-              <a:avLst/>
-            </a:prstTxWarp>
-          </a:bodyPr>
+          <a:bodyPr wrap="square" numCol="1" anchor="t" anchorCtr="0" compatLnSpc="1"/>
           <a:lstStyle/>
           <a:p>
             <a:endParaRPr lang="zh-CN" altLang="en-US" dirty="0"/>
@@ -1707,8 +1499,6 @@
         <p:spPr bwMode="auto">
           <a:ln>
             <a:miter lim="800000"/>
-            <a:headEnd/>
-            <a:tailEnd/>
           </a:ln>
         </p:spPr>
         <p:txBody>
@@ -1826,8 +1616,6 @@
               <a:rPr lang="zh-CN" altLang="en-US">
                 <a:latin typeface="Calibri" panose="020F0502020204030204" pitchFamily="34" charset="0"/>
               </a:rPr>
-              <a:pPr eaLnBrk="1" hangingPunct="1"/>
-              <a:t>5</a:t>
             </a:fld>
             <a:endParaRPr lang="en-US" altLang="zh-CN">
               <a:latin typeface="Calibri" panose="020F0502020204030204" pitchFamily="34" charset="0"/>
@@ -1836,11 +1624,6 @@
         </p:txBody>
       </p:sp>
     </p:spTree>
-    <p:extLst>
-      <p:ext uri="{BB962C8B-B14F-4D97-AF65-F5344CB8AC3E}">
-        <p14:creationId xmlns:p14="http://schemas.microsoft.com/office/powerpoint/2010/main" val="3707941936"/>
-      </p:ext>
-    </p:extLst>
   </p:cSld>
   <p:clrMapOvr>
     <a:masterClrMapping/>
@@ -1882,18 +1665,7 @@
               <a:srgbClr val="000000"/>
             </a:solidFill>
             <a:miter lim="800000"/>
-            <a:headEnd/>
-            <a:tailEnd/>
           </a:ln>
-          <a:extLst>
-            <a:ext uri="{909E8E84-426E-40dd-AFC4-6F175D3DCCD1}">
-              <a14:hiddenFill xmlns:a14="http://schemas.microsoft.com/office/drawing/2010/main" xmlns="">
-                <a:solidFill>
-                  <a:srgbClr val="FFFFFF"/>
-                </a:solidFill>
-              </a14:hiddenFill>
-            </a:ext>
-          </a:extLst>
         </p:spPr>
       </p:sp>
       <p:sp>
@@ -1908,38 +1680,16 @@
         </p:nvSpPr>
         <p:spPr bwMode="auto">
           <a:noFill/>
-          <a:extLst>
-            <a:ext uri="{909E8E84-426E-40dd-AFC4-6F175D3DCCD1}">
-              <a14:hiddenFill xmlns:a14="http://schemas.microsoft.com/office/drawing/2010/main" xmlns="">
-                <a:solidFill>
-                  <a:srgbClr val="FFFFFF"/>
-                </a:solidFill>
-              </a14:hiddenFill>
-            </a:ext>
-            <a:ext uri="{91240B29-F687-4f45-9708-019B960494DF}">
-              <a14:hiddenLine xmlns:a14="http://schemas.microsoft.com/office/drawing/2010/main" xmlns="" w="9525">
-                <a:solidFill>
-                  <a:srgbClr val="000000"/>
-                </a:solidFill>
-                <a:miter lim="800000"/>
-                <a:headEnd/>
-                <a:tailEnd/>
-              </a14:hiddenLine>
-            </a:ext>
-          </a:extLst>
         </p:spPr>
         <p:txBody>
-          <a:bodyPr wrap="square" numCol="1" anchor="t" anchorCtr="0" compatLnSpc="1">
-            <a:prstTxWarp prst="textNoShape">
-              <a:avLst/>
-            </a:prstTxWarp>
-          </a:bodyPr>
+          <a:bodyPr wrap="square" numCol="1" anchor="t" anchorCtr="0" compatLnSpc="1"/>
           <a:lstStyle/>
           <a:p>
             <a:r>
               <a:rPr lang="zh-CN" altLang="en-US" dirty="0"/>
               <a:t>可能的考试内容：最小生成树算法</a:t>
             </a:r>
+            <a:endParaRPr lang="zh-CN" altLang="en-US" dirty="0"/>
           </a:p>
         </p:txBody>
       </p:sp>
@@ -1956,8 +1706,6 @@
         <p:spPr bwMode="auto">
           <a:ln>
             <a:miter lim="800000"/>
-            <a:headEnd/>
-            <a:tailEnd/>
           </a:ln>
         </p:spPr>
         <p:txBody>
@@ -2075,8 +1823,6 @@
               <a:rPr lang="zh-CN" altLang="en-US">
                 <a:latin typeface="Calibri" panose="020F0502020204030204" pitchFamily="34" charset="0"/>
               </a:rPr>
-              <a:pPr eaLnBrk="1" hangingPunct="1"/>
-              <a:t>6</a:t>
             </a:fld>
             <a:endParaRPr lang="en-US" altLang="zh-CN">
               <a:latin typeface="Calibri" panose="020F0502020204030204" pitchFamily="34" charset="0"/>
@@ -2085,11 +1831,6 @@
         </p:txBody>
       </p:sp>
     </p:spTree>
-    <p:extLst>
-      <p:ext uri="{BB962C8B-B14F-4D97-AF65-F5344CB8AC3E}">
-        <p14:creationId xmlns:p14="http://schemas.microsoft.com/office/powerpoint/2010/main" val="2872450589"/>
-      </p:ext>
-    </p:extLst>
   </p:cSld>
   <p:clrMapOvr>
     <a:masterClrMapping/>
@@ -2131,18 +1872,7 @@
               <a:srgbClr val="000000"/>
             </a:solidFill>
             <a:miter lim="800000"/>
-            <a:headEnd/>
-            <a:tailEnd/>
           </a:ln>
-          <a:extLst>
-            <a:ext uri="{909E8E84-426E-40dd-AFC4-6F175D3DCCD1}">
-              <a14:hiddenFill xmlns:a14="http://schemas.microsoft.com/office/drawing/2010/main" xmlns="">
-                <a:solidFill>
-                  <a:srgbClr val="FFFFFF"/>
-                </a:solidFill>
-              </a14:hiddenFill>
-            </a:ext>
-          </a:extLst>
         </p:spPr>
       </p:sp>
       <p:sp>
@@ -2157,32 +1887,9 @@
         </p:nvSpPr>
         <p:spPr bwMode="auto">
           <a:noFill/>
-          <a:extLst>
-            <a:ext uri="{909E8E84-426E-40dd-AFC4-6F175D3DCCD1}">
-              <a14:hiddenFill xmlns:a14="http://schemas.microsoft.com/office/drawing/2010/main" xmlns="">
-                <a:solidFill>
-                  <a:srgbClr val="FFFFFF"/>
-                </a:solidFill>
-              </a14:hiddenFill>
-            </a:ext>
-            <a:ext uri="{91240B29-F687-4f45-9708-019B960494DF}">
-              <a14:hiddenLine xmlns:a14="http://schemas.microsoft.com/office/drawing/2010/main" xmlns="" w="9525">
-                <a:solidFill>
-                  <a:srgbClr val="000000"/>
-                </a:solidFill>
-                <a:miter lim="800000"/>
-                <a:headEnd/>
-                <a:tailEnd/>
-              </a14:hiddenLine>
-            </a:ext>
-          </a:extLst>
         </p:spPr>
         <p:txBody>
-          <a:bodyPr wrap="square" numCol="1" anchor="t" anchorCtr="0" compatLnSpc="1">
-            <a:prstTxWarp prst="textNoShape">
-              <a:avLst/>
-            </a:prstTxWarp>
-          </a:bodyPr>
+          <a:bodyPr wrap="square" numCol="1" anchor="t" anchorCtr="0" compatLnSpc="1"/>
           <a:lstStyle/>
           <a:p>
             <a:endParaRPr lang="zh-CN" altLang="en-US" dirty="0"/>
@@ -2202,8 +1909,6 @@
         <p:spPr bwMode="auto">
           <a:ln>
             <a:miter lim="800000"/>
-            <a:headEnd/>
-            <a:tailEnd/>
           </a:ln>
         </p:spPr>
         <p:txBody>
@@ -2321,8 +2026,6 @@
               <a:rPr lang="zh-CN" altLang="en-US">
                 <a:latin typeface="Calibri" panose="020F0502020204030204" pitchFamily="34" charset="0"/>
               </a:rPr>
-              <a:pPr eaLnBrk="1" hangingPunct="1"/>
-              <a:t>7</a:t>
             </a:fld>
             <a:endParaRPr lang="en-US" altLang="zh-CN">
               <a:latin typeface="Calibri" panose="020F0502020204030204" pitchFamily="34" charset="0"/>
@@ -2331,11 +2034,6 @@
         </p:txBody>
       </p:sp>
     </p:spTree>
-    <p:extLst>
-      <p:ext uri="{BB962C8B-B14F-4D97-AF65-F5344CB8AC3E}">
-        <p14:creationId xmlns:p14="http://schemas.microsoft.com/office/powerpoint/2010/main" val="194216997"/>
-      </p:ext>
-    </p:extLst>
   </p:cSld>
   <p:clrMapOvr>
     <a:masterClrMapping/>
@@ -2377,18 +2075,7 @@
               <a:srgbClr val="000000"/>
             </a:solidFill>
             <a:miter lim="800000"/>
-            <a:headEnd/>
-            <a:tailEnd/>
           </a:ln>
-          <a:extLst>
-            <a:ext uri="{909E8E84-426E-40dd-AFC4-6F175D3DCCD1}">
-              <a14:hiddenFill xmlns:a14="http://schemas.microsoft.com/office/drawing/2010/main" xmlns="">
-                <a:solidFill>
-                  <a:srgbClr val="FFFFFF"/>
-                </a:solidFill>
-              </a14:hiddenFill>
-            </a:ext>
-          </a:extLst>
         </p:spPr>
       </p:sp>
       <p:sp>
@@ -2403,32 +2090,9 @@
         </p:nvSpPr>
         <p:spPr bwMode="auto">
           <a:noFill/>
-          <a:extLst>
-            <a:ext uri="{909E8E84-426E-40dd-AFC4-6F175D3DCCD1}">
-              <a14:hiddenFill xmlns:a14="http://schemas.microsoft.com/office/drawing/2010/main" xmlns="">
-                <a:solidFill>
-                  <a:srgbClr val="FFFFFF"/>
-                </a:solidFill>
-              </a14:hiddenFill>
-            </a:ext>
-            <a:ext uri="{91240B29-F687-4f45-9708-019B960494DF}">
-              <a14:hiddenLine xmlns:a14="http://schemas.microsoft.com/office/drawing/2010/main" xmlns="" w="9525">
-                <a:solidFill>
-                  <a:srgbClr val="000000"/>
-                </a:solidFill>
-                <a:miter lim="800000"/>
-                <a:headEnd/>
-                <a:tailEnd/>
-              </a14:hiddenLine>
-            </a:ext>
-          </a:extLst>
         </p:spPr>
         <p:txBody>
-          <a:bodyPr wrap="square" numCol="1" anchor="t" anchorCtr="0" compatLnSpc="1">
-            <a:prstTxWarp prst="textNoShape">
-              <a:avLst/>
-            </a:prstTxWarp>
-          </a:bodyPr>
+          <a:bodyPr wrap="square" numCol="1" anchor="t" anchorCtr="0" compatLnSpc="1"/>
           <a:lstStyle/>
           <a:p>
             <a:endParaRPr lang="zh-CN" altLang="en-US" dirty="0"/>
@@ -2448,8 +2112,6 @@
         <p:spPr bwMode="auto">
           <a:ln>
             <a:miter lim="800000"/>
-            <a:headEnd/>
-            <a:tailEnd/>
           </a:ln>
         </p:spPr>
         <p:txBody>
@@ -2567,8 +2229,6 @@
               <a:rPr lang="zh-CN" altLang="en-US">
                 <a:latin typeface="Calibri" panose="020F0502020204030204" pitchFamily="34" charset="0"/>
               </a:rPr>
-              <a:pPr eaLnBrk="1" hangingPunct="1"/>
-              <a:t>8</a:t>
             </a:fld>
             <a:endParaRPr lang="en-US" altLang="zh-CN">
               <a:latin typeface="Calibri" panose="020F0502020204030204" pitchFamily="34" charset="0"/>
@@ -2577,11 +2237,6 @@
         </p:txBody>
       </p:sp>
     </p:spTree>
-    <p:extLst>
-      <p:ext uri="{BB962C8B-B14F-4D97-AF65-F5344CB8AC3E}">
-        <p14:creationId xmlns:p14="http://schemas.microsoft.com/office/powerpoint/2010/main" val="4223588001"/>
-      </p:ext>
-    </p:extLst>
   </p:cSld>
   <p:clrMapOvr>
     <a:masterClrMapping/>
@@ -2623,18 +2278,7 @@
               <a:srgbClr val="000000"/>
             </a:solidFill>
             <a:miter lim="800000"/>
-            <a:headEnd/>
-            <a:tailEnd/>
           </a:ln>
-          <a:extLst>
-            <a:ext uri="{909E8E84-426E-40dd-AFC4-6F175D3DCCD1}">
-              <a14:hiddenFill xmlns:a14="http://schemas.microsoft.com/office/drawing/2010/main" xmlns="">
-                <a:solidFill>
-                  <a:srgbClr val="FFFFFF"/>
-                </a:solidFill>
-              </a14:hiddenFill>
-            </a:ext>
-          </a:extLst>
         </p:spPr>
       </p:sp>
       <p:sp>
@@ -2649,32 +2293,9 @@
         </p:nvSpPr>
         <p:spPr bwMode="auto">
           <a:noFill/>
-          <a:extLst>
-            <a:ext uri="{909E8E84-426E-40dd-AFC4-6F175D3DCCD1}">
-              <a14:hiddenFill xmlns:a14="http://schemas.microsoft.com/office/drawing/2010/main" xmlns="">
-                <a:solidFill>
-                  <a:srgbClr val="FFFFFF"/>
-                </a:solidFill>
-              </a14:hiddenFill>
-            </a:ext>
-            <a:ext uri="{91240B29-F687-4f45-9708-019B960494DF}">
-              <a14:hiddenLine xmlns:a14="http://schemas.microsoft.com/office/drawing/2010/main" xmlns="" w="9525">
-                <a:solidFill>
-                  <a:srgbClr val="000000"/>
-                </a:solidFill>
-                <a:miter lim="800000"/>
-                <a:headEnd/>
-                <a:tailEnd/>
-              </a14:hiddenLine>
-            </a:ext>
-          </a:extLst>
         </p:spPr>
         <p:txBody>
-          <a:bodyPr wrap="square" numCol="1" anchor="t" anchorCtr="0" compatLnSpc="1">
-            <a:prstTxWarp prst="textNoShape">
-              <a:avLst/>
-            </a:prstTxWarp>
-          </a:bodyPr>
+          <a:bodyPr wrap="square" numCol="1" anchor="t" anchorCtr="0" compatLnSpc="1"/>
           <a:lstStyle/>
           <a:p>
             <a:endParaRPr lang="zh-CN" altLang="en-US" dirty="0"/>
@@ -2694,8 +2315,6 @@
         <p:spPr bwMode="auto">
           <a:ln>
             <a:miter lim="800000"/>
-            <a:headEnd/>
-            <a:tailEnd/>
           </a:ln>
         </p:spPr>
         <p:txBody>
@@ -2813,8 +2432,6 @@
               <a:rPr lang="zh-CN" altLang="en-US">
                 <a:latin typeface="Calibri" panose="020F0502020204030204" pitchFamily="34" charset="0"/>
               </a:rPr>
-              <a:pPr eaLnBrk="1" hangingPunct="1"/>
-              <a:t>9</a:t>
             </a:fld>
             <a:endParaRPr lang="en-US" altLang="zh-CN">
               <a:latin typeface="Calibri" panose="020F0502020204030204" pitchFamily="34" charset="0"/>
@@ -2823,11 +2440,6 @@
         </p:txBody>
       </p:sp>
     </p:spTree>
-    <p:extLst>
-      <p:ext uri="{BB962C8B-B14F-4D97-AF65-F5344CB8AC3E}">
-        <p14:creationId xmlns:p14="http://schemas.microsoft.com/office/powerpoint/2010/main" val="2378410772"/>
-      </p:ext>
-    </p:extLst>
   </p:cSld>
   <p:clrMapOvr>
     <a:masterClrMapping/>
@@ -2876,6 +2488,7 @@
               <a:rPr lang="zh-CN" altLang="en-US"/>
               <a:t>单击此处编辑母版标题样式</a:t>
             </a:r>
+            <a:endParaRPr lang="zh-CN" altLang="en-US"/>
           </a:p>
         </p:txBody>
       </p:sp>
@@ -2908,7 +2521,7 @@
                 </a:solidFill>
               </a:defRPr>
             </a:lvl1pPr>
-            <a:lvl2pPr marL="457182" indent="0" algn="ctr">
+            <a:lvl2pPr marL="457200" indent="0" algn="ctr">
               <a:buNone/>
               <a:defRPr>
                 <a:solidFill>
@@ -2918,7 +2531,7 @@
                 </a:solidFill>
               </a:defRPr>
             </a:lvl2pPr>
-            <a:lvl3pPr marL="914362" indent="0" algn="ctr">
+            <a:lvl3pPr marL="914400" indent="0" algn="ctr">
               <a:buNone/>
               <a:defRPr>
                 <a:solidFill>
@@ -2928,7 +2541,7 @@
                 </a:solidFill>
               </a:defRPr>
             </a:lvl3pPr>
-            <a:lvl4pPr marL="1371544" indent="0" algn="ctr">
+            <a:lvl4pPr marL="1371600" indent="0" algn="ctr">
               <a:buNone/>
               <a:defRPr>
                 <a:solidFill>
@@ -2938,7 +2551,7 @@
                 </a:solidFill>
               </a:defRPr>
             </a:lvl4pPr>
-            <a:lvl5pPr marL="1828725" indent="0" algn="ctr">
+            <a:lvl5pPr marL="1828800" indent="0" algn="ctr">
               <a:buNone/>
               <a:defRPr>
                 <a:solidFill>
@@ -2948,7 +2561,7 @@
                 </a:solidFill>
               </a:defRPr>
             </a:lvl5pPr>
-            <a:lvl6pPr marL="2285906" indent="0" algn="ctr">
+            <a:lvl6pPr marL="2286000" indent="0" algn="ctr">
               <a:buNone/>
               <a:defRPr>
                 <a:solidFill>
@@ -2958,7 +2571,7 @@
                 </a:solidFill>
               </a:defRPr>
             </a:lvl6pPr>
-            <a:lvl7pPr marL="2743088" indent="0" algn="ctr">
+            <a:lvl7pPr marL="2743200" indent="0" algn="ctr">
               <a:buNone/>
               <a:defRPr>
                 <a:solidFill>
@@ -2968,7 +2581,7 @@
                 </a:solidFill>
               </a:defRPr>
             </a:lvl7pPr>
-            <a:lvl8pPr marL="3200268" indent="0" algn="ctr">
+            <a:lvl8pPr marL="3200400" indent="0" algn="ctr">
               <a:buNone/>
               <a:defRPr>
                 <a:solidFill>
@@ -2978,7 +2591,7 @@
                 </a:solidFill>
               </a:defRPr>
             </a:lvl8pPr>
-            <a:lvl9pPr marL="3657450" indent="0" algn="ctr">
+            <a:lvl9pPr marL="3657600" indent="0" algn="ctr">
               <a:buNone/>
               <a:defRPr>
                 <a:solidFill>
@@ -2994,6 +2607,7 @@
               <a:rPr lang="zh-CN" altLang="en-US"/>
               <a:t>单击此处编辑母版副标题样式</a:t>
             </a:r>
+            <a:endParaRPr lang="zh-CN" altLang="en-US"/>
           </a:p>
         </p:txBody>
       </p:sp>
@@ -3077,21 +2691,12 @@
             </a:pPr>
             <a:fld id="{7F68671A-1028-4918-B52D-F225EDA688D1}" type="slidenum">
               <a:rPr lang="zh-CN" altLang="en-US"/>
-              <a:pPr>
-                <a:defRPr/>
-              </a:pPr>
-              <a:t>‹#›</a:t>
             </a:fld>
             <a:endParaRPr lang="zh-CN" altLang="en-US"/>
           </a:p>
         </p:txBody>
       </p:sp>
     </p:spTree>
-    <p:extLst>
-      <p:ext uri="{BB962C8B-B14F-4D97-AF65-F5344CB8AC3E}">
-        <p14:creationId xmlns:p14="http://schemas.microsoft.com/office/powerpoint/2010/main" val="1103610060"/>
-      </p:ext>
-    </p:extLst>
   </p:cSld>
   <p:clrMapOvr>
     <a:masterClrMapping/>
@@ -3135,6 +2740,7 @@
               <a:rPr lang="zh-CN" altLang="en-US"/>
               <a:t>单击此处编辑母版标题样式</a:t>
             </a:r>
+            <a:endParaRPr lang="zh-CN" altLang="en-US"/>
           </a:p>
         </p:txBody>
       </p:sp>
@@ -3158,6 +2764,7 @@
               <a:rPr lang="zh-CN" altLang="en-US"/>
               <a:t>单击此处编辑母版文本样式</a:t>
             </a:r>
+            <a:endParaRPr lang="zh-CN" altLang="en-US"/>
           </a:p>
           <a:p>
             <a:pPr lvl="1"/>
@@ -3165,6 +2772,7 @@
               <a:rPr lang="zh-CN" altLang="en-US"/>
               <a:t>第二级</a:t>
             </a:r>
+            <a:endParaRPr lang="zh-CN" altLang="en-US"/>
           </a:p>
           <a:p>
             <a:pPr lvl="2"/>
@@ -3172,6 +2780,7 @@
               <a:rPr lang="zh-CN" altLang="en-US"/>
               <a:t>第三级</a:t>
             </a:r>
+            <a:endParaRPr lang="zh-CN" altLang="en-US"/>
           </a:p>
           <a:p>
             <a:pPr lvl="3"/>
@@ -3179,6 +2788,7 @@
               <a:rPr lang="zh-CN" altLang="en-US"/>
               <a:t>第四级</a:t>
             </a:r>
+            <a:endParaRPr lang="zh-CN" altLang="en-US"/>
           </a:p>
           <a:p>
             <a:pPr lvl="4"/>
@@ -3186,6 +2796,7 @@
               <a:rPr lang="zh-CN" altLang="en-US"/>
               <a:t>第五级</a:t>
             </a:r>
+            <a:endParaRPr lang="zh-CN" altLang="en-US"/>
           </a:p>
         </p:txBody>
       </p:sp>
@@ -3269,21 +2880,12 @@
             </a:pPr>
             <a:fld id="{B6AFD8D9-97CE-47AB-99B6-669B4E33450F}" type="slidenum">
               <a:rPr lang="zh-CN" altLang="en-US"/>
-              <a:pPr>
-                <a:defRPr/>
-              </a:pPr>
-              <a:t>‹#›</a:t>
             </a:fld>
             <a:endParaRPr lang="zh-CN" altLang="en-US"/>
           </a:p>
         </p:txBody>
       </p:sp>
     </p:spTree>
-    <p:extLst>
-      <p:ext uri="{BB962C8B-B14F-4D97-AF65-F5344CB8AC3E}">
-        <p14:creationId xmlns:p14="http://schemas.microsoft.com/office/powerpoint/2010/main" val="552366100"/>
-      </p:ext>
-    </p:extLst>
   </p:cSld>
   <p:clrMapOvr>
     <a:masterClrMapping/>
@@ -3332,6 +2934,7 @@
               <a:rPr lang="zh-CN" altLang="en-US"/>
               <a:t>单击此处编辑母版标题样式</a:t>
             </a:r>
+            <a:endParaRPr lang="zh-CN" altLang="en-US"/>
           </a:p>
         </p:txBody>
       </p:sp>
@@ -3360,6 +2963,7 @@
               <a:rPr lang="zh-CN" altLang="en-US"/>
               <a:t>单击此处编辑母版文本样式</a:t>
             </a:r>
+            <a:endParaRPr lang="zh-CN" altLang="en-US"/>
           </a:p>
           <a:p>
             <a:pPr lvl="1"/>
@@ -3367,6 +2971,7 @@
               <a:rPr lang="zh-CN" altLang="en-US"/>
               <a:t>第二级</a:t>
             </a:r>
+            <a:endParaRPr lang="zh-CN" altLang="en-US"/>
           </a:p>
           <a:p>
             <a:pPr lvl="2"/>
@@ -3374,6 +2979,7 @@
               <a:rPr lang="zh-CN" altLang="en-US"/>
               <a:t>第三级</a:t>
             </a:r>
+            <a:endParaRPr lang="zh-CN" altLang="en-US"/>
           </a:p>
           <a:p>
             <a:pPr lvl="3"/>
@@ -3381,6 +2987,7 @@
               <a:rPr lang="zh-CN" altLang="en-US"/>
               <a:t>第四级</a:t>
             </a:r>
+            <a:endParaRPr lang="zh-CN" altLang="en-US"/>
           </a:p>
           <a:p>
             <a:pPr lvl="4"/>
@@ -3388,6 +2995,7 @@
               <a:rPr lang="zh-CN" altLang="en-US"/>
               <a:t>第五级</a:t>
             </a:r>
+            <a:endParaRPr lang="zh-CN" altLang="en-US"/>
           </a:p>
         </p:txBody>
       </p:sp>
@@ -3471,21 +3079,12 @@
             </a:pPr>
             <a:fld id="{14D234CD-C4BF-451E-A810-76886530BD7F}" type="slidenum">
               <a:rPr lang="zh-CN" altLang="en-US"/>
-              <a:pPr>
-                <a:defRPr/>
-              </a:pPr>
-              <a:t>‹#›</a:t>
             </a:fld>
             <a:endParaRPr lang="zh-CN" altLang="en-US"/>
           </a:p>
         </p:txBody>
       </p:sp>
     </p:spTree>
-    <p:extLst>
-      <p:ext uri="{BB962C8B-B14F-4D97-AF65-F5344CB8AC3E}">
-        <p14:creationId xmlns:p14="http://schemas.microsoft.com/office/powerpoint/2010/main" val="324296476"/>
-      </p:ext>
-    </p:extLst>
   </p:cSld>
   <p:clrMapOvr>
     <a:masterClrMapping/>
@@ -3529,6 +3128,7 @@
               <a:rPr lang="zh-CN" altLang="en-US"/>
               <a:t>单击此处编辑母版标题样式</a:t>
             </a:r>
+            <a:endParaRPr lang="zh-CN" altLang="en-US"/>
           </a:p>
         </p:txBody>
       </p:sp>
@@ -3552,6 +3152,7 @@
               <a:rPr lang="zh-CN" altLang="en-US"/>
               <a:t>单击此处编辑母版文本样式</a:t>
             </a:r>
+            <a:endParaRPr lang="zh-CN" altLang="en-US"/>
           </a:p>
           <a:p>
             <a:pPr lvl="1"/>
@@ -3559,6 +3160,7 @@
               <a:rPr lang="zh-CN" altLang="en-US"/>
               <a:t>第二级</a:t>
             </a:r>
+            <a:endParaRPr lang="zh-CN" altLang="en-US"/>
           </a:p>
           <a:p>
             <a:pPr lvl="2"/>
@@ -3566,6 +3168,7 @@
               <a:rPr lang="zh-CN" altLang="en-US"/>
               <a:t>第三级</a:t>
             </a:r>
+            <a:endParaRPr lang="zh-CN" altLang="en-US"/>
           </a:p>
           <a:p>
             <a:pPr lvl="3"/>
@@ -3573,6 +3176,7 @@
               <a:rPr lang="zh-CN" altLang="en-US"/>
               <a:t>第四级</a:t>
             </a:r>
+            <a:endParaRPr lang="zh-CN" altLang="en-US"/>
           </a:p>
           <a:p>
             <a:pPr lvl="4"/>
@@ -3580,6 +3184,7 @@
               <a:rPr lang="zh-CN" altLang="en-US"/>
               <a:t>第五级</a:t>
             </a:r>
+            <a:endParaRPr lang="zh-CN" altLang="en-US"/>
           </a:p>
         </p:txBody>
       </p:sp>
@@ -3663,21 +3268,12 @@
             </a:pPr>
             <a:fld id="{CA40A734-EF3B-425E-9970-80954DDB0807}" type="slidenum">
               <a:rPr lang="zh-CN" altLang="en-US"/>
-              <a:pPr>
-                <a:defRPr/>
-              </a:pPr>
-              <a:t>‹#›</a:t>
             </a:fld>
             <a:endParaRPr lang="zh-CN" altLang="en-US"/>
           </a:p>
         </p:txBody>
       </p:sp>
     </p:spTree>
-    <p:extLst>
-      <p:ext uri="{BB962C8B-B14F-4D97-AF65-F5344CB8AC3E}">
-        <p14:creationId xmlns:p14="http://schemas.microsoft.com/office/powerpoint/2010/main" val="1736697431"/>
-      </p:ext>
-    </p:extLst>
   </p:cSld>
   <p:clrMapOvr>
     <a:masterClrMapping/>
@@ -3730,6 +3326,7 @@
               <a:rPr lang="zh-CN" altLang="en-US"/>
               <a:t>单击此处编辑母版标题样式</a:t>
             </a:r>
+            <a:endParaRPr lang="zh-CN" altLang="en-US"/>
           </a:p>
         </p:txBody>
       </p:sp>
@@ -3762,7 +3359,7 @@
                 </a:solidFill>
               </a:defRPr>
             </a:lvl1pPr>
-            <a:lvl2pPr marL="457182" indent="0">
+            <a:lvl2pPr marL="457200" indent="0">
               <a:buNone/>
               <a:defRPr sz="1800">
                 <a:solidFill>
@@ -3772,7 +3369,7 @@
                 </a:solidFill>
               </a:defRPr>
             </a:lvl2pPr>
-            <a:lvl3pPr marL="914362" indent="0">
+            <a:lvl3pPr marL="914400" indent="0">
               <a:buNone/>
               <a:defRPr sz="1600">
                 <a:solidFill>
@@ -3782,7 +3379,7 @@
                 </a:solidFill>
               </a:defRPr>
             </a:lvl3pPr>
-            <a:lvl4pPr marL="1371544" indent="0">
+            <a:lvl4pPr marL="1371600" indent="0">
               <a:buNone/>
               <a:defRPr sz="1400">
                 <a:solidFill>
@@ -3792,7 +3389,7 @@
                 </a:solidFill>
               </a:defRPr>
             </a:lvl4pPr>
-            <a:lvl5pPr marL="1828725" indent="0">
+            <a:lvl5pPr marL="1828800" indent="0">
               <a:buNone/>
               <a:defRPr sz="1400">
                 <a:solidFill>
@@ -3802,7 +3399,7 @@
                 </a:solidFill>
               </a:defRPr>
             </a:lvl5pPr>
-            <a:lvl6pPr marL="2285906" indent="0">
+            <a:lvl6pPr marL="2286000" indent="0">
               <a:buNone/>
               <a:defRPr sz="1400">
                 <a:solidFill>
@@ -3812,7 +3409,7 @@
                 </a:solidFill>
               </a:defRPr>
             </a:lvl6pPr>
-            <a:lvl7pPr marL="2743088" indent="0">
+            <a:lvl7pPr marL="2743200" indent="0">
               <a:buNone/>
               <a:defRPr sz="1400">
                 <a:solidFill>
@@ -3822,7 +3419,7 @@
                 </a:solidFill>
               </a:defRPr>
             </a:lvl7pPr>
-            <a:lvl8pPr marL="3200268" indent="0">
+            <a:lvl8pPr marL="3200400" indent="0">
               <a:buNone/>
               <a:defRPr sz="1400">
                 <a:solidFill>
@@ -3832,7 +3429,7 @@
                 </a:solidFill>
               </a:defRPr>
             </a:lvl8pPr>
-            <a:lvl9pPr marL="3657450" indent="0">
+            <a:lvl9pPr marL="3657600" indent="0">
               <a:buNone/>
               <a:defRPr sz="1400">
                 <a:solidFill>
@@ -3849,6 +3446,7 @@
               <a:rPr lang="zh-CN" altLang="en-US"/>
               <a:t>单击此处编辑母版文本样式</a:t>
             </a:r>
+            <a:endParaRPr lang="zh-CN" altLang="en-US"/>
           </a:p>
         </p:txBody>
       </p:sp>
@@ -3932,21 +3530,12 @@
             </a:pPr>
             <a:fld id="{91F44B76-BDB5-48DA-9429-18FB768FED70}" type="slidenum">
               <a:rPr lang="zh-CN" altLang="en-US"/>
-              <a:pPr>
-                <a:defRPr/>
-              </a:pPr>
-              <a:t>‹#›</a:t>
             </a:fld>
             <a:endParaRPr lang="zh-CN" altLang="en-US"/>
           </a:p>
         </p:txBody>
       </p:sp>
     </p:spTree>
-    <p:extLst>
-      <p:ext uri="{BB962C8B-B14F-4D97-AF65-F5344CB8AC3E}">
-        <p14:creationId xmlns:p14="http://schemas.microsoft.com/office/powerpoint/2010/main" val="3641668084"/>
-      </p:ext>
-    </p:extLst>
   </p:cSld>
   <p:clrMapOvr>
     <a:masterClrMapping/>
@@ -3990,6 +3579,7 @@
               <a:rPr lang="zh-CN" altLang="en-US"/>
               <a:t>单击此处编辑母版标题样式</a:t>
             </a:r>
+            <a:endParaRPr lang="zh-CN" altLang="en-US"/>
           </a:p>
         </p:txBody>
       </p:sp>
@@ -4046,6 +3636,7 @@
               <a:rPr lang="zh-CN" altLang="en-US"/>
               <a:t>单击此处编辑母版文本样式</a:t>
             </a:r>
+            <a:endParaRPr lang="zh-CN" altLang="en-US"/>
           </a:p>
           <a:p>
             <a:pPr lvl="1"/>
@@ -4053,6 +3644,7 @@
               <a:rPr lang="zh-CN" altLang="en-US"/>
               <a:t>第二级</a:t>
             </a:r>
+            <a:endParaRPr lang="zh-CN" altLang="en-US"/>
           </a:p>
           <a:p>
             <a:pPr lvl="2"/>
@@ -4060,6 +3652,7 @@
               <a:rPr lang="zh-CN" altLang="en-US"/>
               <a:t>第三级</a:t>
             </a:r>
+            <a:endParaRPr lang="zh-CN" altLang="en-US"/>
           </a:p>
           <a:p>
             <a:pPr lvl="3"/>
@@ -4067,6 +3660,7 @@
               <a:rPr lang="zh-CN" altLang="en-US"/>
               <a:t>第四级</a:t>
             </a:r>
+            <a:endParaRPr lang="zh-CN" altLang="en-US"/>
           </a:p>
           <a:p>
             <a:pPr lvl="4"/>
@@ -4074,6 +3668,7 @@
               <a:rPr lang="zh-CN" altLang="en-US"/>
               <a:t>第五级</a:t>
             </a:r>
+            <a:endParaRPr lang="zh-CN" altLang="en-US"/>
           </a:p>
         </p:txBody>
       </p:sp>
@@ -4130,6 +3725,7 @@
               <a:rPr lang="zh-CN" altLang="en-US"/>
               <a:t>单击此处编辑母版文本样式</a:t>
             </a:r>
+            <a:endParaRPr lang="zh-CN" altLang="en-US"/>
           </a:p>
           <a:p>
             <a:pPr lvl="1"/>
@@ -4137,6 +3733,7 @@
               <a:rPr lang="zh-CN" altLang="en-US"/>
               <a:t>第二级</a:t>
             </a:r>
+            <a:endParaRPr lang="zh-CN" altLang="en-US"/>
           </a:p>
           <a:p>
             <a:pPr lvl="2"/>
@@ -4144,6 +3741,7 @@
               <a:rPr lang="zh-CN" altLang="en-US"/>
               <a:t>第三级</a:t>
             </a:r>
+            <a:endParaRPr lang="zh-CN" altLang="en-US"/>
           </a:p>
           <a:p>
             <a:pPr lvl="3"/>
@@ -4151,6 +3749,7 @@
               <a:rPr lang="zh-CN" altLang="en-US"/>
               <a:t>第四级</a:t>
             </a:r>
+            <a:endParaRPr lang="zh-CN" altLang="en-US"/>
           </a:p>
           <a:p>
             <a:pPr lvl="4"/>
@@ -4158,6 +3757,7 @@
               <a:rPr lang="zh-CN" altLang="en-US"/>
               <a:t>第五级</a:t>
             </a:r>
+            <a:endParaRPr lang="zh-CN" altLang="en-US"/>
           </a:p>
         </p:txBody>
       </p:sp>
@@ -4241,21 +3841,12 @@
             </a:pPr>
             <a:fld id="{89D35798-1DC4-447E-97F5-D240AF3B9805}" type="slidenum">
               <a:rPr lang="zh-CN" altLang="en-US"/>
-              <a:pPr>
-                <a:defRPr/>
-              </a:pPr>
-              <a:t>‹#›</a:t>
             </a:fld>
             <a:endParaRPr lang="zh-CN" altLang="en-US"/>
           </a:p>
         </p:txBody>
       </p:sp>
     </p:spTree>
-    <p:extLst>
-      <p:ext uri="{BB962C8B-B14F-4D97-AF65-F5344CB8AC3E}">
-        <p14:creationId xmlns:p14="http://schemas.microsoft.com/office/powerpoint/2010/main" val="2458987140"/>
-      </p:ext>
-    </p:extLst>
   </p:cSld>
   <p:clrMapOvr>
     <a:masterClrMapping/>
@@ -4303,6 +3894,7 @@
               <a:rPr lang="zh-CN" altLang="en-US"/>
               <a:t>单击此处编辑母版标题样式</a:t>
             </a:r>
+            <a:endParaRPr lang="zh-CN" altLang="en-US"/>
           </a:p>
         </p:txBody>
       </p:sp>
@@ -4329,35 +3921,35 @@
               <a:buNone/>
               <a:defRPr sz="2400" b="1"/>
             </a:lvl1pPr>
-            <a:lvl2pPr marL="457182" indent="0">
+            <a:lvl2pPr marL="457200" indent="0">
               <a:buNone/>
               <a:defRPr sz="2000" b="1"/>
             </a:lvl2pPr>
-            <a:lvl3pPr marL="914362" indent="0">
+            <a:lvl3pPr marL="914400" indent="0">
               <a:buNone/>
               <a:defRPr sz="1800" b="1"/>
             </a:lvl3pPr>
-            <a:lvl4pPr marL="1371544" indent="0">
+            <a:lvl4pPr marL="1371600" indent="0">
               <a:buNone/>
               <a:defRPr sz="1600" b="1"/>
             </a:lvl4pPr>
-            <a:lvl5pPr marL="1828725" indent="0">
+            <a:lvl5pPr marL="1828800" indent="0">
               <a:buNone/>
               <a:defRPr sz="1600" b="1"/>
             </a:lvl5pPr>
-            <a:lvl6pPr marL="2285906" indent="0">
+            <a:lvl6pPr marL="2286000" indent="0">
               <a:buNone/>
               <a:defRPr sz="1600" b="1"/>
             </a:lvl6pPr>
-            <a:lvl7pPr marL="2743088" indent="0">
+            <a:lvl7pPr marL="2743200" indent="0">
               <a:buNone/>
               <a:defRPr sz="1600" b="1"/>
             </a:lvl7pPr>
-            <a:lvl8pPr marL="3200268" indent="0">
+            <a:lvl8pPr marL="3200400" indent="0">
               <a:buNone/>
               <a:defRPr sz="1600" b="1"/>
             </a:lvl8pPr>
-            <a:lvl9pPr marL="3657450" indent="0">
+            <a:lvl9pPr marL="3657600" indent="0">
               <a:buNone/>
               <a:defRPr sz="1600" b="1"/>
             </a:lvl9pPr>
@@ -4368,6 +3960,7 @@
               <a:rPr lang="zh-CN" altLang="en-US"/>
               <a:t>单击此处编辑母版文本样式</a:t>
             </a:r>
+            <a:endParaRPr lang="zh-CN" altLang="en-US"/>
           </a:p>
         </p:txBody>
       </p:sp>
@@ -4424,6 +4017,7 @@
               <a:rPr lang="zh-CN" altLang="en-US"/>
               <a:t>单击此处编辑母版文本样式</a:t>
             </a:r>
+            <a:endParaRPr lang="zh-CN" altLang="en-US"/>
           </a:p>
           <a:p>
             <a:pPr lvl="1"/>
@@ -4431,6 +4025,7 @@
               <a:rPr lang="zh-CN" altLang="en-US"/>
               <a:t>第二级</a:t>
             </a:r>
+            <a:endParaRPr lang="zh-CN" altLang="en-US"/>
           </a:p>
           <a:p>
             <a:pPr lvl="2"/>
@@ -4438,6 +4033,7 @@
               <a:rPr lang="zh-CN" altLang="en-US"/>
               <a:t>第三级</a:t>
             </a:r>
+            <a:endParaRPr lang="zh-CN" altLang="en-US"/>
           </a:p>
           <a:p>
             <a:pPr lvl="3"/>
@@ -4445,6 +4041,7 @@
               <a:rPr lang="zh-CN" altLang="en-US"/>
               <a:t>第四级</a:t>
             </a:r>
+            <a:endParaRPr lang="zh-CN" altLang="en-US"/>
           </a:p>
           <a:p>
             <a:pPr lvl="4"/>
@@ -4452,6 +4049,7 @@
               <a:rPr lang="zh-CN" altLang="en-US"/>
               <a:t>第五级</a:t>
             </a:r>
+            <a:endParaRPr lang="zh-CN" altLang="en-US"/>
           </a:p>
         </p:txBody>
       </p:sp>
@@ -4478,35 +4076,35 @@
               <a:buNone/>
               <a:defRPr sz="2400" b="1"/>
             </a:lvl1pPr>
-            <a:lvl2pPr marL="457182" indent="0">
+            <a:lvl2pPr marL="457200" indent="0">
               <a:buNone/>
               <a:defRPr sz="2000" b="1"/>
             </a:lvl2pPr>
-            <a:lvl3pPr marL="914362" indent="0">
+            <a:lvl3pPr marL="914400" indent="0">
               <a:buNone/>
               <a:defRPr sz="1800" b="1"/>
             </a:lvl3pPr>
-            <a:lvl4pPr marL="1371544" indent="0">
+            <a:lvl4pPr marL="1371600" indent="0">
               <a:buNone/>
               <a:defRPr sz="1600" b="1"/>
             </a:lvl4pPr>
-            <a:lvl5pPr marL="1828725" indent="0">
+            <a:lvl5pPr marL="1828800" indent="0">
               <a:buNone/>
               <a:defRPr sz="1600" b="1"/>
             </a:lvl5pPr>
-            <a:lvl6pPr marL="2285906" indent="0">
+            <a:lvl6pPr marL="2286000" indent="0">
               <a:buNone/>
               <a:defRPr sz="1600" b="1"/>
             </a:lvl6pPr>
-            <a:lvl7pPr marL="2743088" indent="0">
+            <a:lvl7pPr marL="2743200" indent="0">
               <a:buNone/>
               <a:defRPr sz="1600" b="1"/>
             </a:lvl7pPr>
-            <a:lvl8pPr marL="3200268" indent="0">
+            <a:lvl8pPr marL="3200400" indent="0">
               <a:buNone/>
               <a:defRPr sz="1600" b="1"/>
             </a:lvl8pPr>
-            <a:lvl9pPr marL="3657450" indent="0">
+            <a:lvl9pPr marL="3657600" indent="0">
               <a:buNone/>
               <a:defRPr sz="1600" b="1"/>
             </a:lvl9pPr>
@@ -4517,6 +4115,7 @@
               <a:rPr lang="zh-CN" altLang="en-US"/>
               <a:t>单击此处编辑母版文本样式</a:t>
             </a:r>
+            <a:endParaRPr lang="zh-CN" altLang="en-US"/>
           </a:p>
         </p:txBody>
       </p:sp>
@@ -4573,6 +4172,7 @@
               <a:rPr lang="zh-CN" altLang="en-US"/>
               <a:t>单击此处编辑母版文本样式</a:t>
             </a:r>
+            <a:endParaRPr lang="zh-CN" altLang="en-US"/>
           </a:p>
           <a:p>
             <a:pPr lvl="1"/>
@@ -4580,6 +4180,7 @@
               <a:rPr lang="zh-CN" altLang="en-US"/>
               <a:t>第二级</a:t>
             </a:r>
+            <a:endParaRPr lang="zh-CN" altLang="en-US"/>
           </a:p>
           <a:p>
             <a:pPr lvl="2"/>
@@ -4587,6 +4188,7 @@
               <a:rPr lang="zh-CN" altLang="en-US"/>
               <a:t>第三级</a:t>
             </a:r>
+            <a:endParaRPr lang="zh-CN" altLang="en-US"/>
           </a:p>
           <a:p>
             <a:pPr lvl="3"/>
@@ -4594,6 +4196,7 @@
               <a:rPr lang="zh-CN" altLang="en-US"/>
               <a:t>第四级</a:t>
             </a:r>
+            <a:endParaRPr lang="zh-CN" altLang="en-US"/>
           </a:p>
           <a:p>
             <a:pPr lvl="4"/>
@@ -4601,6 +4204,7 @@
               <a:rPr lang="zh-CN" altLang="en-US"/>
               <a:t>第五级</a:t>
             </a:r>
+            <a:endParaRPr lang="zh-CN" altLang="en-US"/>
           </a:p>
         </p:txBody>
       </p:sp>
@@ -4684,21 +4288,12 @@
             </a:pPr>
             <a:fld id="{1FFB9FFA-BBF7-4E6B-ACD4-E99548C5776B}" type="slidenum">
               <a:rPr lang="zh-CN" altLang="en-US"/>
-              <a:pPr>
-                <a:defRPr/>
-              </a:pPr>
-              <a:t>‹#›</a:t>
             </a:fld>
             <a:endParaRPr lang="zh-CN" altLang="en-US"/>
           </a:p>
         </p:txBody>
       </p:sp>
     </p:spTree>
-    <p:extLst>
-      <p:ext uri="{BB962C8B-B14F-4D97-AF65-F5344CB8AC3E}">
-        <p14:creationId xmlns:p14="http://schemas.microsoft.com/office/powerpoint/2010/main" val="414232053"/>
-      </p:ext>
-    </p:extLst>
   </p:cSld>
   <p:clrMapOvr>
     <a:masterClrMapping/>
@@ -4742,6 +4337,7 @@
               <a:rPr lang="zh-CN" altLang="en-US"/>
               <a:t>单击此处编辑母版标题样式</a:t>
             </a:r>
+            <a:endParaRPr lang="zh-CN" altLang="en-US"/>
           </a:p>
         </p:txBody>
       </p:sp>
@@ -4825,21 +4421,12 @@
             </a:pPr>
             <a:fld id="{FA78C75F-3921-4200-A546-C4950D0184B6}" type="slidenum">
               <a:rPr lang="zh-CN" altLang="en-US"/>
-              <a:pPr>
-                <a:defRPr/>
-              </a:pPr>
-              <a:t>‹#›</a:t>
             </a:fld>
             <a:endParaRPr lang="zh-CN" altLang="en-US"/>
           </a:p>
         </p:txBody>
       </p:sp>
     </p:spTree>
-    <p:extLst>
-      <p:ext uri="{BB962C8B-B14F-4D97-AF65-F5344CB8AC3E}">
-        <p14:creationId xmlns:p14="http://schemas.microsoft.com/office/powerpoint/2010/main" val="2411579836"/>
-      </p:ext>
-    </p:extLst>
   </p:cSld>
   <p:clrMapOvr>
     <a:masterClrMapping/>
@@ -4944,21 +4531,12 @@
             </a:pPr>
             <a:fld id="{47694E68-0D6D-410C-8C00-3741D352D069}" type="slidenum">
               <a:rPr lang="zh-CN" altLang="en-US"/>
-              <a:pPr>
-                <a:defRPr/>
-              </a:pPr>
-              <a:t>‹#›</a:t>
             </a:fld>
             <a:endParaRPr lang="zh-CN" altLang="en-US"/>
           </a:p>
         </p:txBody>
       </p:sp>
     </p:spTree>
-    <p:extLst>
-      <p:ext uri="{BB962C8B-B14F-4D97-AF65-F5344CB8AC3E}">
-        <p14:creationId xmlns:p14="http://schemas.microsoft.com/office/powerpoint/2010/main" val="4123503613"/>
-      </p:ext>
-    </p:extLst>
   </p:cSld>
   <p:clrMapOvr>
     <a:masterClrMapping/>
@@ -5011,6 +4589,7 @@
               <a:rPr lang="zh-CN" altLang="en-US"/>
               <a:t>单击此处编辑母版标题样式</a:t>
             </a:r>
+            <a:endParaRPr lang="zh-CN" altLang="en-US"/>
           </a:p>
         </p:txBody>
       </p:sp>
@@ -5067,6 +4646,7 @@
               <a:rPr lang="zh-CN" altLang="en-US"/>
               <a:t>单击此处编辑母版文本样式</a:t>
             </a:r>
+            <a:endParaRPr lang="zh-CN" altLang="en-US"/>
           </a:p>
           <a:p>
             <a:pPr lvl="1"/>
@@ -5074,6 +4654,7 @@
               <a:rPr lang="zh-CN" altLang="en-US"/>
               <a:t>第二级</a:t>
             </a:r>
+            <a:endParaRPr lang="zh-CN" altLang="en-US"/>
           </a:p>
           <a:p>
             <a:pPr lvl="2"/>
@@ -5081,6 +4662,7 @@
               <a:rPr lang="zh-CN" altLang="en-US"/>
               <a:t>第三级</a:t>
             </a:r>
+            <a:endParaRPr lang="zh-CN" altLang="en-US"/>
           </a:p>
           <a:p>
             <a:pPr lvl="3"/>
@@ -5088,6 +4670,7 @@
               <a:rPr lang="zh-CN" altLang="en-US"/>
               <a:t>第四级</a:t>
             </a:r>
+            <a:endParaRPr lang="zh-CN" altLang="en-US"/>
           </a:p>
           <a:p>
             <a:pPr lvl="4"/>
@@ -5095,6 +4678,7 @@
               <a:rPr lang="zh-CN" altLang="en-US"/>
               <a:t>第五级</a:t>
             </a:r>
+            <a:endParaRPr lang="zh-CN" altLang="en-US"/>
           </a:p>
         </p:txBody>
       </p:sp>
@@ -5121,35 +4705,35 @@
               <a:buNone/>
               <a:defRPr sz="1400"/>
             </a:lvl1pPr>
-            <a:lvl2pPr marL="457182" indent="0">
+            <a:lvl2pPr marL="457200" indent="0">
               <a:buNone/>
               <a:defRPr sz="1200"/>
             </a:lvl2pPr>
-            <a:lvl3pPr marL="914362" indent="0">
+            <a:lvl3pPr marL="914400" indent="0">
               <a:buNone/>
               <a:defRPr sz="1000"/>
             </a:lvl3pPr>
-            <a:lvl4pPr marL="1371544" indent="0">
+            <a:lvl4pPr marL="1371600" indent="0">
               <a:buNone/>
               <a:defRPr sz="900"/>
             </a:lvl4pPr>
-            <a:lvl5pPr marL="1828725" indent="0">
+            <a:lvl5pPr marL="1828800" indent="0">
               <a:buNone/>
               <a:defRPr sz="900"/>
             </a:lvl5pPr>
-            <a:lvl6pPr marL="2285906" indent="0">
+            <a:lvl6pPr marL="2286000" indent="0">
               <a:buNone/>
               <a:defRPr sz="900"/>
             </a:lvl6pPr>
-            <a:lvl7pPr marL="2743088" indent="0">
+            <a:lvl7pPr marL="2743200" indent="0">
               <a:buNone/>
               <a:defRPr sz="900"/>
             </a:lvl7pPr>
-            <a:lvl8pPr marL="3200268" indent="0">
+            <a:lvl8pPr marL="3200400" indent="0">
               <a:buNone/>
               <a:defRPr sz="900"/>
             </a:lvl8pPr>
-            <a:lvl9pPr marL="3657450" indent="0">
+            <a:lvl9pPr marL="3657600" indent="0">
               <a:buNone/>
               <a:defRPr sz="900"/>
             </a:lvl9pPr>
@@ -5160,6 +4744,7 @@
               <a:rPr lang="zh-CN" altLang="en-US"/>
               <a:t>单击此处编辑母版文本样式</a:t>
             </a:r>
+            <a:endParaRPr lang="zh-CN" altLang="en-US"/>
           </a:p>
         </p:txBody>
       </p:sp>
@@ -5243,21 +4828,12 @@
             </a:pPr>
             <a:fld id="{875CE17F-E7E8-4836-8B19-28E882EF05B9}" type="slidenum">
               <a:rPr lang="zh-CN" altLang="en-US"/>
-              <a:pPr>
-                <a:defRPr/>
-              </a:pPr>
-              <a:t>‹#›</a:t>
             </a:fld>
             <a:endParaRPr lang="zh-CN" altLang="en-US"/>
           </a:p>
         </p:txBody>
       </p:sp>
     </p:spTree>
-    <p:extLst>
-      <p:ext uri="{BB962C8B-B14F-4D97-AF65-F5344CB8AC3E}">
-        <p14:creationId xmlns:p14="http://schemas.microsoft.com/office/powerpoint/2010/main" val="3638579573"/>
-      </p:ext>
-    </p:extLst>
   </p:cSld>
   <p:clrMapOvr>
     <a:masterClrMapping/>
@@ -5310,6 +4886,7 @@
               <a:rPr lang="zh-CN" altLang="en-US"/>
               <a:t>单击此处编辑母版标题样式</a:t>
             </a:r>
+            <a:endParaRPr lang="zh-CN" altLang="en-US"/>
           </a:p>
         </p:txBody>
       </p:sp>
@@ -5338,35 +4915,35 @@
               <a:buNone/>
               <a:defRPr sz="3200"/>
             </a:lvl1pPr>
-            <a:lvl2pPr marL="457182" indent="0">
+            <a:lvl2pPr marL="457200" indent="0">
               <a:buNone/>
               <a:defRPr sz="2800"/>
             </a:lvl2pPr>
-            <a:lvl3pPr marL="914362" indent="0">
+            <a:lvl3pPr marL="914400" indent="0">
               <a:buNone/>
               <a:defRPr sz="2400"/>
             </a:lvl3pPr>
-            <a:lvl4pPr marL="1371544" indent="0">
+            <a:lvl4pPr marL="1371600" indent="0">
               <a:buNone/>
               <a:defRPr sz="2000"/>
             </a:lvl4pPr>
-            <a:lvl5pPr marL="1828725" indent="0">
+            <a:lvl5pPr marL="1828800" indent="0">
               <a:buNone/>
               <a:defRPr sz="2000"/>
             </a:lvl5pPr>
-            <a:lvl6pPr marL="2285906" indent="0">
+            <a:lvl6pPr marL="2286000" indent="0">
               <a:buNone/>
               <a:defRPr sz="2000"/>
             </a:lvl6pPr>
-            <a:lvl7pPr marL="2743088" indent="0">
+            <a:lvl7pPr marL="2743200" indent="0">
               <a:buNone/>
               <a:defRPr sz="2000"/>
             </a:lvl7pPr>
-            <a:lvl8pPr marL="3200268" indent="0">
+            <a:lvl8pPr marL="3200400" indent="0">
               <a:buNone/>
               <a:defRPr sz="2000"/>
             </a:lvl8pPr>
-            <a:lvl9pPr marL="3657450" indent="0">
+            <a:lvl9pPr marL="3657600" indent="0">
               <a:buNone/>
               <a:defRPr sz="2000"/>
             </a:lvl9pPr>
@@ -5400,35 +4977,35 @@
               <a:buNone/>
               <a:defRPr sz="1400"/>
             </a:lvl1pPr>
-            <a:lvl2pPr marL="457182" indent="0">
+            <a:lvl2pPr marL="457200" indent="0">
               <a:buNone/>
               <a:defRPr sz="1200"/>
             </a:lvl2pPr>
-            <a:lvl3pPr marL="914362" indent="0">
+            <a:lvl3pPr marL="914400" indent="0">
               <a:buNone/>
               <a:defRPr sz="1000"/>
             </a:lvl3pPr>
-            <a:lvl4pPr marL="1371544" indent="0">
+            <a:lvl4pPr marL="1371600" indent="0">
               <a:buNone/>
               <a:defRPr sz="900"/>
             </a:lvl4pPr>
-            <a:lvl5pPr marL="1828725" indent="0">
+            <a:lvl5pPr marL="1828800" indent="0">
               <a:buNone/>
               <a:defRPr sz="900"/>
             </a:lvl5pPr>
-            <a:lvl6pPr marL="2285906" indent="0">
+            <a:lvl6pPr marL="2286000" indent="0">
               <a:buNone/>
               <a:defRPr sz="900"/>
             </a:lvl6pPr>
-            <a:lvl7pPr marL="2743088" indent="0">
+            <a:lvl7pPr marL="2743200" indent="0">
               <a:buNone/>
               <a:defRPr sz="900"/>
             </a:lvl7pPr>
-            <a:lvl8pPr marL="3200268" indent="0">
+            <a:lvl8pPr marL="3200400" indent="0">
               <a:buNone/>
               <a:defRPr sz="900"/>
             </a:lvl8pPr>
-            <a:lvl9pPr marL="3657450" indent="0">
+            <a:lvl9pPr marL="3657600" indent="0">
               <a:buNone/>
               <a:defRPr sz="900"/>
             </a:lvl9pPr>
@@ -5439,6 +5016,7 @@
               <a:rPr lang="zh-CN" altLang="en-US"/>
               <a:t>单击此处编辑母版文本样式</a:t>
             </a:r>
+            <a:endParaRPr lang="zh-CN" altLang="en-US"/>
           </a:p>
         </p:txBody>
       </p:sp>
@@ -5522,21 +5100,12 @@
             </a:pPr>
             <a:fld id="{530D8648-5A27-46B1-9DFF-F43427A188ED}" type="slidenum">
               <a:rPr lang="zh-CN" altLang="en-US"/>
-              <a:pPr>
-                <a:defRPr/>
-              </a:pPr>
-              <a:t>‹#›</a:t>
             </a:fld>
             <a:endParaRPr lang="zh-CN" altLang="en-US"/>
           </a:p>
         </p:txBody>
       </p:sp>
     </p:spTree>
-    <p:extLst>
-      <p:ext uri="{BB962C8B-B14F-4D97-AF65-F5344CB8AC3E}">
-        <p14:creationId xmlns:p14="http://schemas.microsoft.com/office/powerpoint/2010/main" val="4292002586"/>
-      </p:ext>
-    </p:extLst>
   </p:cSld>
   <p:clrMapOvr>
     <a:masterClrMapping/>
@@ -5550,7 +5119,7 @@
     <p:bg>
       <p:bgPr>
         <a:blipFill dpi="0" rotWithShape="0">
-          <a:blip r:embed="rId13" cstate="print"/>
+          <a:blip r:embed="rId12" cstate="print"/>
           <a:srcRect/>
           <a:stretch>
             <a:fillRect/>
@@ -5595,32 +5164,9 @@
           <a:ln>
             <a:noFill/>
           </a:ln>
-          <a:extLst>
-            <a:ext uri="{909E8E84-426E-40dd-AFC4-6F175D3DCCD1}">
-              <a14:hiddenFill xmlns="" xmlns:a14="http://schemas.microsoft.com/office/drawing/2010/main">
-                <a:solidFill>
-                  <a:srgbClr val="FFFFFF"/>
-                </a:solidFill>
-              </a14:hiddenFill>
-            </a:ext>
-            <a:ext uri="{91240B29-F687-4f45-9708-019B960494DF}">
-              <a14:hiddenLine xmlns="" xmlns:a14="http://schemas.microsoft.com/office/drawing/2010/main" w="9525">
-                <a:solidFill>
-                  <a:srgbClr val="000000"/>
-                </a:solidFill>
-                <a:miter lim="800000"/>
-                <a:headEnd/>
-                <a:tailEnd/>
-              </a14:hiddenLine>
-            </a:ext>
-          </a:extLst>
         </p:spPr>
         <p:txBody>
-          <a:bodyPr vert="horz" wrap="square" lIns="91436" tIns="45718" rIns="91436" bIns="45718" numCol="1" anchor="ctr" anchorCtr="0" compatLnSpc="1">
-            <a:prstTxWarp prst="textNoShape">
-              <a:avLst/>
-            </a:prstTxWarp>
-          </a:bodyPr>
+          <a:bodyPr vert="horz" wrap="square" lIns="91436" tIns="45718" rIns="91436" bIns="45718" numCol="1" anchor="ctr" anchorCtr="0" compatLnSpc="1"/>
           <a:lstStyle/>
           <a:p>
             <a:pPr lvl="0"/>
@@ -5628,6 +5174,7 @@
               <a:rPr lang="zh-CN" altLang="en-US"/>
               <a:t>单击此处编辑母版标题样式</a:t>
             </a:r>
+            <a:endParaRPr lang="zh-CN" altLang="en-US"/>
           </a:p>
         </p:txBody>
       </p:sp>
@@ -5653,32 +5200,9 @@
           <a:ln>
             <a:noFill/>
           </a:ln>
-          <a:extLst>
-            <a:ext uri="{909E8E84-426E-40dd-AFC4-6F175D3DCCD1}">
-              <a14:hiddenFill xmlns="" xmlns:a14="http://schemas.microsoft.com/office/drawing/2010/main">
-                <a:solidFill>
-                  <a:srgbClr val="FFFFFF"/>
-                </a:solidFill>
-              </a14:hiddenFill>
-            </a:ext>
-            <a:ext uri="{91240B29-F687-4f45-9708-019B960494DF}">
-              <a14:hiddenLine xmlns="" xmlns:a14="http://schemas.microsoft.com/office/drawing/2010/main" w="9525">
-                <a:solidFill>
-                  <a:srgbClr val="000000"/>
-                </a:solidFill>
-                <a:miter lim="800000"/>
-                <a:headEnd/>
-                <a:tailEnd/>
-              </a14:hiddenLine>
-            </a:ext>
-          </a:extLst>
         </p:spPr>
         <p:txBody>
-          <a:bodyPr vert="horz" wrap="square" lIns="91436" tIns="45718" rIns="91436" bIns="45718" numCol="1" anchor="t" anchorCtr="0" compatLnSpc="1">
-            <a:prstTxWarp prst="textNoShape">
-              <a:avLst/>
-            </a:prstTxWarp>
-          </a:bodyPr>
+          <a:bodyPr vert="horz" wrap="square" lIns="91436" tIns="45718" rIns="91436" bIns="45718" numCol="1" anchor="t" anchorCtr="0" compatLnSpc="1"/>
           <a:lstStyle/>
           <a:p>
             <a:pPr lvl="0"/>
@@ -5686,6 +5210,7 @@
               <a:rPr lang="zh-CN" altLang="en-US"/>
               <a:t>单击此处编辑母版文本样式</a:t>
             </a:r>
+            <a:endParaRPr lang="zh-CN" altLang="en-US"/>
           </a:p>
           <a:p>
             <a:pPr lvl="1"/>
@@ -5693,6 +5218,7 @@
               <a:rPr lang="zh-CN" altLang="en-US"/>
               <a:t>第二级</a:t>
             </a:r>
+            <a:endParaRPr lang="zh-CN" altLang="en-US"/>
           </a:p>
           <a:p>
             <a:pPr lvl="2"/>
@@ -5700,6 +5226,7 @@
               <a:rPr lang="zh-CN" altLang="en-US"/>
               <a:t>第三级</a:t>
             </a:r>
+            <a:endParaRPr lang="zh-CN" altLang="en-US"/>
           </a:p>
           <a:p>
             <a:pPr lvl="3"/>
@@ -5707,6 +5234,7 @@
               <a:rPr lang="zh-CN" altLang="en-US"/>
               <a:t>第四级</a:t>
             </a:r>
+            <a:endParaRPr lang="zh-CN" altLang="en-US"/>
           </a:p>
           <a:p>
             <a:pPr lvl="4"/>
@@ -5714,6 +5242,7 @@
               <a:rPr lang="zh-CN" altLang="en-US"/>
               <a:t>第五级</a:t>
             </a:r>
+            <a:endParaRPr lang="zh-CN" altLang="en-US"/>
           </a:p>
         </p:txBody>
       </p:sp>
@@ -5746,7 +5275,7 @@
                     <a:tint val="75000"/>
                   </a:schemeClr>
                 </a:solidFill>
-                <a:ea typeface="宋体" charset="-122"/>
+                <a:ea typeface="宋体" panose="02010600030101010101" pitchFamily="2" charset="-122"/>
               </a:defRPr>
             </a:lvl1pPr>
           </a:lstStyle>
@@ -5791,7 +5320,7 @@
                     <a:tint val="75000"/>
                   </a:schemeClr>
                 </a:solidFill>
-                <a:ea typeface="宋体" charset="-122"/>
+                <a:ea typeface="宋体" panose="02010600030101010101" pitchFamily="2" charset="-122"/>
               </a:defRPr>
             </a:lvl1pPr>
           </a:lstStyle>
@@ -5823,11 +5352,7 @@
           </a:prstGeom>
         </p:spPr>
         <p:txBody>
-          <a:bodyPr vert="horz" wrap="square" lIns="91436" tIns="45718" rIns="91436" bIns="45718" numCol="1" anchor="ctr" anchorCtr="0" compatLnSpc="1">
-            <a:prstTxWarp prst="textNoShape">
-              <a:avLst/>
-            </a:prstTxWarp>
-          </a:bodyPr>
+          <a:bodyPr vert="horz" wrap="square" lIns="91436" tIns="45718" rIns="91436" bIns="45718" numCol="1" anchor="ctr" anchorCtr="0" compatLnSpc="1"/>
           <a:lstStyle>
             <a:lvl1pPr algn="r" eaLnBrk="1" hangingPunct="1">
               <a:defRPr sz="1200">
@@ -5843,10 +5368,6 @@
             </a:pPr>
             <a:fld id="{EB08D79A-444D-4C36-A6F5-FB17350375E2}" type="slidenum">
               <a:rPr lang="zh-CN" altLang="en-US"/>
-              <a:pPr>
-                <a:defRPr/>
-              </a:pPr>
-              <a:t>‹#›</a:t>
             </a:fld>
             <a:endParaRPr lang="zh-CN" altLang="en-US"/>
           </a:p>
@@ -5856,17 +5377,17 @@
   </p:cSld>
   <p:clrMap bg1="lt1" tx1="dk1" bg2="lt2" tx2="dk2" accent1="accent1" accent2="accent2" accent3="accent3" accent4="accent4" accent5="accent5" accent6="accent6" hlink="hlink" folHlink="folHlink"/>
   <p:sldLayoutIdLst>
-    <p:sldLayoutId id="2147483685" r:id="rId1"/>
-    <p:sldLayoutId id="2147483686" r:id="rId2"/>
-    <p:sldLayoutId id="2147483687" r:id="rId3"/>
-    <p:sldLayoutId id="2147483688" r:id="rId4"/>
-    <p:sldLayoutId id="2147483689" r:id="rId5"/>
-    <p:sldLayoutId id="2147483690" r:id="rId6"/>
-    <p:sldLayoutId id="2147483691" r:id="rId7"/>
-    <p:sldLayoutId id="2147483692" r:id="rId8"/>
-    <p:sldLayoutId id="2147483693" r:id="rId9"/>
-    <p:sldLayoutId id="2147483694" r:id="rId10"/>
-    <p:sldLayoutId id="2147483695" r:id="rId11"/>
+    <p:sldLayoutId id="2147483649" r:id="rId1"/>
+    <p:sldLayoutId id="2147483650" r:id="rId2"/>
+    <p:sldLayoutId id="2147483651" r:id="rId3"/>
+    <p:sldLayoutId id="2147483652" r:id="rId4"/>
+    <p:sldLayoutId id="2147483653" r:id="rId5"/>
+    <p:sldLayoutId id="2147483654" r:id="rId6"/>
+    <p:sldLayoutId id="2147483655" r:id="rId7"/>
+    <p:sldLayoutId id="2147483656" r:id="rId8"/>
+    <p:sldLayoutId id="2147483657" r:id="rId9"/>
+    <p:sldLayoutId id="2147483658" r:id="rId10"/>
+    <p:sldLayoutId id="2147483659" r:id="rId11"/>
   </p:sldLayoutIdLst>
   <p:hf hdr="0" ftr="0" dt="0"/>
   <p:txStyles>
@@ -5898,8 +5419,8 @@
           <a:solidFill>
             <a:schemeClr val="tx1"/>
           </a:solidFill>
-          <a:latin typeface="Calibri" pitchFamily="34" charset="0"/>
-          <a:ea typeface="宋体" charset="-122"/>
+          <a:latin typeface="Calibri" panose="020F0502020204030204" pitchFamily="34" charset="0"/>
+          <a:ea typeface="宋体" panose="02010600030101010101" pitchFamily="2" charset="-122"/>
         </a:defRPr>
       </a:lvl2pPr>
       <a:lvl3pPr algn="ctr" rtl="0" eaLnBrk="0" fontAlgn="base" hangingPunct="0">
@@ -5913,8 +5434,8 @@
           <a:solidFill>
             <a:schemeClr val="tx1"/>
           </a:solidFill>
-          <a:latin typeface="Calibri" pitchFamily="34" charset="0"/>
-          <a:ea typeface="宋体" charset="-122"/>
+          <a:latin typeface="Calibri" panose="020F0502020204030204" pitchFamily="34" charset="0"/>
+          <a:ea typeface="宋体" panose="02010600030101010101" pitchFamily="2" charset="-122"/>
         </a:defRPr>
       </a:lvl3pPr>
       <a:lvl4pPr algn="ctr" rtl="0" eaLnBrk="0" fontAlgn="base" hangingPunct="0">
@@ -5928,8 +5449,8 @@
           <a:solidFill>
             <a:schemeClr val="tx1"/>
           </a:solidFill>
-          <a:latin typeface="Calibri" pitchFamily="34" charset="0"/>
-          <a:ea typeface="宋体" charset="-122"/>
+          <a:latin typeface="Calibri" panose="020F0502020204030204" pitchFamily="34" charset="0"/>
+          <a:ea typeface="宋体" panose="02010600030101010101" pitchFamily="2" charset="-122"/>
         </a:defRPr>
       </a:lvl4pPr>
       <a:lvl5pPr algn="ctr" rtl="0" eaLnBrk="0" fontAlgn="base" hangingPunct="0">
@@ -5943,11 +5464,11 @@
           <a:solidFill>
             <a:schemeClr val="tx1"/>
           </a:solidFill>
-          <a:latin typeface="Calibri" pitchFamily="34" charset="0"/>
-          <a:ea typeface="宋体" charset="-122"/>
+          <a:latin typeface="Calibri" panose="020F0502020204030204" pitchFamily="34" charset="0"/>
+          <a:ea typeface="宋体" panose="02010600030101010101" pitchFamily="2" charset="-122"/>
         </a:defRPr>
       </a:lvl5pPr>
-      <a:lvl6pPr marL="457182" algn="ctr" rtl="0" fontAlgn="base">
+      <a:lvl6pPr marL="457200" algn="ctr" rtl="0" fontAlgn="base">
         <a:spcBef>
           <a:spcPct val="0"/>
         </a:spcBef>
@@ -5958,11 +5479,11 @@
           <a:solidFill>
             <a:schemeClr val="tx1"/>
           </a:solidFill>
-          <a:latin typeface="Calibri" pitchFamily="34" charset="0"/>
-          <a:ea typeface="宋体" charset="-122"/>
+          <a:latin typeface="Calibri" panose="020F0502020204030204" pitchFamily="34" charset="0"/>
+          <a:ea typeface="宋体" panose="02010600030101010101" pitchFamily="2" charset="-122"/>
         </a:defRPr>
       </a:lvl6pPr>
-      <a:lvl7pPr marL="914362" algn="ctr" rtl="0" fontAlgn="base">
+      <a:lvl7pPr marL="914400" algn="ctr" rtl="0" fontAlgn="base">
         <a:spcBef>
           <a:spcPct val="0"/>
         </a:spcBef>
@@ -5973,11 +5494,11 @@
           <a:solidFill>
             <a:schemeClr val="tx1"/>
           </a:solidFill>
-          <a:latin typeface="Calibri" pitchFamily="34" charset="0"/>
-          <a:ea typeface="宋体" charset="-122"/>
+          <a:latin typeface="Calibri" panose="020F0502020204030204" pitchFamily="34" charset="0"/>
+          <a:ea typeface="宋体" panose="02010600030101010101" pitchFamily="2" charset="-122"/>
         </a:defRPr>
       </a:lvl7pPr>
-      <a:lvl8pPr marL="1371544" algn="ctr" rtl="0" fontAlgn="base">
+      <a:lvl8pPr marL="1371600" algn="ctr" rtl="0" fontAlgn="base">
         <a:spcBef>
           <a:spcPct val="0"/>
         </a:spcBef>
@@ -5988,11 +5509,11 @@
           <a:solidFill>
             <a:schemeClr val="tx1"/>
           </a:solidFill>
-          <a:latin typeface="Calibri" pitchFamily="34" charset="0"/>
-          <a:ea typeface="宋体" charset="-122"/>
+          <a:latin typeface="Calibri" panose="020F0502020204030204" pitchFamily="34" charset="0"/>
+          <a:ea typeface="宋体" panose="02010600030101010101" pitchFamily="2" charset="-122"/>
         </a:defRPr>
       </a:lvl8pPr>
-      <a:lvl9pPr marL="1828725" algn="ctr" rtl="0" fontAlgn="base">
+      <a:lvl9pPr marL="1828800" algn="ctr" rtl="0" fontAlgn="base">
         <a:spcBef>
           <a:spcPct val="0"/>
         </a:spcBef>
@@ -6003,13 +5524,13 @@
           <a:solidFill>
             <a:schemeClr val="tx1"/>
           </a:solidFill>
-          <a:latin typeface="Calibri" pitchFamily="34" charset="0"/>
-          <a:ea typeface="宋体" charset="-122"/>
+          <a:latin typeface="Calibri" panose="020F0502020204030204" pitchFamily="34" charset="0"/>
+          <a:ea typeface="宋体" panose="02010600030101010101" pitchFamily="2" charset="-122"/>
         </a:defRPr>
       </a:lvl9pPr>
     </p:titleStyle>
     <p:bodyStyle>
-      <a:lvl1pPr marL="342886" indent="-342886" algn="l" rtl="0" eaLnBrk="0" fontAlgn="base" hangingPunct="0">
+      <a:lvl1pPr marL="342900" indent="-342900" algn="l" rtl="0" eaLnBrk="0" fontAlgn="base" hangingPunct="0">
         <a:spcBef>
           <a:spcPct val="20000"/>
         </a:spcBef>
@@ -6027,7 +5548,7 @@
           <a:cs typeface="+mn-cs"/>
         </a:defRPr>
       </a:lvl1pPr>
-      <a:lvl2pPr marL="742920" indent="-285738" algn="l" rtl="0" eaLnBrk="0" fontAlgn="base" hangingPunct="0">
+      <a:lvl2pPr marL="742950" indent="-285750" algn="l" rtl="0" eaLnBrk="0" fontAlgn="base" hangingPunct="0">
         <a:spcBef>
           <a:spcPct val="20000"/>
         </a:spcBef>
@@ -6045,7 +5566,7 @@
           <a:cs typeface="+mn-cs"/>
         </a:defRPr>
       </a:lvl2pPr>
-      <a:lvl3pPr marL="1142953" indent="-228591" algn="l" rtl="0" eaLnBrk="0" fontAlgn="base" hangingPunct="0">
+      <a:lvl3pPr marL="1143000" indent="-228600" algn="l" rtl="0" eaLnBrk="0" fontAlgn="base" hangingPunct="0">
         <a:spcBef>
           <a:spcPct val="20000"/>
         </a:spcBef>
@@ -6063,7 +5584,7 @@
           <a:cs typeface="+mn-cs"/>
         </a:defRPr>
       </a:lvl3pPr>
-      <a:lvl4pPr marL="1600135" indent="-228591" algn="l" rtl="0" eaLnBrk="0" fontAlgn="base" hangingPunct="0">
+      <a:lvl4pPr marL="1600200" indent="-228600" algn="l" rtl="0" eaLnBrk="0" fontAlgn="base" hangingPunct="0">
         <a:spcBef>
           <a:spcPct val="20000"/>
         </a:spcBef>
@@ -6081,7 +5602,7 @@
           <a:cs typeface="+mn-cs"/>
         </a:defRPr>
       </a:lvl4pPr>
-      <a:lvl5pPr marL="2057315" indent="-228591" algn="l" rtl="0" eaLnBrk="0" fontAlgn="base" hangingPunct="0">
+      <a:lvl5pPr marL="2057400" indent="-228600" algn="l" rtl="0" eaLnBrk="0" fontAlgn="base" hangingPunct="0">
         <a:spcBef>
           <a:spcPct val="20000"/>
         </a:spcBef>
@@ -6099,11 +5620,11 @@
           <a:cs typeface="+mn-cs"/>
         </a:defRPr>
       </a:lvl5pPr>
-      <a:lvl6pPr marL="2514497" indent="-228591" algn="l" defTabSz="914362" rtl="0" eaLnBrk="1" latinLnBrk="0" hangingPunct="1">
+      <a:lvl6pPr marL="2514600" indent="-228600" algn="l" defTabSz="914400" rtl="0" eaLnBrk="1" latinLnBrk="0" hangingPunct="1">
         <a:spcBef>
           <a:spcPct val="20000"/>
         </a:spcBef>
-        <a:buFont typeface="Arial" pitchFamily="34" charset="0"/>
+        <a:buFont typeface="Arial" panose="020B0604020202020204" pitchFamily="34" charset="0"/>
         <a:buChar char="•"/>
         <a:defRPr sz="2000" kern="1200">
           <a:solidFill>
@@ -6114,11 +5635,11 @@
           <a:cs typeface="+mn-cs"/>
         </a:defRPr>
       </a:lvl6pPr>
-      <a:lvl7pPr marL="2971678" indent="-228591" algn="l" defTabSz="914362" rtl="0" eaLnBrk="1" latinLnBrk="0" hangingPunct="1">
+      <a:lvl7pPr marL="2971800" indent="-228600" algn="l" defTabSz="914400" rtl="0" eaLnBrk="1" latinLnBrk="0" hangingPunct="1">
         <a:spcBef>
           <a:spcPct val="20000"/>
         </a:spcBef>
-        <a:buFont typeface="Arial" pitchFamily="34" charset="0"/>
+        <a:buFont typeface="Arial" panose="020B0604020202020204" pitchFamily="34" charset="0"/>
         <a:buChar char="•"/>
         <a:defRPr sz="2000" kern="1200">
           <a:solidFill>
@@ -6129,11 +5650,11 @@
           <a:cs typeface="+mn-cs"/>
         </a:defRPr>
       </a:lvl7pPr>
-      <a:lvl8pPr marL="3428859" indent="-228591" algn="l" defTabSz="914362" rtl="0" eaLnBrk="1" latinLnBrk="0" hangingPunct="1">
+      <a:lvl8pPr marL="3429000" indent="-228600" algn="l" defTabSz="914400" rtl="0" eaLnBrk="1" latinLnBrk="0" hangingPunct="1">
         <a:spcBef>
           <a:spcPct val="20000"/>
         </a:spcBef>
-        <a:buFont typeface="Arial" pitchFamily="34" charset="0"/>
+        <a:buFont typeface="Arial" panose="020B0604020202020204" pitchFamily="34" charset="0"/>
         <a:buChar char="•"/>
         <a:defRPr sz="2000" kern="1200">
           <a:solidFill>
@@ -6144,11 +5665,11 @@
           <a:cs typeface="+mn-cs"/>
         </a:defRPr>
       </a:lvl8pPr>
-      <a:lvl9pPr marL="3886041" indent="-228591" algn="l" defTabSz="914362" rtl="0" eaLnBrk="1" latinLnBrk="0" hangingPunct="1">
+      <a:lvl9pPr marL="3886200" indent="-228600" algn="l" defTabSz="914400" rtl="0" eaLnBrk="1" latinLnBrk="0" hangingPunct="1">
         <a:spcBef>
           <a:spcPct val="20000"/>
         </a:spcBef>
-        <a:buFont typeface="Arial" pitchFamily="34" charset="0"/>
+        <a:buFont typeface="Arial" panose="020B0604020202020204" pitchFamily="34" charset="0"/>
         <a:buChar char="•"/>
         <a:defRPr sz="2000" kern="1200">
           <a:solidFill>
@@ -6164,7 +5685,7 @@
       <a:defPPr>
         <a:defRPr lang="zh-CN"/>
       </a:defPPr>
-      <a:lvl1pPr marL="0" algn="l" defTabSz="914362" rtl="0" eaLnBrk="1" latinLnBrk="0" hangingPunct="1">
+      <a:lvl1pPr marL="0" algn="l" defTabSz="914400" rtl="0" eaLnBrk="1" latinLnBrk="0" hangingPunct="1">
         <a:defRPr sz="1800" kern="1200">
           <a:solidFill>
             <a:schemeClr val="tx1"/>
@@ -6174,7 +5695,7 @@
           <a:cs typeface="+mn-cs"/>
         </a:defRPr>
       </a:lvl1pPr>
-      <a:lvl2pPr marL="457182" algn="l" defTabSz="914362" rtl="0" eaLnBrk="1" latinLnBrk="0" hangingPunct="1">
+      <a:lvl2pPr marL="457200" algn="l" defTabSz="914400" rtl="0" eaLnBrk="1" latinLnBrk="0" hangingPunct="1">
         <a:defRPr sz="1800" kern="1200">
           <a:solidFill>
             <a:schemeClr val="tx1"/>
@@ -6184,7 +5705,7 @@
           <a:cs typeface="+mn-cs"/>
         </a:defRPr>
       </a:lvl2pPr>
-      <a:lvl3pPr marL="914362" algn="l" defTabSz="914362" rtl="0" eaLnBrk="1" latinLnBrk="0" hangingPunct="1">
+      <a:lvl3pPr marL="914400" algn="l" defTabSz="914400" rtl="0" eaLnBrk="1" latinLnBrk="0" hangingPunct="1">
         <a:defRPr sz="1800" kern="1200">
           <a:solidFill>
             <a:schemeClr val="tx1"/>
@@ -6194,7 +5715,7 @@
           <a:cs typeface="+mn-cs"/>
         </a:defRPr>
       </a:lvl3pPr>
-      <a:lvl4pPr marL="1371544" algn="l" defTabSz="914362" rtl="0" eaLnBrk="1" latinLnBrk="0" hangingPunct="1">
+      <a:lvl4pPr marL="1371600" algn="l" defTabSz="914400" rtl="0" eaLnBrk="1" latinLnBrk="0" hangingPunct="1">
         <a:defRPr sz="1800" kern="1200">
           <a:solidFill>
             <a:schemeClr val="tx1"/>
@@ -6204,7 +5725,7 @@
           <a:cs typeface="+mn-cs"/>
         </a:defRPr>
       </a:lvl4pPr>
-      <a:lvl5pPr marL="1828725" algn="l" defTabSz="914362" rtl="0" eaLnBrk="1" latinLnBrk="0" hangingPunct="1">
+      <a:lvl5pPr marL="1828800" algn="l" defTabSz="914400" rtl="0" eaLnBrk="1" latinLnBrk="0" hangingPunct="1">
         <a:defRPr sz="1800" kern="1200">
           <a:solidFill>
             <a:schemeClr val="tx1"/>
@@ -6214,7 +5735,7 @@
           <a:cs typeface="+mn-cs"/>
         </a:defRPr>
       </a:lvl5pPr>
-      <a:lvl6pPr marL="2285906" algn="l" defTabSz="914362" rtl="0" eaLnBrk="1" latinLnBrk="0" hangingPunct="1">
+      <a:lvl6pPr marL="2286000" algn="l" defTabSz="914400" rtl="0" eaLnBrk="1" latinLnBrk="0" hangingPunct="1">
         <a:defRPr sz="1800" kern="1200">
           <a:solidFill>
             <a:schemeClr val="tx1"/>
@@ -6224,7 +5745,7 @@
           <a:cs typeface="+mn-cs"/>
         </a:defRPr>
       </a:lvl6pPr>
-      <a:lvl7pPr marL="2743088" algn="l" defTabSz="914362" rtl="0" eaLnBrk="1" latinLnBrk="0" hangingPunct="1">
+      <a:lvl7pPr marL="2743200" algn="l" defTabSz="914400" rtl="0" eaLnBrk="1" latinLnBrk="0" hangingPunct="1">
         <a:defRPr sz="1800" kern="1200">
           <a:solidFill>
             <a:schemeClr val="tx1"/>
@@ -6234,7 +5755,7 @@
           <a:cs typeface="+mn-cs"/>
         </a:defRPr>
       </a:lvl7pPr>
-      <a:lvl8pPr marL="3200268" algn="l" defTabSz="914362" rtl="0" eaLnBrk="1" latinLnBrk="0" hangingPunct="1">
+      <a:lvl8pPr marL="3200400" algn="l" defTabSz="914400" rtl="0" eaLnBrk="1" latinLnBrk="0" hangingPunct="1">
         <a:defRPr sz="1800" kern="1200">
           <a:solidFill>
             <a:schemeClr val="tx1"/>
@@ -6244,7 +5765,7 @@
           <a:cs typeface="+mn-cs"/>
         </a:defRPr>
       </a:lvl8pPr>
-      <a:lvl9pPr marL="3657450" algn="l" defTabSz="914362" rtl="0" eaLnBrk="1" latinLnBrk="0" hangingPunct="1">
+      <a:lvl9pPr marL="3657600" algn="l" defTabSz="914400" rtl="0" eaLnBrk="1" latinLnBrk="0" hangingPunct="1">
         <a:defRPr sz="1800" kern="1200">
           <a:solidFill>
             <a:schemeClr val="tx1"/>
@@ -6265,7 +5786,7 @@
     <p:bg>
       <p:bgPr>
         <a:blipFill dpi="0" rotWithShape="0">
-          <a:blip r:embed="rId2" cstate="print"/>
+          <a:blip r:embed="rId1" cstate="print"/>
           <a:srcRect/>
           <a:stretch>
             <a:fillRect/>
@@ -6308,25 +5829,6 @@
           <a:ln>
             <a:noFill/>
           </a:ln>
-          <a:extLst>
-            <a:ext uri="{909E8E84-426E-40dd-AFC4-6F175D3DCCD1}">
-              <a14:hiddenFill xmlns="" xmlns:a14="http://schemas.microsoft.com/office/drawing/2010/main">
-                <a:solidFill>
-                  <a:srgbClr val="FFFFFF"/>
-                </a:solidFill>
-              </a14:hiddenFill>
-            </a:ext>
-            <a:ext uri="{91240B29-F687-4f45-9708-019B960494DF}">
-              <a14:hiddenLine xmlns="" xmlns:a14="http://schemas.microsoft.com/office/drawing/2010/main" w="9525">
-                <a:solidFill>
-                  <a:srgbClr val="000000"/>
-                </a:solidFill>
-                <a:miter lim="800000"/>
-                <a:headEnd/>
-                <a:tailEnd/>
-              </a14:hiddenLine>
-            </a:ext>
-          </a:extLst>
         </p:spPr>
         <p:txBody>
           <a:bodyPr lIns="91436" tIns="45718" rIns="91436" bIns="45718" anchor="ctr">
@@ -6338,8 +5840,8 @@
                 <a:solidFill>
                   <a:schemeClr val="tx1"/>
                 </a:solidFill>
-                <a:latin typeface="Calibri" pitchFamily="34" charset="0"/>
-                <a:ea typeface="宋体" charset="-122"/>
+                <a:latin typeface="Calibri" panose="020F0502020204030204" pitchFamily="34" charset="0"/>
+                <a:ea typeface="宋体" panose="02010600030101010101" pitchFamily="2" charset="-122"/>
               </a:defRPr>
             </a:lvl1pPr>
             <a:lvl2pPr marL="742950" indent="-285750" eaLnBrk="0" hangingPunct="0">
@@ -6347,8 +5849,8 @@
                 <a:solidFill>
                   <a:schemeClr val="tx1"/>
                 </a:solidFill>
-                <a:latin typeface="Calibri" pitchFamily="34" charset="0"/>
-                <a:ea typeface="宋体" charset="-122"/>
+                <a:latin typeface="Calibri" panose="020F0502020204030204" pitchFamily="34" charset="0"/>
+                <a:ea typeface="宋体" panose="02010600030101010101" pitchFamily="2" charset="-122"/>
               </a:defRPr>
             </a:lvl2pPr>
             <a:lvl3pPr marL="1143000" indent="-228600" eaLnBrk="0" hangingPunct="0">
@@ -6356,8 +5858,8 @@
                 <a:solidFill>
                   <a:schemeClr val="tx1"/>
                 </a:solidFill>
-                <a:latin typeface="Calibri" pitchFamily="34" charset="0"/>
-                <a:ea typeface="宋体" charset="-122"/>
+                <a:latin typeface="Calibri" panose="020F0502020204030204" pitchFamily="34" charset="0"/>
+                <a:ea typeface="宋体" panose="02010600030101010101" pitchFamily="2" charset="-122"/>
               </a:defRPr>
             </a:lvl3pPr>
             <a:lvl4pPr marL="1600200" indent="-228600" eaLnBrk="0" hangingPunct="0">
@@ -6365,8 +5867,8 @@
                 <a:solidFill>
                   <a:schemeClr val="tx1"/>
                 </a:solidFill>
-                <a:latin typeface="Calibri" pitchFamily="34" charset="0"/>
-                <a:ea typeface="宋体" charset="-122"/>
+                <a:latin typeface="Calibri" panose="020F0502020204030204" pitchFamily="34" charset="0"/>
+                <a:ea typeface="宋体" panose="02010600030101010101" pitchFamily="2" charset="-122"/>
               </a:defRPr>
             </a:lvl4pPr>
             <a:lvl5pPr marL="2057400" indent="-228600" eaLnBrk="0" hangingPunct="0">
@@ -6374,8 +5876,8 @@
                 <a:solidFill>
                   <a:schemeClr val="tx1"/>
                 </a:solidFill>
-                <a:latin typeface="Calibri" pitchFamily="34" charset="0"/>
-                <a:ea typeface="宋体" charset="-122"/>
+                <a:latin typeface="Calibri" panose="020F0502020204030204" pitchFamily="34" charset="0"/>
+                <a:ea typeface="宋体" panose="02010600030101010101" pitchFamily="2" charset="-122"/>
               </a:defRPr>
             </a:lvl5pPr>
             <a:lvl6pPr marL="2514600" indent="-228600" eaLnBrk="0" fontAlgn="base" hangingPunct="0">
@@ -6389,8 +5891,8 @@
                 <a:solidFill>
                   <a:schemeClr val="tx1"/>
                 </a:solidFill>
-                <a:latin typeface="Calibri" pitchFamily="34" charset="0"/>
-                <a:ea typeface="宋体" charset="-122"/>
+                <a:latin typeface="Calibri" panose="020F0502020204030204" pitchFamily="34" charset="0"/>
+                <a:ea typeface="宋体" panose="02010600030101010101" pitchFamily="2" charset="-122"/>
               </a:defRPr>
             </a:lvl6pPr>
             <a:lvl7pPr marL="2971800" indent="-228600" eaLnBrk="0" fontAlgn="base" hangingPunct="0">
@@ -6404,8 +5906,8 @@
                 <a:solidFill>
                   <a:schemeClr val="tx1"/>
                 </a:solidFill>
-                <a:latin typeface="Calibri" pitchFamily="34" charset="0"/>
-                <a:ea typeface="宋体" charset="-122"/>
+                <a:latin typeface="Calibri" panose="020F0502020204030204" pitchFamily="34" charset="0"/>
+                <a:ea typeface="宋体" panose="02010600030101010101" pitchFamily="2" charset="-122"/>
               </a:defRPr>
             </a:lvl7pPr>
             <a:lvl8pPr marL="3429000" indent="-228600" eaLnBrk="0" fontAlgn="base" hangingPunct="0">
@@ -6419,8 +5921,8 @@
                 <a:solidFill>
                   <a:schemeClr val="tx1"/>
                 </a:solidFill>
-                <a:latin typeface="Calibri" pitchFamily="34" charset="0"/>
-                <a:ea typeface="宋体" charset="-122"/>
+                <a:latin typeface="Calibri" panose="020F0502020204030204" pitchFamily="34" charset="0"/>
+                <a:ea typeface="宋体" panose="02010600030101010101" pitchFamily="2" charset="-122"/>
               </a:defRPr>
             </a:lvl8pPr>
             <a:lvl9pPr marL="3886200" indent="-228600" eaLnBrk="0" fontAlgn="base" hangingPunct="0">
@@ -6434,8 +5936,8 @@
                 <a:solidFill>
                   <a:schemeClr val="tx1"/>
                 </a:solidFill>
-                <a:latin typeface="Calibri" pitchFamily="34" charset="0"/>
-                <a:ea typeface="宋体" charset="-122"/>
+                <a:latin typeface="Calibri" panose="020F0502020204030204" pitchFamily="34" charset="0"/>
+                <a:ea typeface="宋体" panose="02010600030101010101" pitchFamily="2" charset="-122"/>
               </a:defRPr>
             </a:lvl9pPr>
           </a:lstStyle>
@@ -6451,11 +5953,21 @@
                     <a:lumOff val="35000"/>
                   </a:schemeClr>
                 </a:solidFill>
-                <a:latin typeface="微软雅黑" pitchFamily="34" charset="-122"/>
-                <a:ea typeface="微软雅黑" pitchFamily="34" charset="-122"/>
+                <a:latin typeface="微软雅黑" panose="020B0503020204020204" pitchFamily="34" charset="-122"/>
+                <a:ea typeface="微软雅黑" panose="020B0503020204020204" pitchFamily="34" charset="-122"/>
               </a:rPr>
               <a:t>陈志广</a:t>
             </a:r>
+            <a:endParaRPr lang="zh-CN" altLang="en-US" sz="2800" b="1" dirty="0">
+              <a:solidFill>
+                <a:schemeClr val="tx1">
+                  <a:lumMod val="65000"/>
+                  <a:lumOff val="35000"/>
+                </a:schemeClr>
+              </a:solidFill>
+              <a:latin typeface="微软雅黑" panose="020B0503020204020204" pitchFamily="34" charset="-122"/>
+              <a:ea typeface="微软雅黑" panose="020B0503020204020204" pitchFamily="34" charset="-122"/>
+            </a:endParaRPr>
           </a:p>
         </p:txBody>
       </p:sp>
@@ -6479,25 +5991,6 @@
           <a:ln>
             <a:noFill/>
           </a:ln>
-          <a:extLst>
-            <a:ext uri="{909E8E84-426E-40dd-AFC4-6F175D3DCCD1}">
-              <a14:hiddenFill xmlns="" xmlns:a14="http://schemas.microsoft.com/office/drawing/2010/main">
-                <a:solidFill>
-                  <a:srgbClr val="FFFFFF"/>
-                </a:solidFill>
-              </a14:hiddenFill>
-            </a:ext>
-            <a:ext uri="{91240B29-F687-4f45-9708-019B960494DF}">
-              <a14:hiddenLine xmlns="" xmlns:a14="http://schemas.microsoft.com/office/drawing/2010/main" w="9525">
-                <a:solidFill>
-                  <a:srgbClr val="000000"/>
-                </a:solidFill>
-                <a:miter lim="800000"/>
-                <a:headEnd/>
-                <a:tailEnd/>
-              </a14:hiddenLine>
-            </a:ext>
-          </a:extLst>
         </p:spPr>
         <p:txBody>
           <a:bodyPr lIns="91436" tIns="45718" rIns="91436" bIns="45718" anchor="ctr">
@@ -6509,8 +6002,8 @@
                 <a:solidFill>
                   <a:schemeClr val="tx1"/>
                 </a:solidFill>
-                <a:latin typeface="Calibri" pitchFamily="34" charset="0"/>
-                <a:ea typeface="宋体" charset="-122"/>
+                <a:latin typeface="Calibri" panose="020F0502020204030204" pitchFamily="34" charset="0"/>
+                <a:ea typeface="宋体" panose="02010600030101010101" pitchFamily="2" charset="-122"/>
               </a:defRPr>
             </a:lvl1pPr>
             <a:lvl2pPr marL="742950" indent="-285750" eaLnBrk="0" hangingPunct="0">
@@ -6518,8 +6011,8 @@
                 <a:solidFill>
                   <a:schemeClr val="tx1"/>
                 </a:solidFill>
-                <a:latin typeface="Calibri" pitchFamily="34" charset="0"/>
-                <a:ea typeface="宋体" charset="-122"/>
+                <a:latin typeface="Calibri" panose="020F0502020204030204" pitchFamily="34" charset="0"/>
+                <a:ea typeface="宋体" panose="02010600030101010101" pitchFamily="2" charset="-122"/>
               </a:defRPr>
             </a:lvl2pPr>
             <a:lvl3pPr marL="1143000" indent="-228600" eaLnBrk="0" hangingPunct="0">
@@ -6527,8 +6020,8 @@
                 <a:solidFill>
                   <a:schemeClr val="tx1"/>
                 </a:solidFill>
-                <a:latin typeface="Calibri" pitchFamily="34" charset="0"/>
-                <a:ea typeface="宋体" charset="-122"/>
+                <a:latin typeface="Calibri" panose="020F0502020204030204" pitchFamily="34" charset="0"/>
+                <a:ea typeface="宋体" panose="02010600030101010101" pitchFamily="2" charset="-122"/>
               </a:defRPr>
             </a:lvl3pPr>
             <a:lvl4pPr marL="1600200" indent="-228600" eaLnBrk="0" hangingPunct="0">
@@ -6536,8 +6029,8 @@
                 <a:solidFill>
                   <a:schemeClr val="tx1"/>
                 </a:solidFill>
-                <a:latin typeface="Calibri" pitchFamily="34" charset="0"/>
-                <a:ea typeface="宋体" charset="-122"/>
+                <a:latin typeface="Calibri" panose="020F0502020204030204" pitchFamily="34" charset="0"/>
+                <a:ea typeface="宋体" panose="02010600030101010101" pitchFamily="2" charset="-122"/>
               </a:defRPr>
             </a:lvl4pPr>
             <a:lvl5pPr marL="2057400" indent="-228600" eaLnBrk="0" hangingPunct="0">
@@ -6545,8 +6038,8 @@
                 <a:solidFill>
                   <a:schemeClr val="tx1"/>
                 </a:solidFill>
-                <a:latin typeface="Calibri" pitchFamily="34" charset="0"/>
-                <a:ea typeface="宋体" charset="-122"/>
+                <a:latin typeface="Calibri" panose="020F0502020204030204" pitchFamily="34" charset="0"/>
+                <a:ea typeface="宋体" panose="02010600030101010101" pitchFamily="2" charset="-122"/>
               </a:defRPr>
             </a:lvl5pPr>
             <a:lvl6pPr marL="2514600" indent="-228600" eaLnBrk="0" fontAlgn="base" hangingPunct="0">
@@ -6560,8 +6053,8 @@
                 <a:solidFill>
                   <a:schemeClr val="tx1"/>
                 </a:solidFill>
-                <a:latin typeface="Calibri" pitchFamily="34" charset="0"/>
-                <a:ea typeface="宋体" charset="-122"/>
+                <a:latin typeface="Calibri" panose="020F0502020204030204" pitchFamily="34" charset="0"/>
+                <a:ea typeface="宋体" panose="02010600030101010101" pitchFamily="2" charset="-122"/>
               </a:defRPr>
             </a:lvl6pPr>
             <a:lvl7pPr marL="2971800" indent="-228600" eaLnBrk="0" fontAlgn="base" hangingPunct="0">
@@ -6575,8 +6068,8 @@
                 <a:solidFill>
                   <a:schemeClr val="tx1"/>
                 </a:solidFill>
-                <a:latin typeface="Calibri" pitchFamily="34" charset="0"/>
-                <a:ea typeface="宋体" charset="-122"/>
+                <a:latin typeface="Calibri" panose="020F0502020204030204" pitchFamily="34" charset="0"/>
+                <a:ea typeface="宋体" panose="02010600030101010101" pitchFamily="2" charset="-122"/>
               </a:defRPr>
             </a:lvl7pPr>
             <a:lvl8pPr marL="3429000" indent="-228600" eaLnBrk="0" fontAlgn="base" hangingPunct="0">
@@ -6590,8 +6083,8 @@
                 <a:solidFill>
                   <a:schemeClr val="tx1"/>
                 </a:solidFill>
-                <a:latin typeface="Calibri" pitchFamily="34" charset="0"/>
-                <a:ea typeface="宋体" charset="-122"/>
+                <a:latin typeface="Calibri" panose="020F0502020204030204" pitchFamily="34" charset="0"/>
+                <a:ea typeface="宋体" panose="02010600030101010101" pitchFamily="2" charset="-122"/>
               </a:defRPr>
             </a:lvl8pPr>
             <a:lvl9pPr marL="3886200" indent="-228600" eaLnBrk="0" fontAlgn="base" hangingPunct="0">
@@ -6605,8 +6098,8 @@
                 <a:solidFill>
                   <a:schemeClr val="tx1"/>
                 </a:solidFill>
-                <a:latin typeface="Calibri" pitchFamily="34" charset="0"/>
-                <a:ea typeface="宋体" charset="-122"/>
+                <a:latin typeface="Calibri" panose="020F0502020204030204" pitchFamily="34" charset="0"/>
+                <a:ea typeface="宋体" panose="02010600030101010101" pitchFamily="2" charset="-122"/>
               </a:defRPr>
             </a:lvl9pPr>
           </a:lstStyle>
@@ -6621,8 +6114,8 @@
                     <a:lumMod val="50000"/>
                   </a:schemeClr>
                 </a:solidFill>
-                <a:latin typeface="微软雅黑" pitchFamily="34" charset="-122"/>
-                <a:ea typeface="微软雅黑" pitchFamily="34" charset="-122"/>
+                <a:latin typeface="微软雅黑" panose="020B0503020204020204" pitchFamily="34" charset="-122"/>
+                <a:ea typeface="微软雅黑" panose="020B0503020204020204" pitchFamily="34" charset="-122"/>
                 <a:cs typeface="Arial Unicode MS" pitchFamily="34" charset="-122"/>
               </a:rPr>
               <a:t>www.nscc-gz.cn</a:t>
@@ -6633,8 +6126,8 @@
                   <a:lumMod val="50000"/>
                 </a:schemeClr>
               </a:solidFill>
-              <a:latin typeface="微软雅黑" pitchFamily="34" charset="-122"/>
-              <a:ea typeface="微软雅黑" pitchFamily="34" charset="-122"/>
+              <a:latin typeface="微软雅黑" panose="020B0503020204020204" pitchFamily="34" charset="-122"/>
+              <a:ea typeface="微软雅黑" panose="020B0503020204020204" pitchFamily="34" charset="-122"/>
             </a:endParaRPr>
           </a:p>
         </p:txBody>
@@ -6648,7 +6141,7 @@
           <p:nvPr/>
         </p:nvPicPr>
         <p:blipFill>
-          <a:blip r:embed="rId3">
+          <a:blip r:embed="rId2">
             <a:extLst>
               <a:ext uri="{28A0092B-C50C-407E-A947-70E740481C1C}">
                 <a14:useLocalDpi xmlns:a14="http://schemas.microsoft.com/office/drawing/2010/main" val="0"/>
@@ -6672,25 +6165,6 @@
           <a:ln>
             <a:noFill/>
           </a:ln>
-          <a:extLst>
-            <a:ext uri="{909E8E84-426E-40dd-AFC4-6F175D3DCCD1}">
-              <a14:hiddenFill xmlns="" xmlns:a14="http://schemas.microsoft.com/office/drawing/2010/main">
-                <a:solidFill>
-                  <a:srgbClr val="FFFFFF"/>
-                </a:solidFill>
-              </a14:hiddenFill>
-            </a:ext>
-            <a:ext uri="{91240B29-F687-4f45-9708-019B960494DF}">
-              <a14:hiddenLine xmlns="" xmlns:a14="http://schemas.microsoft.com/office/drawing/2010/main" w="9525">
-                <a:solidFill>
-                  <a:srgbClr val="000000"/>
-                </a:solidFill>
-                <a:miter lim="800000"/>
-                <a:headEnd/>
-                <a:tailEnd/>
-              </a14:hiddenLine>
-            </a:ext>
-          </a:extLst>
         </p:spPr>
       </p:pic>
       <p:pic>
@@ -6702,7 +6176,7 @@
           <p:nvPr/>
         </p:nvPicPr>
         <p:blipFill>
-          <a:blip r:embed="rId4">
+          <a:blip r:embed="rId3">
             <a:extLst>
               <a:ext uri="{28A0092B-C50C-407E-A947-70E740481C1C}">
                 <a14:useLocalDpi xmlns:a14="http://schemas.microsoft.com/office/drawing/2010/main" val="0"/>
@@ -6726,25 +6200,6 @@
           <a:ln>
             <a:noFill/>
           </a:ln>
-          <a:extLst>
-            <a:ext uri="{909E8E84-426E-40dd-AFC4-6F175D3DCCD1}">
-              <a14:hiddenFill xmlns="" xmlns:a14="http://schemas.microsoft.com/office/drawing/2010/main">
-                <a:solidFill>
-                  <a:srgbClr val="FFFFFF"/>
-                </a:solidFill>
-              </a14:hiddenFill>
-            </a:ext>
-            <a:ext uri="{91240B29-F687-4f45-9708-019B960494DF}">
-              <a14:hiddenLine xmlns="" xmlns:a14="http://schemas.microsoft.com/office/drawing/2010/main" w="9525">
-                <a:solidFill>
-                  <a:srgbClr val="000000"/>
-                </a:solidFill>
-                <a:miter lim="800000"/>
-                <a:headEnd/>
-                <a:tailEnd/>
-              </a14:hiddenLine>
-            </a:ext>
-          </a:extLst>
         </p:spPr>
       </p:pic>
       <p:sp>
@@ -6786,6 +6241,15 @@
               </a:rPr>
               <a:t>13316052680</a:t>
             </a:r>
+            <a:endParaRPr lang="en-US" altLang="zh-CN" sz="2000" dirty="0">
+              <a:solidFill>
+                <a:schemeClr val="accent1">
+                  <a:lumMod val="75000"/>
+                </a:schemeClr>
+              </a:solidFill>
+              <a:latin typeface="微软雅黑" panose="020B0503020204020204" pitchFamily="34" charset="-122"/>
+              <a:ea typeface="微软雅黑" panose="020B0503020204020204" pitchFamily="34" charset="-122"/>
+            </a:endParaRPr>
           </a:p>
           <a:p>
             <a:pPr algn="ctr">
@@ -6817,6 +6281,15 @@
               </a:rPr>
               <a:t>410</a:t>
             </a:r>
+            <a:endParaRPr lang="en-US" altLang="zh-CN" sz="2000" dirty="0">
+              <a:solidFill>
+                <a:schemeClr val="accent1">
+                  <a:lumMod val="75000"/>
+                </a:schemeClr>
+              </a:solidFill>
+              <a:latin typeface="微软雅黑" panose="020B0503020204020204" pitchFamily="34" charset="-122"/>
+              <a:ea typeface="微软雅黑" panose="020B0503020204020204" pitchFamily="34" charset="-122"/>
+            </a:endParaRPr>
           </a:p>
           <a:p>
             <a:pPr algn="ctr">
@@ -6833,7 +6306,7 @@
                 </a:solidFill>
                 <a:latin typeface="微软雅黑" panose="020B0503020204020204" pitchFamily="34" charset="-122"/>
                 <a:ea typeface="微软雅黑" panose="020B0503020204020204" pitchFamily="34" charset="-122"/>
-                <a:hlinkClick r:id="rId5"/>
+                <a:hlinkClick r:id="rId4"/>
               </a:rPr>
               <a:t>Zhiguang.chen@nscc-gz.cn</a:t>
             </a:r>
@@ -6851,13 +6324,7 @@
       </p:sp>
       <p:sp>
         <p:nvSpPr>
-          <p:cNvPr id="8" name="TextBox 2">
-            <a:extLst>
-              <a:ext uri="{FF2B5EF4-FFF2-40B4-BE49-F238E27FC236}">
-                <a16:creationId xmlns:a16="http://schemas.microsoft.com/office/drawing/2014/main" id="{E103ED0A-B145-4B88-99D4-2A1FBD48D83D}"/>
-              </a:ext>
-            </a:extLst>
-          </p:cNvPr>
+          <p:cNvPr id="8" name="TextBox 2"/>
           <p:cNvSpPr txBox="1">
             <a:spLocks noChangeArrowheads="1"/>
           </p:cNvSpPr>
@@ -6875,25 +6342,6 @@
           <a:ln>
             <a:noFill/>
           </a:ln>
-          <a:extLst>
-            <a:ext uri="{909E8E84-426E-40dd-AFC4-6F175D3DCCD1}">
-              <a14:hiddenFill xmlns:a14="http://schemas.microsoft.com/office/drawing/2010/main" xmlns="">
-                <a:solidFill>
-                  <a:srgbClr val="FFFFFF"/>
-                </a:solidFill>
-              </a14:hiddenFill>
-            </a:ext>
-            <a:ext uri="{91240B29-F687-4f45-9708-019B960494DF}">
-              <a14:hiddenLine xmlns:a14="http://schemas.microsoft.com/office/drawing/2010/main" xmlns="" w="9525">
-                <a:solidFill>
-                  <a:srgbClr val="000000"/>
-                </a:solidFill>
-                <a:miter lim="800000"/>
-                <a:headEnd/>
-                <a:tailEnd/>
-              </a14:hiddenLine>
-            </a:ext>
-          </a:extLst>
         </p:spPr>
         <p:txBody>
           <a:bodyPr wrap="square" lIns="91436" tIns="45718" rIns="91436" bIns="45718">
@@ -7080,6 +6528,13 @@
               </a:rPr>
               <a:t>讲：基本图算法（三）</a:t>
             </a:r>
+            <a:endParaRPr lang="zh-CN" altLang="en-US" sz="3600" b="1" dirty="0">
+              <a:solidFill>
+                <a:srgbClr val="0070C0"/>
+              </a:solidFill>
+              <a:latin typeface="微软雅黑" panose="020B0503020204020204" pitchFamily="34" charset="-122"/>
+              <a:ea typeface="微软雅黑" panose="020B0503020204020204" pitchFamily="34" charset="-122"/>
+            </a:endParaRPr>
           </a:p>
         </p:txBody>
       </p:sp>
@@ -7128,25 +6583,6 @@
           <a:ln>
             <a:noFill/>
           </a:ln>
-          <a:extLst>
-            <a:ext uri="{909E8E84-426E-40dd-AFC4-6F175D3DCCD1}">
-              <a14:hiddenFill xmlns="" xmlns:a14="http://schemas.microsoft.com/office/drawing/2010/main">
-                <a:solidFill>
-                  <a:srgbClr val="FFFFFF"/>
-                </a:solidFill>
-              </a14:hiddenFill>
-            </a:ext>
-            <a:ext uri="{91240B29-F687-4f45-9708-019B960494DF}">
-              <a14:hiddenLine xmlns="" xmlns:a14="http://schemas.microsoft.com/office/drawing/2010/main" w="9525">
-                <a:solidFill>
-                  <a:srgbClr val="000000"/>
-                </a:solidFill>
-                <a:miter lim="800000"/>
-                <a:headEnd/>
-                <a:tailEnd/>
-              </a14:hiddenLine>
-            </a:ext>
-          </a:extLst>
         </p:spPr>
         <p:txBody>
           <a:bodyPr wrap="square" lIns="91436" tIns="45718" rIns="91436" bIns="45718">
@@ -7310,6 +6746,13 @@
               </a:rPr>
               <a:t>基本图算法</a:t>
             </a:r>
+            <a:endParaRPr lang="zh-CN" altLang="en-US" b="1" dirty="0">
+              <a:solidFill>
+                <a:srgbClr val="002060"/>
+              </a:solidFill>
+              <a:latin typeface="微软雅黑" panose="020B0503020204020204" pitchFamily="34" charset="-122"/>
+              <a:ea typeface="微软雅黑" panose="020B0503020204020204" pitchFamily="34" charset="-122"/>
+            </a:endParaRPr>
           </a:p>
         </p:txBody>
       </p:sp>
@@ -7329,25 +6772,6 @@
             <a:ext cx="2133600" cy="365125"/>
           </a:xfrm>
           <a:noFill/>
-          <a:extLst>
-            <a:ext uri="{909E8E84-426E-40dd-AFC4-6F175D3DCCD1}">
-              <a14:hiddenFill xmlns="" xmlns:a14="http://schemas.microsoft.com/office/drawing/2010/main">
-                <a:solidFill>
-                  <a:srgbClr val="FFFFFF"/>
-                </a:solidFill>
-              </a14:hiddenFill>
-            </a:ext>
-            <a:ext uri="{91240B29-F687-4f45-9708-019B960494DF}">
-              <a14:hiddenLine xmlns="" xmlns:a14="http://schemas.microsoft.com/office/drawing/2010/main" w="9525">
-                <a:solidFill>
-                  <a:srgbClr val="000000"/>
-                </a:solidFill>
-                <a:miter lim="800000"/>
-                <a:headEnd/>
-                <a:tailEnd/>
-              </a14:hiddenLine>
-            </a:ext>
-          </a:extLst>
         </p:spPr>
         <p:txBody>
           <a:bodyPr/>
@@ -7366,7 +6790,7 @@
                 <a:ea typeface="宋体" panose="02010600030101010101" pitchFamily="2" charset="-122"/>
               </a:defRPr>
             </a:lvl1pPr>
-            <a:lvl2pPr marL="742920" indent="-285738">
+            <a:lvl2pPr marL="742950" indent="-285750">
               <a:spcBef>
                 <a:spcPct val="20000"/>
               </a:spcBef>
@@ -7380,7 +6804,7 @@
                 <a:ea typeface="宋体" panose="02010600030101010101" pitchFamily="2" charset="-122"/>
               </a:defRPr>
             </a:lvl2pPr>
-            <a:lvl3pPr marL="1142953" indent="-228591">
+            <a:lvl3pPr marL="1143000" indent="-228600">
               <a:spcBef>
                 <a:spcPct val="20000"/>
               </a:spcBef>
@@ -7394,7 +6818,7 @@
                 <a:ea typeface="宋体" panose="02010600030101010101" pitchFamily="2" charset="-122"/>
               </a:defRPr>
             </a:lvl3pPr>
-            <a:lvl4pPr marL="1600135" indent="-228591">
+            <a:lvl4pPr marL="1600200" indent="-228600">
               <a:spcBef>
                 <a:spcPct val="20000"/>
               </a:spcBef>
@@ -7408,7 +6832,7 @@
                 <a:ea typeface="宋体" panose="02010600030101010101" pitchFamily="2" charset="-122"/>
               </a:defRPr>
             </a:lvl4pPr>
-            <a:lvl5pPr marL="2057315" indent="-228591">
+            <a:lvl5pPr marL="2057400" indent="-228600">
               <a:spcBef>
                 <a:spcPct val="20000"/>
               </a:spcBef>
@@ -7422,7 +6846,7 @@
                 <a:ea typeface="宋体" panose="02010600030101010101" pitchFamily="2" charset="-122"/>
               </a:defRPr>
             </a:lvl5pPr>
-            <a:lvl6pPr marL="2514497" indent="-228591" eaLnBrk="0" fontAlgn="base" hangingPunct="0">
+            <a:lvl6pPr marL="2514600" indent="-228600" eaLnBrk="0" fontAlgn="base" hangingPunct="0">
               <a:spcBef>
                 <a:spcPct val="20000"/>
               </a:spcBef>
@@ -7439,7 +6863,7 @@
                 <a:ea typeface="宋体" panose="02010600030101010101" pitchFamily="2" charset="-122"/>
               </a:defRPr>
             </a:lvl6pPr>
-            <a:lvl7pPr marL="2971678" indent="-228591" eaLnBrk="0" fontAlgn="base" hangingPunct="0">
+            <a:lvl7pPr marL="2971800" indent="-228600" eaLnBrk="0" fontAlgn="base" hangingPunct="0">
               <a:spcBef>
                 <a:spcPct val="20000"/>
               </a:spcBef>
@@ -7456,7 +6880,7 @@
                 <a:ea typeface="宋体" panose="02010600030101010101" pitchFamily="2" charset="-122"/>
               </a:defRPr>
             </a:lvl7pPr>
-            <a:lvl8pPr marL="3428859" indent="-228591" eaLnBrk="0" fontAlgn="base" hangingPunct="0">
+            <a:lvl8pPr marL="3429000" indent="-228600" eaLnBrk="0" fontAlgn="base" hangingPunct="0">
               <a:spcBef>
                 <a:spcPct val="20000"/>
               </a:spcBef>
@@ -7473,7 +6897,7 @@
                 <a:ea typeface="宋体" panose="02010600030101010101" pitchFamily="2" charset="-122"/>
               </a:defRPr>
             </a:lvl8pPr>
-            <a:lvl9pPr marL="3886041" indent="-228591" eaLnBrk="0" fontAlgn="base" hangingPunct="0">
+            <a:lvl9pPr marL="3886200" indent="-228600" eaLnBrk="0" fontAlgn="base" hangingPunct="0">
               <a:spcBef>
                 <a:spcPct val="20000"/>
               </a:spcBef>
@@ -7505,14 +6929,6 @@
                   <a:srgbClr val="898989"/>
                 </a:solidFill>
               </a:rPr>
-              <a:pPr>
-                <a:spcBef>
-                  <a:spcPct val="0"/>
-                </a:spcBef>
-                <a:buFontTx/>
-                <a:buNone/>
-              </a:pPr>
-              <a:t>2</a:t>
             </a:fld>
             <a:endParaRPr lang="zh-CN" altLang="en-US" sz="1200" dirty="0">
               <a:solidFill>
@@ -7531,7 +6947,7 @@
           <p:nvPr/>
         </p:nvPicPr>
         <p:blipFill>
-          <a:blip r:embed="rId3" cstate="print">
+          <a:blip r:embed="rId1" cstate="print">
             <a:extLst>
               <a:ext uri="{28A0092B-C50C-407E-A947-70E740481C1C}">
                 <a14:useLocalDpi xmlns:a14="http://schemas.microsoft.com/office/drawing/2010/main" val="0"/>
@@ -7555,39 +6971,12 @@
           <a:ln>
             <a:noFill/>
           </a:ln>
-          <a:extLst>
-            <a:ext uri="{909E8E84-426E-40dd-AFC4-6F175D3DCCD1}">
-              <a14:hiddenFill xmlns="" xmlns:a14="http://schemas.microsoft.com/office/drawing/2010/main">
-                <a:solidFill>
-                  <a:srgbClr val="FFFFFF"/>
-                </a:solidFill>
-              </a14:hiddenFill>
-            </a:ext>
-            <a:ext uri="{91240B29-F687-4f45-9708-019B960494DF}">
-              <a14:hiddenLine xmlns="" xmlns:a14="http://schemas.microsoft.com/office/drawing/2010/main" w="9525">
-                <a:solidFill>
-                  <a:srgbClr val="000000"/>
-                </a:solidFill>
-                <a:miter lim="800000"/>
-                <a:headEnd/>
-                <a:tailEnd/>
-              </a14:hiddenLine>
-            </a:ext>
-          </a:extLst>
         </p:spPr>
       </p:pic>
       <p:sp>
         <p:nvSpPr>
-          <p:cNvPr id="6" name="Subtitle 2">
-            <a:extLst>
-              <a:ext uri="{FF2B5EF4-FFF2-40B4-BE49-F238E27FC236}">
-                <a16:creationId xmlns:a16="http://schemas.microsoft.com/office/drawing/2014/main" id="{5B72932F-F3D6-46BF-9A61-0930A2E33BD6}"/>
-              </a:ext>
-            </a:extLst>
-          </p:cNvPr>
-          <p:cNvSpPr txBox="1">
-            <a:spLocks/>
-          </p:cNvSpPr>
+          <p:cNvPr id="6" name="Subtitle 2"/>
+          <p:cNvSpPr txBox="1"/>
           <p:nvPr/>
         </p:nvSpPr>
         <p:spPr bwMode="auto">
@@ -7623,11 +7012,7 @@
           </a:extLst>
         </p:spPr>
         <p:txBody>
-          <a:bodyPr vert="horz" wrap="square" lIns="91440" tIns="45720" rIns="91440" bIns="45720" numCol="1" anchor="t" anchorCtr="0" compatLnSpc="1">
-            <a:prstTxWarp prst="textNoShape">
-              <a:avLst/>
-            </a:prstTxWarp>
-          </a:bodyPr>
+          <a:bodyPr vert="horz" wrap="square" lIns="91440" tIns="45720" rIns="91440" bIns="45720" numCol="1" anchor="t" anchorCtr="0" compatLnSpc="1"/>
           <a:lstStyle>
             <a:lvl1pPr marL="342900" indent="-342900" algn="l" rtl="0" eaLnBrk="0" fontAlgn="base" hangingPunct="0">
               <a:spcBef>
@@ -7746,7 +7131,7 @@
                 <a:schemeClr val="tx2"/>
               </a:buClr>
               <a:buSzPct val="70000"/>
-              <a:buFont typeface="Wingdings" pitchFamily="2" charset="2"/>
+              <a:buFont typeface="Wingdings" panose="05000000000000000000" pitchFamily="2" charset="2"/>
               <a:buChar char="¡"/>
               <a:defRPr sz="1600">
                 <a:solidFill>
@@ -7767,7 +7152,7 @@
                 <a:schemeClr val="tx2"/>
               </a:buClr>
               <a:buSzPct val="70000"/>
-              <a:buFont typeface="Wingdings" pitchFamily="2" charset="2"/>
+              <a:buFont typeface="Wingdings" panose="05000000000000000000" pitchFamily="2" charset="2"/>
               <a:buChar char="¡"/>
               <a:defRPr sz="1600">
                 <a:solidFill>
@@ -7788,7 +7173,7 @@
                 <a:schemeClr val="tx2"/>
               </a:buClr>
               <a:buSzPct val="70000"/>
-              <a:buFont typeface="Wingdings" pitchFamily="2" charset="2"/>
+              <a:buFont typeface="Wingdings" panose="05000000000000000000" pitchFamily="2" charset="2"/>
               <a:buChar char="¡"/>
               <a:defRPr sz="1600">
                 <a:solidFill>
@@ -7809,7 +7194,7 @@
                 <a:schemeClr val="tx2"/>
               </a:buClr>
               <a:buSzPct val="70000"/>
-              <a:buFont typeface="Wingdings" pitchFamily="2" charset="2"/>
+              <a:buFont typeface="Wingdings" panose="05000000000000000000" pitchFamily="2" charset="2"/>
               <a:buChar char="¡"/>
               <a:defRPr sz="1600">
                 <a:solidFill>
@@ -7837,7 +7222,6 @@
               <a:buSzPct val="70000"/>
               <a:buFont typeface="Wingdings" panose="05000000000000000000" pitchFamily="2" charset="2"/>
               <a:buChar char="n"/>
-              <a:tabLst/>
               <a:defRPr/>
             </a:pPr>
             <a:r>
@@ -7851,8 +7235,8 @@
                 <a:effectLst/>
                 <a:uLnTx/>
                 <a:uFillTx/>
-                <a:latin typeface="Arial"/>
-                <a:ea typeface="宋体"/>
+                <a:latin typeface="Arial" panose="020B0604020202020204"/>
+                <a:ea typeface="宋体" panose="02010600030101010101" pitchFamily="2" charset="-122"/>
                 <a:cs typeface="+mn-cs"/>
               </a:rPr>
               <a:t>主要内容</a:t>
@@ -7867,8 +7251,8 @@
               <a:effectLst/>
               <a:uLnTx/>
               <a:uFillTx/>
-              <a:latin typeface="Arial"/>
-              <a:ea typeface="宋体"/>
+              <a:latin typeface="Arial" panose="020B0604020202020204"/>
+              <a:ea typeface="宋体" panose="02010600030101010101" pitchFamily="2" charset="-122"/>
               <a:cs typeface="+mn-cs"/>
             </a:endParaRPr>
           </a:p>
@@ -8007,11 +7391,6 @@
         </p:txBody>
       </p:sp>
     </p:spTree>
-    <p:extLst>
-      <p:ext uri="{BB962C8B-B14F-4D97-AF65-F5344CB8AC3E}">
-        <p14:creationId xmlns:p14="http://schemas.microsoft.com/office/powerpoint/2010/main" val="971337701"/>
-      </p:ext>
-    </p:extLst>
   </p:cSld>
   <p:clrMapOvr>
     <a:masterClrMapping/>
@@ -8056,25 +7435,6 @@
           <a:ln>
             <a:noFill/>
           </a:ln>
-          <a:extLst>
-            <a:ext uri="{909E8E84-426E-40dd-AFC4-6F175D3DCCD1}">
-              <a14:hiddenFill xmlns:a14="http://schemas.microsoft.com/office/drawing/2010/main" xmlns="">
-                <a:solidFill>
-                  <a:srgbClr val="FFFFFF"/>
-                </a:solidFill>
-              </a14:hiddenFill>
-            </a:ext>
-            <a:ext uri="{91240B29-F687-4f45-9708-019B960494DF}">
-              <a14:hiddenLine xmlns:a14="http://schemas.microsoft.com/office/drawing/2010/main" xmlns="" w="9525">
-                <a:solidFill>
-                  <a:srgbClr val="000000"/>
-                </a:solidFill>
-                <a:miter lim="800000"/>
-                <a:headEnd/>
-                <a:tailEnd/>
-              </a14:hiddenLine>
-            </a:ext>
-          </a:extLst>
         </p:spPr>
         <p:txBody>
           <a:bodyPr wrap="square" lIns="91436" tIns="45718" rIns="91436" bIns="45718">
@@ -8238,6 +7598,13 @@
               </a:rPr>
               <a:t>不依赖于生成树的受限洪泛算法</a:t>
             </a:r>
+            <a:endParaRPr lang="zh-CN" altLang="en-US" b="1" dirty="0">
+              <a:solidFill>
+                <a:srgbClr val="002060"/>
+              </a:solidFill>
+              <a:latin typeface="微软雅黑" panose="020B0503020204020204" pitchFamily="34" charset="-122"/>
+              <a:ea typeface="微软雅黑" panose="020B0503020204020204" pitchFamily="34" charset="-122"/>
+            </a:endParaRPr>
           </a:p>
         </p:txBody>
       </p:sp>
@@ -8257,25 +7624,6 @@
             <a:ext cx="2133600" cy="365125"/>
           </a:xfrm>
           <a:noFill/>
-          <a:extLst>
-            <a:ext uri="{909E8E84-426E-40dd-AFC4-6F175D3DCCD1}">
-              <a14:hiddenFill xmlns:a14="http://schemas.microsoft.com/office/drawing/2010/main" xmlns="">
-                <a:solidFill>
-                  <a:srgbClr val="FFFFFF"/>
-                </a:solidFill>
-              </a14:hiddenFill>
-            </a:ext>
-            <a:ext uri="{91240B29-F687-4f45-9708-019B960494DF}">
-              <a14:hiddenLine xmlns:a14="http://schemas.microsoft.com/office/drawing/2010/main" xmlns="" w="9525">
-                <a:solidFill>
-                  <a:srgbClr val="000000"/>
-                </a:solidFill>
-                <a:miter lim="800000"/>
-                <a:headEnd/>
-                <a:tailEnd/>
-              </a14:hiddenLine>
-            </a:ext>
-          </a:extLst>
         </p:spPr>
         <p:txBody>
           <a:bodyPr/>
@@ -8294,7 +7642,7 @@
                 <a:ea typeface="宋体" panose="02010600030101010101" pitchFamily="2" charset="-122"/>
               </a:defRPr>
             </a:lvl1pPr>
-            <a:lvl2pPr marL="742920" indent="-285738">
+            <a:lvl2pPr marL="742950" indent="-285750">
               <a:spcBef>
                 <a:spcPct val="20000"/>
               </a:spcBef>
@@ -8308,7 +7656,7 @@
                 <a:ea typeface="宋体" panose="02010600030101010101" pitchFamily="2" charset="-122"/>
               </a:defRPr>
             </a:lvl2pPr>
-            <a:lvl3pPr marL="1142953" indent="-228591">
+            <a:lvl3pPr marL="1143000" indent="-228600">
               <a:spcBef>
                 <a:spcPct val="20000"/>
               </a:spcBef>
@@ -8322,7 +7670,7 @@
                 <a:ea typeface="宋体" panose="02010600030101010101" pitchFamily="2" charset="-122"/>
               </a:defRPr>
             </a:lvl3pPr>
-            <a:lvl4pPr marL="1600135" indent="-228591">
+            <a:lvl4pPr marL="1600200" indent="-228600">
               <a:spcBef>
                 <a:spcPct val="20000"/>
               </a:spcBef>
@@ -8336,7 +7684,7 @@
                 <a:ea typeface="宋体" panose="02010600030101010101" pitchFamily="2" charset="-122"/>
               </a:defRPr>
             </a:lvl4pPr>
-            <a:lvl5pPr marL="2057315" indent="-228591">
+            <a:lvl5pPr marL="2057400" indent="-228600">
               <a:spcBef>
                 <a:spcPct val="20000"/>
               </a:spcBef>
@@ -8350,7 +7698,7 @@
                 <a:ea typeface="宋体" panose="02010600030101010101" pitchFamily="2" charset="-122"/>
               </a:defRPr>
             </a:lvl5pPr>
-            <a:lvl6pPr marL="2514497" indent="-228591" eaLnBrk="0" fontAlgn="base" hangingPunct="0">
+            <a:lvl6pPr marL="2514600" indent="-228600" eaLnBrk="0" fontAlgn="base" hangingPunct="0">
               <a:spcBef>
                 <a:spcPct val="20000"/>
               </a:spcBef>
@@ -8367,7 +7715,7 @@
                 <a:ea typeface="宋体" panose="02010600030101010101" pitchFamily="2" charset="-122"/>
               </a:defRPr>
             </a:lvl6pPr>
-            <a:lvl7pPr marL="2971678" indent="-228591" eaLnBrk="0" fontAlgn="base" hangingPunct="0">
+            <a:lvl7pPr marL="2971800" indent="-228600" eaLnBrk="0" fontAlgn="base" hangingPunct="0">
               <a:spcBef>
                 <a:spcPct val="20000"/>
               </a:spcBef>
@@ -8384,7 +7732,7 @@
                 <a:ea typeface="宋体" panose="02010600030101010101" pitchFamily="2" charset="-122"/>
               </a:defRPr>
             </a:lvl7pPr>
-            <a:lvl8pPr marL="3428859" indent="-228591" eaLnBrk="0" fontAlgn="base" hangingPunct="0">
+            <a:lvl8pPr marL="3429000" indent="-228600" eaLnBrk="0" fontAlgn="base" hangingPunct="0">
               <a:spcBef>
                 <a:spcPct val="20000"/>
               </a:spcBef>
@@ -8401,7 +7749,7 @@
                 <a:ea typeface="宋体" panose="02010600030101010101" pitchFamily="2" charset="-122"/>
               </a:defRPr>
             </a:lvl8pPr>
-            <a:lvl9pPr marL="3886041" indent="-228591" eaLnBrk="0" fontAlgn="base" hangingPunct="0">
+            <a:lvl9pPr marL="3886200" indent="-228600" eaLnBrk="0" fontAlgn="base" hangingPunct="0">
               <a:spcBef>
                 <a:spcPct val="20000"/>
               </a:spcBef>
@@ -8433,14 +7781,6 @@
                   <a:srgbClr val="898989"/>
                 </a:solidFill>
               </a:rPr>
-              <a:pPr>
-                <a:spcBef>
-                  <a:spcPct val="0"/>
-                </a:spcBef>
-                <a:buFontTx/>
-                <a:buNone/>
-              </a:pPr>
-              <a:t>3</a:t>
             </a:fld>
             <a:endParaRPr lang="zh-CN" altLang="en-US" sz="1200" dirty="0">
               <a:solidFill>
@@ -8459,7 +7799,7 @@
           <p:nvPr/>
         </p:nvPicPr>
         <p:blipFill>
-          <a:blip r:embed="rId3" cstate="print">
+          <a:blip r:embed="rId1" cstate="print">
             <a:extLst>
               <a:ext uri="{28A0092B-C50C-407E-A947-70E740481C1C}">
                 <a14:useLocalDpi xmlns:a14="http://schemas.microsoft.com/office/drawing/2010/main" val="0"/>
@@ -8483,35 +7823,16 @@
           <a:ln>
             <a:noFill/>
           </a:ln>
-          <a:extLst>
-            <a:ext uri="{909E8E84-426E-40dd-AFC4-6F175D3DCCD1}">
-              <a14:hiddenFill xmlns:a14="http://schemas.microsoft.com/office/drawing/2010/main" xmlns="">
-                <a:solidFill>
-                  <a:srgbClr val="FFFFFF"/>
-                </a:solidFill>
-              </a14:hiddenFill>
-            </a:ext>
-            <a:ext uri="{91240B29-F687-4f45-9708-019B960494DF}">
-              <a14:hiddenLine xmlns:a14="http://schemas.microsoft.com/office/drawing/2010/main" xmlns="" w="9525">
-                <a:solidFill>
-                  <a:srgbClr val="000000"/>
-                </a:solidFill>
-                <a:miter lim="800000"/>
-                <a:headEnd/>
-                <a:tailEnd/>
-              </a14:hiddenLine>
-            </a:ext>
-          </a:extLst>
         </p:spPr>
       </p:pic>
-      <mc:AlternateContent xmlns:mc="http://schemas.openxmlformats.org/markup-compatibility/2006" xmlns:a14="http://schemas.microsoft.com/office/drawing/2010/main">
-        <mc:Choice Requires="a14">
+      <mc:AlternateContent xmlns:mc="http://schemas.openxmlformats.org/markup-compatibility/2006">
+        <mc:Choice xmlns:a14="http://schemas.microsoft.com/office/drawing/2010/main" Requires="a14">
           <p:sp>
             <p:nvSpPr>
               <p:cNvPr id="6" name="Subtitle 2">
                 <a:extLst>
                   <a:ext uri="{FF2B5EF4-FFF2-40B4-BE49-F238E27FC236}">
-                    <a16:creationId xmlns:a16="http://schemas.microsoft.com/office/drawing/2014/main" id="{5B72932F-F3D6-46BF-9A61-0930A2E33BD6}"/>
+                    <ele attr="{5B72932F-F3D6-46BF-9A61-0930A2E33BD6}"/>
                   </a:ext>
                 </a:extLst>
               </p:cNvPr>
@@ -9310,16 +8631,10 @@
             </p:txBody>
           </p:sp>
         </mc:Choice>
-        <mc:Fallback xmlns="">
+        <mc:Fallback>
           <p:sp>
             <p:nvSpPr>
-              <p:cNvPr id="6" name="Subtitle 2">
-                <a:extLst>
-                  <a:ext uri="{FF2B5EF4-FFF2-40B4-BE49-F238E27FC236}">
-                    <a16:creationId xmlns:a16="http://schemas.microsoft.com/office/drawing/2014/main" id="{5B72932F-F3D6-46BF-9A61-0930A2E33BD6}"/>
-                  </a:ext>
-                </a:extLst>
-              </p:cNvPr>
+              <p:cNvPr id="6" name="Subtitle 2"/>
               <p:cNvSpPr txBox="1">
                 <a:spLocks noRot="1" noChangeAspect="1" noMove="1" noResize="1" noEditPoints="1" noAdjustHandles="1" noChangeArrowheads="1" noChangeShapeType="1" noTextEdit="1"/>
               </p:cNvSpPr>
@@ -9333,8 +8648,8 @@
               <a:prstGeom prst="rect">
                 <a:avLst/>
               </a:prstGeom>
-              <a:blipFill>
-                <a:blip r:embed="rId4"/>
+              <a:blipFill rotWithShape="1">
+                <a:blip r:embed="rId2"/>
                 <a:stretch>
                   <a:fillRect l="-608" t="-1452" r="-743"/>
                 </a:stretch>
@@ -9372,17 +8687,15 @@
                   </a:rPr>
                   <a:t> </a:t>
                 </a:r>
+                <a:endParaRPr lang="zh-CN" altLang="en-US">
+                  <a:noFill/>
+                </a:endParaRPr>
               </a:p>
             </p:txBody>
           </p:sp>
         </mc:Fallback>
       </mc:AlternateContent>
     </p:spTree>
-    <p:extLst>
-      <p:ext uri="{BB962C8B-B14F-4D97-AF65-F5344CB8AC3E}">
-        <p14:creationId xmlns:p14="http://schemas.microsoft.com/office/powerpoint/2010/main" val="2816532237"/>
-      </p:ext>
-    </p:extLst>
   </p:cSld>
   <p:clrMapOvr>
     <a:masterClrMapping/>
@@ -9427,25 +8740,6 @@
           <a:ln>
             <a:noFill/>
           </a:ln>
-          <a:extLst>
-            <a:ext uri="{909E8E84-426E-40dd-AFC4-6F175D3DCCD1}">
-              <a14:hiddenFill xmlns:a14="http://schemas.microsoft.com/office/drawing/2010/main" xmlns="">
-                <a:solidFill>
-                  <a:srgbClr val="FFFFFF"/>
-                </a:solidFill>
-              </a14:hiddenFill>
-            </a:ext>
-            <a:ext uri="{91240B29-F687-4f45-9708-019B960494DF}">
-              <a14:hiddenLine xmlns:a14="http://schemas.microsoft.com/office/drawing/2010/main" xmlns="" w="9525">
-                <a:solidFill>
-                  <a:srgbClr val="000000"/>
-                </a:solidFill>
-                <a:miter lim="800000"/>
-                <a:headEnd/>
-                <a:tailEnd/>
-              </a14:hiddenLine>
-            </a:ext>
-          </a:extLst>
         </p:spPr>
         <p:txBody>
           <a:bodyPr wrap="square" lIns="91436" tIns="45718" rIns="91436" bIns="45718">
@@ -9609,6 +8903,13 @@
               </a:rPr>
               <a:t>不依赖于生成树的受限洪泛算法</a:t>
             </a:r>
+            <a:endParaRPr lang="zh-CN" altLang="en-US" b="1" dirty="0">
+              <a:solidFill>
+                <a:srgbClr val="002060"/>
+              </a:solidFill>
+              <a:latin typeface="微软雅黑" panose="020B0503020204020204" pitchFamily="34" charset="-122"/>
+              <a:ea typeface="微软雅黑" panose="020B0503020204020204" pitchFamily="34" charset="-122"/>
+            </a:endParaRPr>
           </a:p>
         </p:txBody>
       </p:sp>
@@ -9628,25 +8929,6 @@
             <a:ext cx="2133600" cy="365125"/>
           </a:xfrm>
           <a:noFill/>
-          <a:extLst>
-            <a:ext uri="{909E8E84-426E-40dd-AFC4-6F175D3DCCD1}">
-              <a14:hiddenFill xmlns:a14="http://schemas.microsoft.com/office/drawing/2010/main" xmlns="">
-                <a:solidFill>
-                  <a:srgbClr val="FFFFFF"/>
-                </a:solidFill>
-              </a14:hiddenFill>
-            </a:ext>
-            <a:ext uri="{91240B29-F687-4f45-9708-019B960494DF}">
-              <a14:hiddenLine xmlns:a14="http://schemas.microsoft.com/office/drawing/2010/main" xmlns="" w="9525">
-                <a:solidFill>
-                  <a:srgbClr val="000000"/>
-                </a:solidFill>
-                <a:miter lim="800000"/>
-                <a:headEnd/>
-                <a:tailEnd/>
-              </a14:hiddenLine>
-            </a:ext>
-          </a:extLst>
         </p:spPr>
         <p:txBody>
           <a:bodyPr/>
@@ -9665,7 +8947,7 @@
                 <a:ea typeface="宋体" panose="02010600030101010101" pitchFamily="2" charset="-122"/>
               </a:defRPr>
             </a:lvl1pPr>
-            <a:lvl2pPr marL="742920" indent="-285738">
+            <a:lvl2pPr marL="742950" indent="-285750">
               <a:spcBef>
                 <a:spcPct val="20000"/>
               </a:spcBef>
@@ -9679,7 +8961,7 @@
                 <a:ea typeface="宋体" panose="02010600030101010101" pitchFamily="2" charset="-122"/>
               </a:defRPr>
             </a:lvl2pPr>
-            <a:lvl3pPr marL="1142953" indent="-228591">
+            <a:lvl3pPr marL="1143000" indent="-228600">
               <a:spcBef>
                 <a:spcPct val="20000"/>
               </a:spcBef>
@@ -9693,7 +8975,7 @@
                 <a:ea typeface="宋体" panose="02010600030101010101" pitchFamily="2" charset="-122"/>
               </a:defRPr>
             </a:lvl3pPr>
-            <a:lvl4pPr marL="1600135" indent="-228591">
+            <a:lvl4pPr marL="1600200" indent="-228600">
               <a:spcBef>
                 <a:spcPct val="20000"/>
               </a:spcBef>
@@ -9707,7 +8989,7 @@
                 <a:ea typeface="宋体" panose="02010600030101010101" pitchFamily="2" charset="-122"/>
               </a:defRPr>
             </a:lvl4pPr>
-            <a:lvl5pPr marL="2057315" indent="-228591">
+            <a:lvl5pPr marL="2057400" indent="-228600">
               <a:spcBef>
                 <a:spcPct val="20000"/>
               </a:spcBef>
@@ -9721,7 +9003,7 @@
                 <a:ea typeface="宋体" panose="02010600030101010101" pitchFamily="2" charset="-122"/>
               </a:defRPr>
             </a:lvl5pPr>
-            <a:lvl6pPr marL="2514497" indent="-228591" eaLnBrk="0" fontAlgn="base" hangingPunct="0">
+            <a:lvl6pPr marL="2514600" indent="-228600" eaLnBrk="0" fontAlgn="base" hangingPunct="0">
               <a:spcBef>
                 <a:spcPct val="20000"/>
               </a:spcBef>
@@ -9738,7 +9020,7 @@
                 <a:ea typeface="宋体" panose="02010600030101010101" pitchFamily="2" charset="-122"/>
               </a:defRPr>
             </a:lvl6pPr>
-            <a:lvl7pPr marL="2971678" indent="-228591" eaLnBrk="0" fontAlgn="base" hangingPunct="0">
+            <a:lvl7pPr marL="2971800" indent="-228600" eaLnBrk="0" fontAlgn="base" hangingPunct="0">
               <a:spcBef>
                 <a:spcPct val="20000"/>
               </a:spcBef>
@@ -9755,7 +9037,7 @@
                 <a:ea typeface="宋体" panose="02010600030101010101" pitchFamily="2" charset="-122"/>
               </a:defRPr>
             </a:lvl7pPr>
-            <a:lvl8pPr marL="3428859" indent="-228591" eaLnBrk="0" fontAlgn="base" hangingPunct="0">
+            <a:lvl8pPr marL="3429000" indent="-228600" eaLnBrk="0" fontAlgn="base" hangingPunct="0">
               <a:spcBef>
                 <a:spcPct val="20000"/>
               </a:spcBef>
@@ -9772,7 +9054,7 @@
                 <a:ea typeface="宋体" panose="02010600030101010101" pitchFamily="2" charset="-122"/>
               </a:defRPr>
             </a:lvl8pPr>
-            <a:lvl9pPr marL="3886041" indent="-228591" eaLnBrk="0" fontAlgn="base" hangingPunct="0">
+            <a:lvl9pPr marL="3886200" indent="-228600" eaLnBrk="0" fontAlgn="base" hangingPunct="0">
               <a:spcBef>
                 <a:spcPct val="20000"/>
               </a:spcBef>
@@ -9804,14 +9086,6 @@
                   <a:srgbClr val="898989"/>
                 </a:solidFill>
               </a:rPr>
-              <a:pPr>
-                <a:spcBef>
-                  <a:spcPct val="0"/>
-                </a:spcBef>
-                <a:buFontTx/>
-                <a:buNone/>
-              </a:pPr>
-              <a:t>4</a:t>
             </a:fld>
             <a:endParaRPr lang="zh-CN" altLang="en-US" sz="1200" dirty="0">
               <a:solidFill>
@@ -9830,7 +9104,7 @@
           <p:nvPr/>
         </p:nvPicPr>
         <p:blipFill>
-          <a:blip r:embed="rId3" cstate="print">
+          <a:blip r:embed="rId1" cstate="print">
             <a:extLst>
               <a:ext uri="{28A0092B-C50C-407E-A947-70E740481C1C}">
                 <a14:useLocalDpi xmlns:a14="http://schemas.microsoft.com/office/drawing/2010/main" val="0"/>
@@ -9854,39 +9128,12 @@
           <a:ln>
             <a:noFill/>
           </a:ln>
-          <a:extLst>
-            <a:ext uri="{909E8E84-426E-40dd-AFC4-6F175D3DCCD1}">
-              <a14:hiddenFill xmlns:a14="http://schemas.microsoft.com/office/drawing/2010/main" xmlns="">
-                <a:solidFill>
-                  <a:srgbClr val="FFFFFF"/>
-                </a:solidFill>
-              </a14:hiddenFill>
-            </a:ext>
-            <a:ext uri="{91240B29-F687-4f45-9708-019B960494DF}">
-              <a14:hiddenLine xmlns:a14="http://schemas.microsoft.com/office/drawing/2010/main" xmlns="" w="9525">
-                <a:solidFill>
-                  <a:srgbClr val="000000"/>
-                </a:solidFill>
-                <a:miter lim="800000"/>
-                <a:headEnd/>
-                <a:tailEnd/>
-              </a14:hiddenLine>
-            </a:ext>
-          </a:extLst>
         </p:spPr>
       </p:pic>
       <p:sp>
         <p:nvSpPr>
-          <p:cNvPr id="6" name="Subtitle 2">
-            <a:extLst>
-              <a:ext uri="{FF2B5EF4-FFF2-40B4-BE49-F238E27FC236}">
-                <a16:creationId xmlns:a16="http://schemas.microsoft.com/office/drawing/2014/main" id="{5B72932F-F3D6-46BF-9A61-0930A2E33BD6}"/>
-              </a:ext>
-            </a:extLst>
-          </p:cNvPr>
-          <p:cNvSpPr txBox="1">
-            <a:spLocks/>
-          </p:cNvSpPr>
+          <p:cNvPr id="6" name="Subtitle 2"/>
+          <p:cNvSpPr txBox="1"/>
           <p:nvPr/>
         </p:nvSpPr>
         <p:spPr bwMode="auto">
@@ -9922,11 +9169,7 @@
           </a:extLst>
         </p:spPr>
         <p:txBody>
-          <a:bodyPr vert="horz" wrap="square" lIns="91440" tIns="45720" rIns="91440" bIns="45720" numCol="1" anchor="t" anchorCtr="0" compatLnSpc="1">
-            <a:prstTxWarp prst="textNoShape">
-              <a:avLst/>
-            </a:prstTxWarp>
-          </a:bodyPr>
+          <a:bodyPr vert="horz" wrap="square" lIns="91440" tIns="45720" rIns="91440" bIns="45720" numCol="1" anchor="t" anchorCtr="0" compatLnSpc="1"/>
           <a:lstStyle>
             <a:lvl1pPr marL="342900" indent="-342900" algn="l" rtl="0" eaLnBrk="0" fontAlgn="base" hangingPunct="0">
               <a:spcBef>
@@ -10045,7 +9288,7 @@
                 <a:schemeClr val="tx2"/>
               </a:buClr>
               <a:buSzPct val="70000"/>
-              <a:buFont typeface="Wingdings" pitchFamily="2" charset="2"/>
+              <a:buFont typeface="Wingdings" panose="05000000000000000000" pitchFamily="2" charset="2"/>
               <a:buChar char="¡"/>
               <a:defRPr sz="1600">
                 <a:solidFill>
@@ -10066,7 +9309,7 @@
                 <a:schemeClr val="tx2"/>
               </a:buClr>
               <a:buSzPct val="70000"/>
-              <a:buFont typeface="Wingdings" pitchFamily="2" charset="2"/>
+              <a:buFont typeface="Wingdings" panose="05000000000000000000" pitchFamily="2" charset="2"/>
               <a:buChar char="¡"/>
               <a:defRPr sz="1600">
                 <a:solidFill>
@@ -10087,7 +9330,7 @@
                 <a:schemeClr val="tx2"/>
               </a:buClr>
               <a:buSzPct val="70000"/>
-              <a:buFont typeface="Wingdings" pitchFamily="2" charset="2"/>
+              <a:buFont typeface="Wingdings" panose="05000000000000000000" pitchFamily="2" charset="2"/>
               <a:buChar char="¡"/>
               <a:defRPr sz="1600">
                 <a:solidFill>
@@ -10108,7 +9351,7 @@
                 <a:schemeClr val="tx2"/>
               </a:buClr>
               <a:buSzPct val="70000"/>
-              <a:buFont typeface="Wingdings" pitchFamily="2" charset="2"/>
+              <a:buFont typeface="Wingdings" panose="05000000000000000000" pitchFamily="2" charset="2"/>
               <a:buChar char="¡"/>
               <a:defRPr sz="1600">
                 <a:solidFill>
@@ -10136,7 +9379,6 @@
               <a:buSzPct val="70000"/>
               <a:buFont typeface="Wingdings" panose="05000000000000000000" pitchFamily="2" charset="2"/>
               <a:buChar char="n"/>
-              <a:tabLst/>
               <a:defRPr/>
             </a:pPr>
             <a:r>
@@ -10144,8 +9386,8 @@
                 <a:solidFill>
                   <a:srgbClr val="003366"/>
                 </a:solidFill>
-                <a:latin typeface="Arial"/>
-                <a:ea typeface="宋体"/>
+                <a:latin typeface="Arial" panose="020B0604020202020204"/>
+                <a:ea typeface="宋体" panose="02010600030101010101" pitchFamily="2" charset="-122"/>
               </a:rPr>
               <a:t>算法分析</a:t>
             </a:r>
@@ -10153,8 +9395,8 @@
               <a:solidFill>
                 <a:srgbClr val="003366"/>
               </a:solidFill>
-              <a:latin typeface="Arial"/>
-              <a:ea typeface="宋体"/>
+              <a:latin typeface="Arial" panose="020B0604020202020204"/>
+              <a:ea typeface="宋体" panose="02010600030101010101" pitchFamily="2" charset="-122"/>
             </a:endParaRPr>
           </a:p>
           <a:p>
@@ -10178,20 +9420,14 @@
       </p:sp>
       <p:pic>
         <p:nvPicPr>
-          <p:cNvPr id="2" name="图片 1">
-            <a:extLst>
-              <a:ext uri="{FF2B5EF4-FFF2-40B4-BE49-F238E27FC236}">
-                <a16:creationId xmlns:a16="http://schemas.microsoft.com/office/drawing/2014/main" id="{2397D418-048C-4EA2-B97C-EC02131D8098}"/>
-              </a:ext>
-            </a:extLst>
-          </p:cNvPr>
+          <p:cNvPr id="2" name="图片 1"/>
           <p:cNvPicPr>
             <a:picLocks noChangeAspect="1"/>
           </p:cNvPicPr>
           <p:nvPr/>
         </p:nvPicPr>
         <p:blipFill>
-          <a:blip r:embed="rId4"/>
+          <a:blip r:embed="rId2"/>
           <a:stretch>
             <a:fillRect/>
           </a:stretch>
@@ -10207,11 +9443,6 @@
         </p:spPr>
       </p:pic>
     </p:spTree>
-    <p:extLst>
-      <p:ext uri="{BB962C8B-B14F-4D97-AF65-F5344CB8AC3E}">
-        <p14:creationId xmlns:p14="http://schemas.microsoft.com/office/powerpoint/2010/main" val="1709097421"/>
-      </p:ext>
-    </p:extLst>
   </p:cSld>
   <p:clrMapOvr>
     <a:masterClrMapping/>
@@ -10256,25 +9487,6 @@
           <a:ln>
             <a:noFill/>
           </a:ln>
-          <a:extLst>
-            <a:ext uri="{909E8E84-426E-40dd-AFC4-6F175D3DCCD1}">
-              <a14:hiddenFill xmlns:a14="http://schemas.microsoft.com/office/drawing/2010/main" xmlns="">
-                <a:solidFill>
-                  <a:srgbClr val="FFFFFF"/>
-                </a:solidFill>
-              </a14:hiddenFill>
-            </a:ext>
-            <a:ext uri="{91240B29-F687-4f45-9708-019B960494DF}">
-              <a14:hiddenLine xmlns:a14="http://schemas.microsoft.com/office/drawing/2010/main" xmlns="" w="9525">
-                <a:solidFill>
-                  <a:srgbClr val="000000"/>
-                </a:solidFill>
-                <a:miter lim="800000"/>
-                <a:headEnd/>
-                <a:tailEnd/>
-              </a14:hiddenLine>
-            </a:ext>
-          </a:extLst>
         </p:spPr>
         <p:txBody>
           <a:bodyPr wrap="square" lIns="91436" tIns="45718" rIns="91436" bIns="45718">
@@ -10438,6 +9650,13 @@
               </a:rPr>
               <a:t>最小权重生成树算法（同步）</a:t>
             </a:r>
+            <a:endParaRPr lang="zh-CN" altLang="en-US" b="1" dirty="0">
+              <a:solidFill>
+                <a:srgbClr val="002060"/>
+              </a:solidFill>
+              <a:latin typeface="微软雅黑" panose="020B0503020204020204" pitchFamily="34" charset="-122"/>
+              <a:ea typeface="微软雅黑" panose="020B0503020204020204" pitchFamily="34" charset="-122"/>
+            </a:endParaRPr>
           </a:p>
         </p:txBody>
       </p:sp>
@@ -10457,25 +9676,6 @@
             <a:ext cx="2133600" cy="365125"/>
           </a:xfrm>
           <a:noFill/>
-          <a:extLst>
-            <a:ext uri="{909E8E84-426E-40dd-AFC4-6F175D3DCCD1}">
-              <a14:hiddenFill xmlns:a14="http://schemas.microsoft.com/office/drawing/2010/main" xmlns="">
-                <a:solidFill>
-                  <a:srgbClr val="FFFFFF"/>
-                </a:solidFill>
-              </a14:hiddenFill>
-            </a:ext>
-            <a:ext uri="{91240B29-F687-4f45-9708-019B960494DF}">
-              <a14:hiddenLine xmlns:a14="http://schemas.microsoft.com/office/drawing/2010/main" xmlns="" w="9525">
-                <a:solidFill>
-                  <a:srgbClr val="000000"/>
-                </a:solidFill>
-                <a:miter lim="800000"/>
-                <a:headEnd/>
-                <a:tailEnd/>
-              </a14:hiddenLine>
-            </a:ext>
-          </a:extLst>
         </p:spPr>
         <p:txBody>
           <a:bodyPr/>
@@ -10494,7 +9694,7 @@
                 <a:ea typeface="宋体" panose="02010600030101010101" pitchFamily="2" charset="-122"/>
               </a:defRPr>
             </a:lvl1pPr>
-            <a:lvl2pPr marL="742920" indent="-285738">
+            <a:lvl2pPr marL="742950" indent="-285750">
               <a:spcBef>
                 <a:spcPct val="20000"/>
               </a:spcBef>
@@ -10508,7 +9708,7 @@
                 <a:ea typeface="宋体" panose="02010600030101010101" pitchFamily="2" charset="-122"/>
               </a:defRPr>
             </a:lvl2pPr>
-            <a:lvl3pPr marL="1142953" indent="-228591">
+            <a:lvl3pPr marL="1143000" indent="-228600">
               <a:spcBef>
                 <a:spcPct val="20000"/>
               </a:spcBef>
@@ -10522,7 +9722,7 @@
                 <a:ea typeface="宋体" panose="02010600030101010101" pitchFamily="2" charset="-122"/>
               </a:defRPr>
             </a:lvl3pPr>
-            <a:lvl4pPr marL="1600135" indent="-228591">
+            <a:lvl4pPr marL="1600200" indent="-228600">
               <a:spcBef>
                 <a:spcPct val="20000"/>
               </a:spcBef>
@@ -10536,7 +9736,7 @@
                 <a:ea typeface="宋体" panose="02010600030101010101" pitchFamily="2" charset="-122"/>
               </a:defRPr>
             </a:lvl4pPr>
-            <a:lvl5pPr marL="2057315" indent="-228591">
+            <a:lvl5pPr marL="2057400" indent="-228600">
               <a:spcBef>
                 <a:spcPct val="20000"/>
               </a:spcBef>
@@ -10550,7 +9750,7 @@
                 <a:ea typeface="宋体" panose="02010600030101010101" pitchFamily="2" charset="-122"/>
               </a:defRPr>
             </a:lvl5pPr>
-            <a:lvl6pPr marL="2514497" indent="-228591" eaLnBrk="0" fontAlgn="base" hangingPunct="0">
+            <a:lvl6pPr marL="2514600" indent="-228600" eaLnBrk="0" fontAlgn="base" hangingPunct="0">
               <a:spcBef>
                 <a:spcPct val="20000"/>
               </a:spcBef>
@@ -10567,7 +9767,7 @@
                 <a:ea typeface="宋体" panose="02010600030101010101" pitchFamily="2" charset="-122"/>
               </a:defRPr>
             </a:lvl6pPr>
-            <a:lvl7pPr marL="2971678" indent="-228591" eaLnBrk="0" fontAlgn="base" hangingPunct="0">
+            <a:lvl7pPr marL="2971800" indent="-228600" eaLnBrk="0" fontAlgn="base" hangingPunct="0">
               <a:spcBef>
                 <a:spcPct val="20000"/>
               </a:spcBef>
@@ -10584,7 +9784,7 @@
                 <a:ea typeface="宋体" panose="02010600030101010101" pitchFamily="2" charset="-122"/>
               </a:defRPr>
             </a:lvl7pPr>
-            <a:lvl8pPr marL="3428859" indent="-228591" eaLnBrk="0" fontAlgn="base" hangingPunct="0">
+            <a:lvl8pPr marL="3429000" indent="-228600" eaLnBrk="0" fontAlgn="base" hangingPunct="0">
               <a:spcBef>
                 <a:spcPct val="20000"/>
               </a:spcBef>
@@ -10601,7 +9801,7 @@
                 <a:ea typeface="宋体" panose="02010600030101010101" pitchFamily="2" charset="-122"/>
               </a:defRPr>
             </a:lvl8pPr>
-            <a:lvl9pPr marL="3886041" indent="-228591" eaLnBrk="0" fontAlgn="base" hangingPunct="0">
+            <a:lvl9pPr marL="3886200" indent="-228600" eaLnBrk="0" fontAlgn="base" hangingPunct="0">
               <a:spcBef>
                 <a:spcPct val="20000"/>
               </a:spcBef>
@@ -10633,14 +9833,6 @@
                   <a:srgbClr val="898989"/>
                 </a:solidFill>
               </a:rPr>
-              <a:pPr>
-                <a:spcBef>
-                  <a:spcPct val="0"/>
-                </a:spcBef>
-                <a:buFontTx/>
-                <a:buNone/>
-              </a:pPr>
-              <a:t>5</a:t>
             </a:fld>
             <a:endParaRPr lang="zh-CN" altLang="en-US" sz="1200" dirty="0">
               <a:solidFill>
@@ -10659,7 +9851,7 @@
           <p:nvPr/>
         </p:nvPicPr>
         <p:blipFill>
-          <a:blip r:embed="rId3" cstate="print">
+          <a:blip r:embed="rId1" cstate="print">
             <a:extLst>
               <a:ext uri="{28A0092B-C50C-407E-A947-70E740481C1C}">
                 <a14:useLocalDpi xmlns:a14="http://schemas.microsoft.com/office/drawing/2010/main" val="0"/>
@@ -10683,35 +9875,16 @@
           <a:ln>
             <a:noFill/>
           </a:ln>
-          <a:extLst>
-            <a:ext uri="{909E8E84-426E-40dd-AFC4-6F175D3DCCD1}">
-              <a14:hiddenFill xmlns:a14="http://schemas.microsoft.com/office/drawing/2010/main" xmlns="">
-                <a:solidFill>
-                  <a:srgbClr val="FFFFFF"/>
-                </a:solidFill>
-              </a14:hiddenFill>
-            </a:ext>
-            <a:ext uri="{91240B29-F687-4f45-9708-019B960494DF}">
-              <a14:hiddenLine xmlns:a14="http://schemas.microsoft.com/office/drawing/2010/main" xmlns="" w="9525">
-                <a:solidFill>
-                  <a:srgbClr val="000000"/>
-                </a:solidFill>
-                <a:miter lim="800000"/>
-                <a:headEnd/>
-                <a:tailEnd/>
-              </a14:hiddenLine>
-            </a:ext>
-          </a:extLst>
         </p:spPr>
       </p:pic>
-      <mc:AlternateContent xmlns:mc="http://schemas.openxmlformats.org/markup-compatibility/2006" xmlns:a14="http://schemas.microsoft.com/office/drawing/2010/main">
-        <mc:Choice Requires="a14">
+      <mc:AlternateContent xmlns:mc="http://schemas.openxmlformats.org/markup-compatibility/2006">
+        <mc:Choice xmlns:a14="http://schemas.microsoft.com/office/drawing/2010/main" Requires="a14">
           <p:sp>
             <p:nvSpPr>
               <p:cNvPr id="6" name="Subtitle 2">
                 <a:extLst>
                   <a:ext uri="{FF2B5EF4-FFF2-40B4-BE49-F238E27FC236}">
-                    <a16:creationId xmlns:a16="http://schemas.microsoft.com/office/drawing/2014/main" id="{5B72932F-F3D6-46BF-9A61-0930A2E33BD6}"/>
+                    <ele attr="{5B72932F-F3D6-46BF-9A61-0930A2E33BD6}"/>
                   </a:ext>
                 </a:extLst>
               </p:cNvPr>
@@ -11303,16 +10476,10 @@
             </p:txBody>
           </p:sp>
         </mc:Choice>
-        <mc:Fallback xmlns="">
+        <mc:Fallback>
           <p:sp>
             <p:nvSpPr>
-              <p:cNvPr id="6" name="Subtitle 2">
-                <a:extLst>
-                  <a:ext uri="{FF2B5EF4-FFF2-40B4-BE49-F238E27FC236}">
-                    <a16:creationId xmlns:a16="http://schemas.microsoft.com/office/drawing/2014/main" id="{5B72932F-F3D6-46BF-9A61-0930A2E33BD6}"/>
-                  </a:ext>
-                </a:extLst>
-              </p:cNvPr>
+              <p:cNvPr id="6" name="Subtitle 2"/>
               <p:cNvSpPr txBox="1">
                 <a:spLocks noRot="1" noChangeAspect="1" noMove="1" noResize="1" noEditPoints="1" noAdjustHandles="1" noChangeArrowheads="1" noChangeShapeType="1" noTextEdit="1"/>
               </p:cNvSpPr>
@@ -11326,8 +10493,8 @@
               <a:prstGeom prst="rect">
                 <a:avLst/>
               </a:prstGeom>
-              <a:blipFill>
-                <a:blip r:embed="rId4"/>
+              <a:blipFill rotWithShape="1">
+                <a:blip r:embed="rId2"/>
                 <a:stretch>
                   <a:fillRect l="-608" t="-1141"/>
                 </a:stretch>
@@ -11365,17 +10532,15 @@
                   </a:rPr>
                   <a:t> </a:t>
                 </a:r>
+                <a:endParaRPr lang="zh-CN" altLang="en-US">
+                  <a:noFill/>
+                </a:endParaRPr>
               </a:p>
             </p:txBody>
           </p:sp>
         </mc:Fallback>
       </mc:AlternateContent>
     </p:spTree>
-    <p:extLst>
-      <p:ext uri="{BB962C8B-B14F-4D97-AF65-F5344CB8AC3E}">
-        <p14:creationId xmlns:p14="http://schemas.microsoft.com/office/powerpoint/2010/main" val="3876909841"/>
-      </p:ext>
-    </p:extLst>
   </p:cSld>
   <p:clrMapOvr>
     <a:masterClrMapping/>
@@ -11420,25 +10585,6 @@
           <a:ln>
             <a:noFill/>
           </a:ln>
-          <a:extLst>
-            <a:ext uri="{909E8E84-426E-40dd-AFC4-6F175D3DCCD1}">
-              <a14:hiddenFill xmlns:a14="http://schemas.microsoft.com/office/drawing/2010/main" xmlns="">
-                <a:solidFill>
-                  <a:srgbClr val="FFFFFF"/>
-                </a:solidFill>
-              </a14:hiddenFill>
-            </a:ext>
-            <a:ext uri="{91240B29-F687-4f45-9708-019B960494DF}">
-              <a14:hiddenLine xmlns:a14="http://schemas.microsoft.com/office/drawing/2010/main" xmlns="" w="9525">
-                <a:solidFill>
-                  <a:srgbClr val="000000"/>
-                </a:solidFill>
-                <a:miter lim="800000"/>
-                <a:headEnd/>
-                <a:tailEnd/>
-              </a14:hiddenLine>
-            </a:ext>
-          </a:extLst>
         </p:spPr>
         <p:txBody>
           <a:bodyPr wrap="square" lIns="91436" tIns="45718" rIns="91436" bIns="45718">
@@ -11602,6 +10748,13 @@
               </a:rPr>
               <a:t>最小权重生成树算法（同步）</a:t>
             </a:r>
+            <a:endParaRPr lang="zh-CN" altLang="en-US" b="1" dirty="0">
+              <a:solidFill>
+                <a:srgbClr val="002060"/>
+              </a:solidFill>
+              <a:latin typeface="微软雅黑" panose="020B0503020204020204" pitchFamily="34" charset="-122"/>
+              <a:ea typeface="微软雅黑" panose="020B0503020204020204" pitchFamily="34" charset="-122"/>
+            </a:endParaRPr>
           </a:p>
         </p:txBody>
       </p:sp>
@@ -11621,25 +10774,6 @@
             <a:ext cx="2133600" cy="365125"/>
           </a:xfrm>
           <a:noFill/>
-          <a:extLst>
-            <a:ext uri="{909E8E84-426E-40dd-AFC4-6F175D3DCCD1}">
-              <a14:hiddenFill xmlns:a14="http://schemas.microsoft.com/office/drawing/2010/main" xmlns="">
-                <a:solidFill>
-                  <a:srgbClr val="FFFFFF"/>
-                </a:solidFill>
-              </a14:hiddenFill>
-            </a:ext>
-            <a:ext uri="{91240B29-F687-4f45-9708-019B960494DF}">
-              <a14:hiddenLine xmlns:a14="http://schemas.microsoft.com/office/drawing/2010/main" xmlns="" w="9525">
-                <a:solidFill>
-                  <a:srgbClr val="000000"/>
-                </a:solidFill>
-                <a:miter lim="800000"/>
-                <a:headEnd/>
-                <a:tailEnd/>
-              </a14:hiddenLine>
-            </a:ext>
-          </a:extLst>
         </p:spPr>
         <p:txBody>
           <a:bodyPr/>
@@ -11658,7 +10792,7 @@
                 <a:ea typeface="宋体" panose="02010600030101010101" pitchFamily="2" charset="-122"/>
               </a:defRPr>
             </a:lvl1pPr>
-            <a:lvl2pPr marL="742920" indent="-285738">
+            <a:lvl2pPr marL="742950" indent="-285750">
               <a:spcBef>
                 <a:spcPct val="20000"/>
               </a:spcBef>
@@ -11672,7 +10806,7 @@
                 <a:ea typeface="宋体" panose="02010600030101010101" pitchFamily="2" charset="-122"/>
               </a:defRPr>
             </a:lvl2pPr>
-            <a:lvl3pPr marL="1142953" indent="-228591">
+            <a:lvl3pPr marL="1143000" indent="-228600">
               <a:spcBef>
                 <a:spcPct val="20000"/>
               </a:spcBef>
@@ -11686,7 +10820,7 @@
                 <a:ea typeface="宋体" panose="02010600030101010101" pitchFamily="2" charset="-122"/>
               </a:defRPr>
             </a:lvl3pPr>
-            <a:lvl4pPr marL="1600135" indent="-228591">
+            <a:lvl4pPr marL="1600200" indent="-228600">
               <a:spcBef>
                 <a:spcPct val="20000"/>
               </a:spcBef>
@@ -11700,7 +10834,7 @@
                 <a:ea typeface="宋体" panose="02010600030101010101" pitchFamily="2" charset="-122"/>
               </a:defRPr>
             </a:lvl4pPr>
-            <a:lvl5pPr marL="2057315" indent="-228591">
+            <a:lvl5pPr marL="2057400" indent="-228600">
               <a:spcBef>
                 <a:spcPct val="20000"/>
               </a:spcBef>
@@ -11714,7 +10848,7 @@
                 <a:ea typeface="宋体" panose="02010600030101010101" pitchFamily="2" charset="-122"/>
               </a:defRPr>
             </a:lvl5pPr>
-            <a:lvl6pPr marL="2514497" indent="-228591" eaLnBrk="0" fontAlgn="base" hangingPunct="0">
+            <a:lvl6pPr marL="2514600" indent="-228600" eaLnBrk="0" fontAlgn="base" hangingPunct="0">
               <a:spcBef>
                 <a:spcPct val="20000"/>
               </a:spcBef>
@@ -11731,7 +10865,7 @@
                 <a:ea typeface="宋体" panose="02010600030101010101" pitchFamily="2" charset="-122"/>
               </a:defRPr>
             </a:lvl6pPr>
-            <a:lvl7pPr marL="2971678" indent="-228591" eaLnBrk="0" fontAlgn="base" hangingPunct="0">
+            <a:lvl7pPr marL="2971800" indent="-228600" eaLnBrk="0" fontAlgn="base" hangingPunct="0">
               <a:spcBef>
                 <a:spcPct val="20000"/>
               </a:spcBef>
@@ -11748,7 +10882,7 @@
                 <a:ea typeface="宋体" panose="02010600030101010101" pitchFamily="2" charset="-122"/>
               </a:defRPr>
             </a:lvl7pPr>
-            <a:lvl8pPr marL="3428859" indent="-228591" eaLnBrk="0" fontAlgn="base" hangingPunct="0">
+            <a:lvl8pPr marL="3429000" indent="-228600" eaLnBrk="0" fontAlgn="base" hangingPunct="0">
               <a:spcBef>
                 <a:spcPct val="20000"/>
               </a:spcBef>
@@ -11765,7 +10899,7 @@
                 <a:ea typeface="宋体" panose="02010600030101010101" pitchFamily="2" charset="-122"/>
               </a:defRPr>
             </a:lvl8pPr>
-            <a:lvl9pPr marL="3886041" indent="-228591" eaLnBrk="0" fontAlgn="base" hangingPunct="0">
+            <a:lvl9pPr marL="3886200" indent="-228600" eaLnBrk="0" fontAlgn="base" hangingPunct="0">
               <a:spcBef>
                 <a:spcPct val="20000"/>
               </a:spcBef>
@@ -11797,14 +10931,6 @@
                   <a:srgbClr val="898989"/>
                 </a:solidFill>
               </a:rPr>
-              <a:pPr>
-                <a:spcBef>
-                  <a:spcPct val="0"/>
-                </a:spcBef>
-                <a:buFontTx/>
-                <a:buNone/>
-              </a:pPr>
-              <a:t>6</a:t>
             </a:fld>
             <a:endParaRPr lang="zh-CN" altLang="en-US" sz="1200" dirty="0">
               <a:solidFill>
@@ -11823,7 +10949,7 @@
           <p:nvPr/>
         </p:nvPicPr>
         <p:blipFill>
-          <a:blip r:embed="rId3" cstate="print">
+          <a:blip r:embed="rId1" cstate="print">
             <a:extLst>
               <a:ext uri="{28A0092B-C50C-407E-A947-70E740481C1C}">
                 <a14:useLocalDpi xmlns:a14="http://schemas.microsoft.com/office/drawing/2010/main" val="0"/>
@@ -11847,35 +10973,16 @@
           <a:ln>
             <a:noFill/>
           </a:ln>
-          <a:extLst>
-            <a:ext uri="{909E8E84-426E-40dd-AFC4-6F175D3DCCD1}">
-              <a14:hiddenFill xmlns:a14="http://schemas.microsoft.com/office/drawing/2010/main" xmlns="">
-                <a:solidFill>
-                  <a:srgbClr val="FFFFFF"/>
-                </a:solidFill>
-              </a14:hiddenFill>
-            </a:ext>
-            <a:ext uri="{91240B29-F687-4f45-9708-019B960494DF}">
-              <a14:hiddenLine xmlns:a14="http://schemas.microsoft.com/office/drawing/2010/main" xmlns="" w="9525">
-                <a:solidFill>
-                  <a:srgbClr val="000000"/>
-                </a:solidFill>
-                <a:miter lim="800000"/>
-                <a:headEnd/>
-                <a:tailEnd/>
-              </a14:hiddenLine>
-            </a:ext>
-          </a:extLst>
         </p:spPr>
       </p:pic>
-      <mc:AlternateContent xmlns:mc="http://schemas.openxmlformats.org/markup-compatibility/2006" xmlns:a14="http://schemas.microsoft.com/office/drawing/2010/main">
-        <mc:Choice Requires="a14">
+      <mc:AlternateContent xmlns:mc="http://schemas.openxmlformats.org/markup-compatibility/2006">
+        <mc:Choice xmlns:a14="http://schemas.microsoft.com/office/drawing/2010/main" Requires="a14">
           <p:sp>
             <p:nvSpPr>
               <p:cNvPr id="6" name="Subtitle 2">
                 <a:extLst>
                   <a:ext uri="{FF2B5EF4-FFF2-40B4-BE49-F238E27FC236}">
-                    <a16:creationId xmlns:a16="http://schemas.microsoft.com/office/drawing/2014/main" id="{5B72932F-F3D6-46BF-9A61-0930A2E33BD6}"/>
+                    <ele attr="{5B72932F-F3D6-46BF-9A61-0930A2E33BD6}"/>
                   </a:ext>
                 </a:extLst>
               </p:cNvPr>
@@ -12822,16 +11929,10 @@
             </p:txBody>
           </p:sp>
         </mc:Choice>
-        <mc:Fallback xmlns="">
+        <mc:Fallback>
           <p:sp>
             <p:nvSpPr>
-              <p:cNvPr id="6" name="Subtitle 2">
-                <a:extLst>
-                  <a:ext uri="{FF2B5EF4-FFF2-40B4-BE49-F238E27FC236}">
-                    <a16:creationId xmlns:a16="http://schemas.microsoft.com/office/drawing/2014/main" id="{5B72932F-F3D6-46BF-9A61-0930A2E33BD6}"/>
-                  </a:ext>
-                </a:extLst>
-              </p:cNvPr>
+              <p:cNvPr id="6" name="Subtitle 2"/>
               <p:cNvSpPr txBox="1">
                 <a:spLocks noRot="1" noChangeAspect="1" noMove="1" noResize="1" noEditPoints="1" noAdjustHandles="1" noChangeArrowheads="1" noChangeShapeType="1" noTextEdit="1"/>
               </p:cNvSpPr>
@@ -12845,8 +11946,8 @@
               <a:prstGeom prst="rect">
                 <a:avLst/>
               </a:prstGeom>
-              <a:blipFill>
-                <a:blip r:embed="rId4"/>
+              <a:blipFill rotWithShape="1">
+                <a:blip r:embed="rId2"/>
                 <a:stretch>
                   <a:fillRect l="-608" t="-1141"/>
                 </a:stretch>
@@ -12884,17 +11985,15 @@
                   </a:rPr>
                   <a:t> </a:t>
                 </a:r>
+                <a:endParaRPr lang="zh-CN" altLang="en-US">
+                  <a:noFill/>
+                </a:endParaRPr>
               </a:p>
             </p:txBody>
           </p:sp>
         </mc:Fallback>
       </mc:AlternateContent>
     </p:spTree>
-    <p:extLst>
-      <p:ext uri="{BB962C8B-B14F-4D97-AF65-F5344CB8AC3E}">
-        <p14:creationId xmlns:p14="http://schemas.microsoft.com/office/powerpoint/2010/main" val="3891441604"/>
-      </p:ext>
-    </p:extLst>
   </p:cSld>
   <p:clrMapOvr>
     <a:masterClrMapping/>
@@ -12939,25 +12038,6 @@
           <a:ln>
             <a:noFill/>
           </a:ln>
-          <a:extLst>
-            <a:ext uri="{909E8E84-426E-40dd-AFC4-6F175D3DCCD1}">
-              <a14:hiddenFill xmlns:a14="http://schemas.microsoft.com/office/drawing/2010/main" xmlns="">
-                <a:solidFill>
-                  <a:srgbClr val="FFFFFF"/>
-                </a:solidFill>
-              </a14:hiddenFill>
-            </a:ext>
-            <a:ext uri="{91240B29-F687-4f45-9708-019B960494DF}">
-              <a14:hiddenLine xmlns:a14="http://schemas.microsoft.com/office/drawing/2010/main" xmlns="" w="9525">
-                <a:solidFill>
-                  <a:srgbClr val="000000"/>
-                </a:solidFill>
-                <a:miter lim="800000"/>
-                <a:headEnd/>
-                <a:tailEnd/>
-              </a14:hiddenLine>
-            </a:ext>
-          </a:extLst>
         </p:spPr>
         <p:txBody>
           <a:bodyPr wrap="square" lIns="91436" tIns="45718" rIns="91436" bIns="45718">
@@ -13121,6 +12201,13 @@
               </a:rPr>
               <a:t>最小权重生成树算法（同步）</a:t>
             </a:r>
+            <a:endParaRPr lang="zh-CN" altLang="en-US" b="1" dirty="0">
+              <a:solidFill>
+                <a:srgbClr val="002060"/>
+              </a:solidFill>
+              <a:latin typeface="微软雅黑" panose="020B0503020204020204" pitchFamily="34" charset="-122"/>
+              <a:ea typeface="微软雅黑" panose="020B0503020204020204" pitchFamily="34" charset="-122"/>
+            </a:endParaRPr>
           </a:p>
         </p:txBody>
       </p:sp>
@@ -13140,25 +12227,6 @@
             <a:ext cx="2133600" cy="365125"/>
           </a:xfrm>
           <a:noFill/>
-          <a:extLst>
-            <a:ext uri="{909E8E84-426E-40dd-AFC4-6F175D3DCCD1}">
-              <a14:hiddenFill xmlns:a14="http://schemas.microsoft.com/office/drawing/2010/main" xmlns="">
-                <a:solidFill>
-                  <a:srgbClr val="FFFFFF"/>
-                </a:solidFill>
-              </a14:hiddenFill>
-            </a:ext>
-            <a:ext uri="{91240B29-F687-4f45-9708-019B960494DF}">
-              <a14:hiddenLine xmlns:a14="http://schemas.microsoft.com/office/drawing/2010/main" xmlns="" w="9525">
-                <a:solidFill>
-                  <a:srgbClr val="000000"/>
-                </a:solidFill>
-                <a:miter lim="800000"/>
-                <a:headEnd/>
-                <a:tailEnd/>
-              </a14:hiddenLine>
-            </a:ext>
-          </a:extLst>
         </p:spPr>
         <p:txBody>
           <a:bodyPr/>
@@ -13177,7 +12245,7 @@
                 <a:ea typeface="宋体" panose="02010600030101010101" pitchFamily="2" charset="-122"/>
               </a:defRPr>
             </a:lvl1pPr>
-            <a:lvl2pPr marL="742920" indent="-285738">
+            <a:lvl2pPr marL="742950" indent="-285750">
               <a:spcBef>
                 <a:spcPct val="20000"/>
               </a:spcBef>
@@ -13191,7 +12259,7 @@
                 <a:ea typeface="宋体" panose="02010600030101010101" pitchFamily="2" charset="-122"/>
               </a:defRPr>
             </a:lvl2pPr>
-            <a:lvl3pPr marL="1142953" indent="-228591">
+            <a:lvl3pPr marL="1143000" indent="-228600">
               <a:spcBef>
                 <a:spcPct val="20000"/>
               </a:spcBef>
@@ -13205,7 +12273,7 @@
                 <a:ea typeface="宋体" panose="02010600030101010101" pitchFamily="2" charset="-122"/>
               </a:defRPr>
             </a:lvl3pPr>
-            <a:lvl4pPr marL="1600135" indent="-228591">
+            <a:lvl4pPr marL="1600200" indent="-228600">
               <a:spcBef>
                 <a:spcPct val="20000"/>
               </a:spcBef>
@@ -13219,7 +12287,7 @@
                 <a:ea typeface="宋体" panose="02010600030101010101" pitchFamily="2" charset="-122"/>
               </a:defRPr>
             </a:lvl4pPr>
-            <a:lvl5pPr marL="2057315" indent="-228591">
+            <a:lvl5pPr marL="2057400" indent="-228600">
               <a:spcBef>
                 <a:spcPct val="20000"/>
               </a:spcBef>
@@ -13233,7 +12301,7 @@
                 <a:ea typeface="宋体" panose="02010600030101010101" pitchFamily="2" charset="-122"/>
               </a:defRPr>
             </a:lvl5pPr>
-            <a:lvl6pPr marL="2514497" indent="-228591" eaLnBrk="0" fontAlgn="base" hangingPunct="0">
+            <a:lvl6pPr marL="2514600" indent="-228600" eaLnBrk="0" fontAlgn="base" hangingPunct="0">
               <a:spcBef>
                 <a:spcPct val="20000"/>
               </a:spcBef>
@@ -13250,7 +12318,7 @@
                 <a:ea typeface="宋体" panose="02010600030101010101" pitchFamily="2" charset="-122"/>
               </a:defRPr>
             </a:lvl6pPr>
-            <a:lvl7pPr marL="2971678" indent="-228591" eaLnBrk="0" fontAlgn="base" hangingPunct="0">
+            <a:lvl7pPr marL="2971800" indent="-228600" eaLnBrk="0" fontAlgn="base" hangingPunct="0">
               <a:spcBef>
                 <a:spcPct val="20000"/>
               </a:spcBef>
@@ -13267,7 +12335,7 @@
                 <a:ea typeface="宋体" panose="02010600030101010101" pitchFamily="2" charset="-122"/>
               </a:defRPr>
             </a:lvl7pPr>
-            <a:lvl8pPr marL="3428859" indent="-228591" eaLnBrk="0" fontAlgn="base" hangingPunct="0">
+            <a:lvl8pPr marL="3429000" indent="-228600" eaLnBrk="0" fontAlgn="base" hangingPunct="0">
               <a:spcBef>
                 <a:spcPct val="20000"/>
               </a:spcBef>
@@ -13284,7 +12352,7 @@
                 <a:ea typeface="宋体" panose="02010600030101010101" pitchFamily="2" charset="-122"/>
               </a:defRPr>
             </a:lvl8pPr>
-            <a:lvl9pPr marL="3886041" indent="-228591" eaLnBrk="0" fontAlgn="base" hangingPunct="0">
+            <a:lvl9pPr marL="3886200" indent="-228600" eaLnBrk="0" fontAlgn="base" hangingPunct="0">
               <a:spcBef>
                 <a:spcPct val="20000"/>
               </a:spcBef>
@@ -13316,14 +12384,6 @@
                   <a:srgbClr val="898989"/>
                 </a:solidFill>
               </a:rPr>
-              <a:pPr>
-                <a:spcBef>
-                  <a:spcPct val="0"/>
-                </a:spcBef>
-                <a:buFontTx/>
-                <a:buNone/>
-              </a:pPr>
-              <a:t>7</a:t>
             </a:fld>
             <a:endParaRPr lang="zh-CN" altLang="en-US" sz="1200" dirty="0">
               <a:solidFill>
@@ -13342,7 +12402,7 @@
           <p:nvPr/>
         </p:nvPicPr>
         <p:blipFill>
-          <a:blip r:embed="rId3" cstate="print">
+          <a:blip r:embed="rId1" cstate="print">
             <a:extLst>
               <a:ext uri="{28A0092B-C50C-407E-A947-70E740481C1C}">
                 <a14:useLocalDpi xmlns:a14="http://schemas.microsoft.com/office/drawing/2010/main" val="0"/>
@@ -13366,25 +12426,6 @@
           <a:ln>
             <a:noFill/>
           </a:ln>
-          <a:extLst>
-            <a:ext uri="{909E8E84-426E-40dd-AFC4-6F175D3DCCD1}">
-              <a14:hiddenFill xmlns:a14="http://schemas.microsoft.com/office/drawing/2010/main" xmlns="">
-                <a:solidFill>
-                  <a:srgbClr val="FFFFFF"/>
-                </a:solidFill>
-              </a14:hiddenFill>
-            </a:ext>
-            <a:ext uri="{91240B29-F687-4f45-9708-019B960494DF}">
-              <a14:hiddenLine xmlns:a14="http://schemas.microsoft.com/office/drawing/2010/main" xmlns="" w="9525">
-                <a:solidFill>
-                  <a:srgbClr val="000000"/>
-                </a:solidFill>
-                <a:miter lim="800000"/>
-                <a:headEnd/>
-                <a:tailEnd/>
-              </a14:hiddenLine>
-            </a:ext>
-          </a:extLst>
         </p:spPr>
       </p:pic>
       <mc:AlternateContent xmlns:mc="http://schemas.openxmlformats.org/markup-compatibility/2006">
@@ -13394,7 +12435,7 @@
               <p:cNvPr id="6" name="Subtitle 2">
                 <a:extLst>
                   <a:ext uri="{FF2B5EF4-FFF2-40B4-BE49-F238E27FC236}">
-                    <a16:creationId xmlns:a16="http://schemas.microsoft.com/office/drawing/2014/main" id="{5B72932F-F3D6-46BF-9A61-0930A2E33BD6}"/>
+                    <ele attr="{5B72932F-F3D6-46BF-9A61-0930A2E33BD6}"/>
                   </a:ext>
                 </a:extLst>
               </p:cNvPr>
@@ -14316,13 +13357,7 @@
         <mc:Fallback>
           <p:sp>
             <p:nvSpPr>
-              <p:cNvPr id="6" name="Subtitle 2">
-                <a:extLst>
-                  <a:ext uri="{FF2B5EF4-FFF2-40B4-BE49-F238E27FC236}">
-                    <a16:creationId xmlns:a16="http://schemas.microsoft.com/office/drawing/2014/main" id="{5B72932F-F3D6-46BF-9A61-0930A2E33BD6}"/>
-                  </a:ext>
-                </a:extLst>
-              </p:cNvPr>
+              <p:cNvPr id="6" name="Subtitle 2"/>
               <p:cNvSpPr txBox="1">
                 <a:spLocks noRot="1" noChangeAspect="1" noMove="1" noResize="1" noEditPoints="1" noAdjustHandles="1" noChangeArrowheads="1" noChangeShapeType="1" noTextEdit="1"/>
               </p:cNvSpPr>
@@ -14336,8 +13371,8 @@
               <a:prstGeom prst="rect">
                 <a:avLst/>
               </a:prstGeom>
-              <a:blipFill>
-                <a:blip r:embed="rId4"/>
+              <a:blipFill rotWithShape="1">
+                <a:blip r:embed="rId2"/>
                 <a:stretch>
                   <a:fillRect l="-608" t="-1501" r="-743"/>
                 </a:stretch>
@@ -14375,6 +13410,9 @@
                   </a:rPr>
                   <a:t> </a:t>
                 </a:r>
+                <a:endParaRPr lang="zh-CN" altLang="en-US">
+                  <a:noFill/>
+                </a:endParaRPr>
               </a:p>
             </p:txBody>
           </p:sp>
@@ -14382,20 +13420,14 @@
       </mc:AlternateContent>
       <p:pic>
         <p:nvPicPr>
-          <p:cNvPr id="2" name="图片 1">
-            <a:extLst>
-              <a:ext uri="{FF2B5EF4-FFF2-40B4-BE49-F238E27FC236}">
-                <a16:creationId xmlns:a16="http://schemas.microsoft.com/office/drawing/2014/main" id="{4D711826-C4E2-4C34-97DF-4FA63602EB41}"/>
-              </a:ext>
-            </a:extLst>
-          </p:cNvPr>
+          <p:cNvPr id="2" name="图片 1"/>
           <p:cNvPicPr>
             <a:picLocks noChangeAspect="1"/>
           </p:cNvPicPr>
           <p:nvPr/>
         </p:nvPicPr>
         <p:blipFill>
-          <a:blip r:embed="rId5"/>
+          <a:blip r:embed="rId3"/>
           <a:stretch>
             <a:fillRect/>
           </a:stretch>
@@ -14412,20 +13444,14 @@
       </p:pic>
       <p:pic>
         <p:nvPicPr>
-          <p:cNvPr id="5" name="图片 4">
-            <a:extLst>
-              <a:ext uri="{FF2B5EF4-FFF2-40B4-BE49-F238E27FC236}">
-                <a16:creationId xmlns:a16="http://schemas.microsoft.com/office/drawing/2014/main" id="{E50354D0-D844-4ADC-9B92-A80E319829F5}"/>
-              </a:ext>
-            </a:extLst>
-          </p:cNvPr>
+          <p:cNvPr id="5" name="图片 4"/>
           <p:cNvPicPr>
             <a:picLocks noChangeAspect="1"/>
           </p:cNvPicPr>
           <p:nvPr/>
         </p:nvPicPr>
         <p:blipFill>
-          <a:blip r:embed="rId6"/>
+          <a:blip r:embed="rId4"/>
           <a:stretch>
             <a:fillRect/>
           </a:stretch>
@@ -14441,11 +13467,6 @@
         </p:spPr>
       </p:pic>
     </p:spTree>
-    <p:extLst>
-      <p:ext uri="{BB962C8B-B14F-4D97-AF65-F5344CB8AC3E}">
-        <p14:creationId xmlns:p14="http://schemas.microsoft.com/office/powerpoint/2010/main" val="1237521656"/>
-      </p:ext>
-    </p:extLst>
   </p:cSld>
   <p:clrMapOvr>
     <a:masterClrMapping/>
@@ -14490,25 +13511,6 @@
           <a:ln>
             <a:noFill/>
           </a:ln>
-          <a:extLst>
-            <a:ext uri="{909E8E84-426E-40dd-AFC4-6F175D3DCCD1}">
-              <a14:hiddenFill xmlns:a14="http://schemas.microsoft.com/office/drawing/2010/main" xmlns="">
-                <a:solidFill>
-                  <a:srgbClr val="FFFFFF"/>
-                </a:solidFill>
-              </a14:hiddenFill>
-            </a:ext>
-            <a:ext uri="{91240B29-F687-4f45-9708-019B960494DF}">
-              <a14:hiddenLine xmlns:a14="http://schemas.microsoft.com/office/drawing/2010/main" xmlns="" w="9525">
-                <a:solidFill>
-                  <a:srgbClr val="000000"/>
-                </a:solidFill>
-                <a:miter lim="800000"/>
-                <a:headEnd/>
-                <a:tailEnd/>
-              </a14:hiddenLine>
-            </a:ext>
-          </a:extLst>
         </p:spPr>
         <p:txBody>
           <a:bodyPr wrap="square" lIns="91436" tIns="45718" rIns="91436" bIns="45718">
@@ -14672,6 +13674,13 @@
               </a:rPr>
               <a:t>最小权重生成树算法（同步）</a:t>
             </a:r>
+            <a:endParaRPr lang="zh-CN" altLang="en-US" b="1" dirty="0">
+              <a:solidFill>
+                <a:srgbClr val="002060"/>
+              </a:solidFill>
+              <a:latin typeface="微软雅黑" panose="020B0503020204020204" pitchFamily="34" charset="-122"/>
+              <a:ea typeface="微软雅黑" panose="020B0503020204020204" pitchFamily="34" charset="-122"/>
+            </a:endParaRPr>
           </a:p>
         </p:txBody>
       </p:sp>
@@ -14691,25 +13700,6 @@
             <a:ext cx="2133600" cy="365125"/>
           </a:xfrm>
           <a:noFill/>
-          <a:extLst>
-            <a:ext uri="{909E8E84-426E-40dd-AFC4-6F175D3DCCD1}">
-              <a14:hiddenFill xmlns:a14="http://schemas.microsoft.com/office/drawing/2010/main" xmlns="">
-                <a:solidFill>
-                  <a:srgbClr val="FFFFFF"/>
-                </a:solidFill>
-              </a14:hiddenFill>
-            </a:ext>
-            <a:ext uri="{91240B29-F687-4f45-9708-019B960494DF}">
-              <a14:hiddenLine xmlns:a14="http://schemas.microsoft.com/office/drawing/2010/main" xmlns="" w="9525">
-                <a:solidFill>
-                  <a:srgbClr val="000000"/>
-                </a:solidFill>
-                <a:miter lim="800000"/>
-                <a:headEnd/>
-                <a:tailEnd/>
-              </a14:hiddenLine>
-            </a:ext>
-          </a:extLst>
         </p:spPr>
         <p:txBody>
           <a:bodyPr/>
@@ -14728,7 +13718,7 @@
                 <a:ea typeface="宋体" panose="02010600030101010101" pitchFamily="2" charset="-122"/>
               </a:defRPr>
             </a:lvl1pPr>
-            <a:lvl2pPr marL="742920" indent="-285738">
+            <a:lvl2pPr marL="742950" indent="-285750">
               <a:spcBef>
                 <a:spcPct val="20000"/>
               </a:spcBef>
@@ -14742,7 +13732,7 @@
                 <a:ea typeface="宋体" panose="02010600030101010101" pitchFamily="2" charset="-122"/>
               </a:defRPr>
             </a:lvl2pPr>
-            <a:lvl3pPr marL="1142953" indent="-228591">
+            <a:lvl3pPr marL="1143000" indent="-228600">
               <a:spcBef>
                 <a:spcPct val="20000"/>
               </a:spcBef>
@@ -14756,7 +13746,7 @@
                 <a:ea typeface="宋体" panose="02010600030101010101" pitchFamily="2" charset="-122"/>
               </a:defRPr>
             </a:lvl3pPr>
-            <a:lvl4pPr marL="1600135" indent="-228591">
+            <a:lvl4pPr marL="1600200" indent="-228600">
               <a:spcBef>
                 <a:spcPct val="20000"/>
               </a:spcBef>
@@ -14770,7 +13760,7 @@
                 <a:ea typeface="宋体" panose="02010600030101010101" pitchFamily="2" charset="-122"/>
               </a:defRPr>
             </a:lvl4pPr>
-            <a:lvl5pPr marL="2057315" indent="-228591">
+            <a:lvl5pPr marL="2057400" indent="-228600">
               <a:spcBef>
                 <a:spcPct val="20000"/>
               </a:spcBef>
@@ -14784,7 +13774,7 @@
                 <a:ea typeface="宋体" panose="02010600030101010101" pitchFamily="2" charset="-122"/>
               </a:defRPr>
             </a:lvl5pPr>
-            <a:lvl6pPr marL="2514497" indent="-228591" eaLnBrk="0" fontAlgn="base" hangingPunct="0">
+            <a:lvl6pPr marL="2514600" indent="-228600" eaLnBrk="0" fontAlgn="base" hangingPunct="0">
               <a:spcBef>
                 <a:spcPct val="20000"/>
               </a:spcBef>
@@ -14801,7 +13791,7 @@
                 <a:ea typeface="宋体" panose="02010600030101010101" pitchFamily="2" charset="-122"/>
               </a:defRPr>
             </a:lvl6pPr>
-            <a:lvl7pPr marL="2971678" indent="-228591" eaLnBrk="0" fontAlgn="base" hangingPunct="0">
+            <a:lvl7pPr marL="2971800" indent="-228600" eaLnBrk="0" fontAlgn="base" hangingPunct="0">
               <a:spcBef>
                 <a:spcPct val="20000"/>
               </a:spcBef>
@@ -14818,7 +13808,7 @@
                 <a:ea typeface="宋体" panose="02010600030101010101" pitchFamily="2" charset="-122"/>
               </a:defRPr>
             </a:lvl7pPr>
-            <a:lvl8pPr marL="3428859" indent="-228591" eaLnBrk="0" fontAlgn="base" hangingPunct="0">
+            <a:lvl8pPr marL="3429000" indent="-228600" eaLnBrk="0" fontAlgn="base" hangingPunct="0">
               <a:spcBef>
                 <a:spcPct val="20000"/>
               </a:spcBef>
@@ -14835,7 +13825,7 @@
                 <a:ea typeface="宋体" panose="02010600030101010101" pitchFamily="2" charset="-122"/>
               </a:defRPr>
             </a:lvl8pPr>
-            <a:lvl9pPr marL="3886041" indent="-228591" eaLnBrk="0" fontAlgn="base" hangingPunct="0">
+            <a:lvl9pPr marL="3886200" indent="-228600" eaLnBrk="0" fontAlgn="base" hangingPunct="0">
               <a:spcBef>
                 <a:spcPct val="20000"/>
               </a:spcBef>
@@ -14867,14 +13857,6 @@
                   <a:srgbClr val="898989"/>
                 </a:solidFill>
               </a:rPr>
-              <a:pPr>
-                <a:spcBef>
-                  <a:spcPct val="0"/>
-                </a:spcBef>
-                <a:buFontTx/>
-                <a:buNone/>
-              </a:pPr>
-              <a:t>8</a:t>
             </a:fld>
             <a:endParaRPr lang="zh-CN" altLang="en-US" sz="1200" dirty="0">
               <a:solidFill>
@@ -14893,7 +13875,7 @@
           <p:nvPr/>
         </p:nvPicPr>
         <p:blipFill>
-          <a:blip r:embed="rId3" cstate="print">
+          <a:blip r:embed="rId1" cstate="print">
             <a:extLst>
               <a:ext uri="{28A0092B-C50C-407E-A947-70E740481C1C}">
                 <a14:useLocalDpi xmlns:a14="http://schemas.microsoft.com/office/drawing/2010/main" val="0"/>
@@ -14917,25 +13899,6 @@
           <a:ln>
             <a:noFill/>
           </a:ln>
-          <a:extLst>
-            <a:ext uri="{909E8E84-426E-40dd-AFC4-6F175D3DCCD1}">
-              <a14:hiddenFill xmlns:a14="http://schemas.microsoft.com/office/drawing/2010/main" xmlns="">
-                <a:solidFill>
-                  <a:srgbClr val="FFFFFF"/>
-                </a:solidFill>
-              </a14:hiddenFill>
-            </a:ext>
-            <a:ext uri="{91240B29-F687-4f45-9708-019B960494DF}">
-              <a14:hiddenLine xmlns:a14="http://schemas.microsoft.com/office/drawing/2010/main" xmlns="" w="9525">
-                <a:solidFill>
-                  <a:srgbClr val="000000"/>
-                </a:solidFill>
-                <a:miter lim="800000"/>
-                <a:headEnd/>
-                <a:tailEnd/>
-              </a14:hiddenLine>
-            </a:ext>
-          </a:extLst>
         </p:spPr>
       </p:pic>
       <mc:AlternateContent xmlns:mc="http://schemas.openxmlformats.org/markup-compatibility/2006">
@@ -14945,7 +13908,7 @@
               <p:cNvPr id="6" name="Subtitle 2">
                 <a:extLst>
                   <a:ext uri="{FF2B5EF4-FFF2-40B4-BE49-F238E27FC236}">
-                    <a16:creationId xmlns:a16="http://schemas.microsoft.com/office/drawing/2014/main" id="{5B72932F-F3D6-46BF-9A61-0930A2E33BD6}"/>
+                    <ele attr="{5B72932F-F3D6-46BF-9A61-0930A2E33BD6}"/>
                   </a:ext>
                 </a:extLst>
               </p:cNvPr>
@@ -15940,13 +14903,7 @@
         <mc:Fallback>
           <p:sp>
             <p:nvSpPr>
-              <p:cNvPr id="6" name="Subtitle 2">
-                <a:extLst>
-                  <a:ext uri="{FF2B5EF4-FFF2-40B4-BE49-F238E27FC236}">
-                    <a16:creationId xmlns:a16="http://schemas.microsoft.com/office/drawing/2014/main" id="{5B72932F-F3D6-46BF-9A61-0930A2E33BD6}"/>
-                  </a:ext>
-                </a:extLst>
-              </p:cNvPr>
+              <p:cNvPr id="6" name="Subtitle 2"/>
               <p:cNvSpPr txBox="1">
                 <a:spLocks noRot="1" noChangeAspect="1" noMove="1" noResize="1" noEditPoints="1" noAdjustHandles="1" noChangeArrowheads="1" noChangeShapeType="1" noTextEdit="1"/>
               </p:cNvSpPr>
@@ -15960,8 +14917,8 @@
               <a:prstGeom prst="rect">
                 <a:avLst/>
               </a:prstGeom>
-              <a:blipFill>
-                <a:blip r:embed="rId4"/>
+              <a:blipFill rotWithShape="1">
+                <a:blip r:embed="rId2"/>
                 <a:stretch>
                   <a:fillRect l="-608" t="-1141" r="-1013"/>
                 </a:stretch>
@@ -15999,17 +14956,15 @@
                   </a:rPr>
                   <a:t> </a:t>
                 </a:r>
+                <a:endParaRPr lang="zh-CN" altLang="en-US">
+                  <a:noFill/>
+                </a:endParaRPr>
               </a:p>
             </p:txBody>
           </p:sp>
         </mc:Fallback>
       </mc:AlternateContent>
     </p:spTree>
-    <p:extLst>
-      <p:ext uri="{BB962C8B-B14F-4D97-AF65-F5344CB8AC3E}">
-        <p14:creationId xmlns:p14="http://schemas.microsoft.com/office/powerpoint/2010/main" val="3332579041"/>
-      </p:ext>
-    </p:extLst>
   </p:cSld>
   <p:clrMapOvr>
     <a:masterClrMapping/>
@@ -16054,25 +15009,6 @@
           <a:ln>
             <a:noFill/>
           </a:ln>
-          <a:extLst>
-            <a:ext uri="{909E8E84-426E-40dd-AFC4-6F175D3DCCD1}">
-              <a14:hiddenFill xmlns:a14="http://schemas.microsoft.com/office/drawing/2010/main" xmlns="">
-                <a:solidFill>
-                  <a:srgbClr val="FFFFFF"/>
-                </a:solidFill>
-              </a14:hiddenFill>
-            </a:ext>
-            <a:ext uri="{91240B29-F687-4f45-9708-019B960494DF}">
-              <a14:hiddenLine xmlns:a14="http://schemas.microsoft.com/office/drawing/2010/main" xmlns="" w="9525">
-                <a:solidFill>
-                  <a:srgbClr val="000000"/>
-                </a:solidFill>
-                <a:miter lim="800000"/>
-                <a:headEnd/>
-                <a:tailEnd/>
-              </a14:hiddenLine>
-            </a:ext>
-          </a:extLst>
         </p:spPr>
         <p:txBody>
           <a:bodyPr wrap="square" lIns="91436" tIns="45718" rIns="91436" bIns="45718">
@@ -16236,6 +15172,13 @@
               </a:rPr>
               <a:t>最小权重生成树算法（异步）</a:t>
             </a:r>
+            <a:endParaRPr lang="zh-CN" altLang="en-US" b="1" dirty="0">
+              <a:solidFill>
+                <a:srgbClr val="002060"/>
+              </a:solidFill>
+              <a:latin typeface="微软雅黑" panose="020B0503020204020204" pitchFamily="34" charset="-122"/>
+              <a:ea typeface="微软雅黑" panose="020B0503020204020204" pitchFamily="34" charset="-122"/>
+            </a:endParaRPr>
           </a:p>
         </p:txBody>
       </p:sp>
@@ -16255,25 +15198,6 @@
             <a:ext cx="2133600" cy="365125"/>
           </a:xfrm>
           <a:noFill/>
-          <a:extLst>
-            <a:ext uri="{909E8E84-426E-40dd-AFC4-6F175D3DCCD1}">
-              <a14:hiddenFill xmlns:a14="http://schemas.microsoft.com/office/drawing/2010/main" xmlns="">
-                <a:solidFill>
-                  <a:srgbClr val="FFFFFF"/>
-                </a:solidFill>
-              </a14:hiddenFill>
-            </a:ext>
-            <a:ext uri="{91240B29-F687-4f45-9708-019B960494DF}">
-              <a14:hiddenLine xmlns:a14="http://schemas.microsoft.com/office/drawing/2010/main" xmlns="" w="9525">
-                <a:solidFill>
-                  <a:srgbClr val="000000"/>
-                </a:solidFill>
-                <a:miter lim="800000"/>
-                <a:headEnd/>
-                <a:tailEnd/>
-              </a14:hiddenLine>
-            </a:ext>
-          </a:extLst>
         </p:spPr>
         <p:txBody>
           <a:bodyPr/>
@@ -16292,7 +15216,7 @@
                 <a:ea typeface="宋体" panose="02010600030101010101" pitchFamily="2" charset="-122"/>
               </a:defRPr>
             </a:lvl1pPr>
-            <a:lvl2pPr marL="742920" indent="-285738">
+            <a:lvl2pPr marL="742950" indent="-285750">
               <a:spcBef>
                 <a:spcPct val="20000"/>
               </a:spcBef>
@@ -16306,7 +15230,7 @@
                 <a:ea typeface="宋体" panose="02010600030101010101" pitchFamily="2" charset="-122"/>
               </a:defRPr>
             </a:lvl2pPr>
-            <a:lvl3pPr marL="1142953" indent="-228591">
+            <a:lvl3pPr marL="1143000" indent="-228600">
               <a:spcBef>
                 <a:spcPct val="20000"/>
               </a:spcBef>
@@ -16320,7 +15244,7 @@
                 <a:ea typeface="宋体" panose="02010600030101010101" pitchFamily="2" charset="-122"/>
               </a:defRPr>
             </a:lvl3pPr>
-            <a:lvl4pPr marL="1600135" indent="-228591">
+            <a:lvl4pPr marL="1600200" indent="-228600">
               <a:spcBef>
                 <a:spcPct val="20000"/>
               </a:spcBef>
@@ -16334,7 +15258,7 @@
                 <a:ea typeface="宋体" panose="02010600030101010101" pitchFamily="2" charset="-122"/>
               </a:defRPr>
             </a:lvl4pPr>
-            <a:lvl5pPr marL="2057315" indent="-228591">
+            <a:lvl5pPr marL="2057400" indent="-228600">
               <a:spcBef>
                 <a:spcPct val="20000"/>
               </a:spcBef>
@@ -16348,7 +15272,7 @@
                 <a:ea typeface="宋体" panose="02010600030101010101" pitchFamily="2" charset="-122"/>
               </a:defRPr>
             </a:lvl5pPr>
-            <a:lvl6pPr marL="2514497" indent="-228591" eaLnBrk="0" fontAlgn="base" hangingPunct="0">
+            <a:lvl6pPr marL="2514600" indent="-228600" eaLnBrk="0" fontAlgn="base" hangingPunct="0">
               <a:spcBef>
                 <a:spcPct val="20000"/>
               </a:spcBef>
@@ -16365,7 +15289,7 @@
                 <a:ea typeface="宋体" panose="02010600030101010101" pitchFamily="2" charset="-122"/>
               </a:defRPr>
             </a:lvl6pPr>
-            <a:lvl7pPr marL="2971678" indent="-228591" eaLnBrk="0" fontAlgn="base" hangingPunct="0">
+            <a:lvl7pPr marL="2971800" indent="-228600" eaLnBrk="0" fontAlgn="base" hangingPunct="0">
               <a:spcBef>
                 <a:spcPct val="20000"/>
               </a:spcBef>
@@ -16382,7 +15306,7 @@
                 <a:ea typeface="宋体" panose="02010600030101010101" pitchFamily="2" charset="-122"/>
               </a:defRPr>
             </a:lvl7pPr>
-            <a:lvl8pPr marL="3428859" indent="-228591" eaLnBrk="0" fontAlgn="base" hangingPunct="0">
+            <a:lvl8pPr marL="3429000" indent="-228600" eaLnBrk="0" fontAlgn="base" hangingPunct="0">
               <a:spcBef>
                 <a:spcPct val="20000"/>
               </a:spcBef>
@@ -16399,7 +15323,7 @@
                 <a:ea typeface="宋体" panose="02010600030101010101" pitchFamily="2" charset="-122"/>
               </a:defRPr>
             </a:lvl8pPr>
-            <a:lvl9pPr marL="3886041" indent="-228591" eaLnBrk="0" fontAlgn="base" hangingPunct="0">
+            <a:lvl9pPr marL="3886200" indent="-228600" eaLnBrk="0" fontAlgn="base" hangingPunct="0">
               <a:spcBef>
                 <a:spcPct val="20000"/>
               </a:spcBef>
@@ -16431,14 +15355,6 @@
                   <a:srgbClr val="898989"/>
                 </a:solidFill>
               </a:rPr>
-              <a:pPr>
-                <a:spcBef>
-                  <a:spcPct val="0"/>
-                </a:spcBef>
-                <a:buFontTx/>
-                <a:buNone/>
-              </a:pPr>
-              <a:t>9</a:t>
             </a:fld>
             <a:endParaRPr lang="zh-CN" altLang="en-US" sz="1200" dirty="0">
               <a:solidFill>
@@ -16457,7 +15373,7 @@
           <p:nvPr/>
         </p:nvPicPr>
         <p:blipFill>
-          <a:blip r:embed="rId3" cstate="print">
+          <a:blip r:embed="rId1" cstate="print">
             <a:extLst>
               <a:ext uri="{28A0092B-C50C-407E-A947-70E740481C1C}">
                 <a14:useLocalDpi xmlns:a14="http://schemas.microsoft.com/office/drawing/2010/main" val="0"/>
@@ -16481,25 +15397,6 @@
           <a:ln>
             <a:noFill/>
           </a:ln>
-          <a:extLst>
-            <a:ext uri="{909E8E84-426E-40dd-AFC4-6F175D3DCCD1}">
-              <a14:hiddenFill xmlns:a14="http://schemas.microsoft.com/office/drawing/2010/main" xmlns="">
-                <a:solidFill>
-                  <a:srgbClr val="FFFFFF"/>
-                </a:solidFill>
-              </a14:hiddenFill>
-            </a:ext>
-            <a:ext uri="{91240B29-F687-4f45-9708-019B960494DF}">
-              <a14:hiddenLine xmlns:a14="http://schemas.microsoft.com/office/drawing/2010/main" xmlns="" w="9525">
-                <a:solidFill>
-                  <a:srgbClr val="000000"/>
-                </a:solidFill>
-                <a:miter lim="800000"/>
-                <a:headEnd/>
-                <a:tailEnd/>
-              </a14:hiddenLine>
-            </a:ext>
-          </a:extLst>
         </p:spPr>
       </p:pic>
       <mc:AlternateContent xmlns:mc="http://schemas.openxmlformats.org/markup-compatibility/2006">
@@ -16509,7 +15406,7 @@
               <p:cNvPr id="6" name="Subtitle 2">
                 <a:extLst>
                   <a:ext uri="{FF2B5EF4-FFF2-40B4-BE49-F238E27FC236}">
-                    <a16:creationId xmlns:a16="http://schemas.microsoft.com/office/drawing/2014/main" id="{5B72932F-F3D6-46BF-9A61-0930A2E33BD6}"/>
+                    <ele attr="{5B72932F-F3D6-46BF-9A61-0930A2E33BD6}"/>
                   </a:ext>
                 </a:extLst>
               </p:cNvPr>
@@ -17273,13 +16170,7 @@
         <mc:Fallback>
           <p:sp>
             <p:nvSpPr>
-              <p:cNvPr id="6" name="Subtitle 2">
-                <a:extLst>
-                  <a:ext uri="{FF2B5EF4-FFF2-40B4-BE49-F238E27FC236}">
-                    <a16:creationId xmlns:a16="http://schemas.microsoft.com/office/drawing/2014/main" id="{5B72932F-F3D6-46BF-9A61-0930A2E33BD6}"/>
-                  </a:ext>
-                </a:extLst>
-              </p:cNvPr>
+              <p:cNvPr id="6" name="Subtitle 2"/>
               <p:cNvSpPr txBox="1">
                 <a:spLocks noRot="1" noChangeAspect="1" noMove="1" noResize="1" noEditPoints="1" noAdjustHandles="1" noChangeArrowheads="1" noChangeShapeType="1" noTextEdit="1"/>
               </p:cNvSpPr>
@@ -17293,8 +16184,8 @@
               <a:prstGeom prst="rect">
                 <a:avLst/>
               </a:prstGeom>
-              <a:blipFill>
-                <a:blip r:embed="rId4"/>
+              <a:blipFill rotWithShape="1">
+                <a:blip r:embed="rId2"/>
                 <a:stretch>
                   <a:fillRect l="-608" t="-1141"/>
                 </a:stretch>
@@ -17332,17 +16223,15 @@
                   </a:rPr>
                   <a:t> </a:t>
                 </a:r>
+                <a:endParaRPr lang="zh-CN" altLang="en-US">
+                  <a:noFill/>
+                </a:endParaRPr>
               </a:p>
             </p:txBody>
           </p:sp>
         </mc:Fallback>
       </mc:AlternateContent>
     </p:spTree>
-    <p:extLst>
-      <p:ext uri="{BB962C8B-B14F-4D97-AF65-F5344CB8AC3E}">
-        <p14:creationId xmlns:p14="http://schemas.microsoft.com/office/powerpoint/2010/main" val="105055504"/>
-      </p:ext>
-    </p:extLst>
   </p:cSld>
   <p:clrMapOvr>
     <a:masterClrMapping/>
@@ -17630,8 +16519,11 @@
       </a:bgFillStyleLst>
     </a:fmtScheme>
   </a:themeElements>
-  <a:objectDefaults/>
-  <a:extraClrSchemeLst/>
+  <a:extLst>
+    <a:ext uri="{05A4C25C-085E-4340-85A3-A5531E510DB2}">
+      <thm15:themeFamily xmlns:thm15="http://schemas.microsoft.com/office/thememl/2012/main" name="Office Theme" id="{62F939B6-93AF-4DB8-9C6B-D6C7DFDC589F}" vid="{4A3C46E8-61CC-4603-A589-7422A47A8E4A}"/>
+    </a:ext>
+  </a:extLst>
 </a:theme>
 </file>
 
@@ -17915,8 +16807,11 @@
       </a:bgFillStyleLst>
     </a:fmtScheme>
   </a:themeElements>
-  <a:objectDefaults/>
-  <a:extraClrSchemeLst/>
+  <a:extLst>
+    <a:ext uri="{05A4C25C-085E-4340-85A3-A5531E510DB2}">
+      <thm15:themeFamily xmlns:thm15="http://schemas.microsoft.com/office/thememl/2012/main" name="Office Theme" id="{62F939B6-93AF-4DB8-9C6B-D6C7DFDC589F}" vid="{4A3C46E8-61CC-4603-A589-7422A47A8E4A}"/>
+    </a:ext>
+  </a:extLst>
 </a:theme>
 </file>
 
@@ -18200,7 +17095,10 @@
       </a:bgFillStyleLst>
     </a:fmtScheme>
   </a:themeElements>
-  <a:objectDefaults/>
-  <a:extraClrSchemeLst/>
+  <a:extLst>
+    <a:ext uri="{05A4C25C-085E-4340-85A3-A5531E510DB2}">
+      <thm15:themeFamily xmlns:thm15="http://schemas.microsoft.com/office/thememl/2012/main" name="Office Theme" id="{62F939B6-93AF-4DB8-9C6B-D6C7DFDC589F}" vid="{4A3C46E8-61CC-4603-A589-7422A47A8E4A}"/>
+    </a:ext>
+  </a:extLst>
 </a:theme>
 </file>